--- a/presentations/Session_8_Circuit_Breaker.pptx
+++ b/presentations/Session_8_Circuit_Breaker.pptx
@@ -2,20 +2,28 @@
 <file path=ppt/presentation.xml><?xml version="1.0" encoding="utf-8"?>
 <p:presentation xmlns:a="http://schemas.openxmlformats.org/drawingml/2006/main" xmlns:r="http://schemas.openxmlformats.org/officeDocument/2006/relationships" xmlns:p="http://schemas.openxmlformats.org/presentationml/2006/main" saveSubsetFonts="1" autoCompressPictures="0">
   <p:sldMasterIdLst>
-    <p:sldMasterId id="2147483648" r:id="rId1"/>
-    <p:sldMasterId id="2147483710" r:id="rId2"/>
-    <p:sldMasterId id="2147483716" r:id="rId3"/>
-    <p:sldMasterId id="2147483724" r:id="rId4"/>
+    <p:sldMasterId id="2147483710" r:id="rId1"/>
+    <p:sldMasterId id="2147483716" r:id="rId2"/>
+    <p:sldMasterId id="2147483724" r:id="rId3"/>
   </p:sldMasterIdLst>
   <p:notesMasterIdLst>
-    <p:notesMasterId r:id="rId7"/>
+    <p:notesMasterId r:id="rId15"/>
   </p:notesMasterIdLst>
   <p:handoutMasterIdLst>
-    <p:handoutMasterId r:id="rId8"/>
+    <p:handoutMasterId r:id="rId16"/>
   </p:handoutMasterIdLst>
   <p:sldIdLst>
-    <p:sldId id="353" r:id="rId5"/>
-    <p:sldId id="259" r:id="rId6"/>
+    <p:sldId id="353" r:id="rId4"/>
+    <p:sldId id="354" r:id="rId5"/>
+    <p:sldId id="355" r:id="rId6"/>
+    <p:sldId id="356" r:id="rId7"/>
+    <p:sldId id="362" r:id="rId8"/>
+    <p:sldId id="363" r:id="rId9"/>
+    <p:sldId id="358" r:id="rId10"/>
+    <p:sldId id="359" r:id="rId11"/>
+    <p:sldId id="364" r:id="rId12"/>
+    <p:sldId id="365" r:id="rId13"/>
+    <p:sldId id="361" r:id="rId14"/>
   </p:sldIdLst>
   <p:sldSz cx="9144000" cy="5143500" type="screen16x9"/>
   <p:notesSz cx="6858000" cy="9144000"/>
@@ -120,7 +128,16 @@
         <p14:section name="Default Section" id="{53BEC9F5-E74A-0C43-AF9D-619E2F4BC018}">
           <p14:sldIdLst>
             <p14:sldId id="353"/>
-            <p14:sldId id="259"/>
+            <p14:sldId id="354"/>
+            <p14:sldId id="355"/>
+            <p14:sldId id="356"/>
+            <p14:sldId id="362"/>
+            <p14:sldId id="363"/>
+            <p14:sldId id="358"/>
+            <p14:sldId id="359"/>
+            <p14:sldId id="364"/>
+            <p14:sldId id="365"/>
+            <p14:sldId id="361"/>
           </p14:sldIdLst>
         </p14:section>
       </p14:sectionLst>
@@ -211,7 +228,7 @@
           <a:p>
             <a:fld id="{372E5B6B-8713-8747-AE5B-F1241B2BF5F0}" type="datetimeFigureOut">
               <a:rPr lang="en-US" smtClean="0"/>
-              <a:t>3/2/16</a:t>
+              <a:t>4/6/16</a:t>
             </a:fld>
             <a:endParaRPr lang="en-US"/>
           </a:p>
@@ -377,7 +394,7 @@
           <a:p>
             <a:fld id="{7E7B7340-DDD5-1B49-81AA-25BC4050C073}" type="datetimeFigureOut">
               <a:rPr lang="en-US" smtClean="0"/>
-              <a:t>3/2/16</a:t>
+              <a:t>4/6/16</a:t>
             </a:fld>
             <a:endParaRPr lang="en-US"/>
           </a:p>
@@ -738,12 +755,12 @@
 </p:notes>
 </file>
 
-<file path=ppt/notesSlides/notesSlide2.xml><?xml version="1.0" encoding="utf-8"?>
-<p:notes xmlns:a="http://schemas.openxmlformats.org/drawingml/2006/main" xmlns:r="http://schemas.openxmlformats.org/officeDocument/2006/relationships" xmlns:p="http://schemas.openxmlformats.org/presentationml/2006/main" showMasterSp="0" showMasterPhAnim="0">
+<file path=ppt/notesSlides/notesSlide10.xml><?xml version="1.0" encoding="utf-8"?>
+<p:notes xmlns:a="http://schemas.openxmlformats.org/drawingml/2006/main" xmlns:r="http://schemas.openxmlformats.org/officeDocument/2006/relationships" xmlns:p="http://schemas.openxmlformats.org/presentationml/2006/main">
   <p:cSld>
     <p:spTree>
       <p:nvGrpSpPr>
-        <p:cNvPr id="1" name="Shape 197"/>
+        <p:cNvPr id="1" name=""/>
         <p:cNvGrpSpPr/>
         <p:nvPr/>
       </p:nvGrpSpPr>
@@ -757,85 +774,839 @@
       </p:grpSpPr>
       <p:sp>
         <p:nvSpPr>
-          <p:cNvPr id="198" name="Shape 198"/>
-          <p:cNvSpPr txBox="1">
+          <p:cNvPr id="2" name="Slide Image Placeholder 1"/>
+          <p:cNvSpPr>
+            <a:spLocks noGrp="1" noRot="1" noChangeAspect="1"/>
+          </p:cNvSpPr>
+          <p:nvPr>
+            <p:ph type="sldImg"/>
+          </p:nvPr>
+        </p:nvSpPr>
+        <p:spPr/>
+      </p:sp>
+      <p:sp>
+        <p:nvSpPr>
+          <p:cNvPr id="3" name="Notes Placeholder 2"/>
+          <p:cNvSpPr>
             <a:spLocks noGrp="1"/>
           </p:cNvSpPr>
           <p:nvPr>
             <p:ph type="body" idx="1"/>
           </p:nvPr>
         </p:nvSpPr>
-        <p:spPr>
-          <a:xfrm>
-            <a:off x="295171" y="2972430"/>
-            <a:ext cx="6267659" cy="5793719"/>
-          </a:xfrm>
-          <a:prstGeom prst="rect">
-            <a:avLst/>
-          </a:prstGeom>
-        </p:spPr>
+        <p:spPr/>
         <p:txBody>
-          <a:bodyPr lIns="90556" tIns="90556" rIns="90556" bIns="90556" anchor="t" anchorCtr="0">
-            <a:noAutofit/>
-          </a:bodyPr>
+          <a:bodyPr/>
           <a:lstStyle/>
           <a:p>
-            <a:endParaRPr dirty="0"/>
+            <a:pPr marL="0" indent="0" fontAlgn="base">
+              <a:buNone/>
+            </a:pPr>
+            <a:endParaRPr lang="en-US" sz="1200" dirty="0"/>
           </a:p>
         </p:txBody>
       </p:sp>
       <p:sp>
         <p:nvSpPr>
-          <p:cNvPr id="199" name="Shape 199"/>
+          <p:cNvPr id="4" name="Slide Number Placeholder 3"/>
+          <p:cNvSpPr>
+            <a:spLocks noGrp="1"/>
+          </p:cNvSpPr>
+          <p:nvPr>
+            <p:ph type="sldNum" sz="quarter" idx="10"/>
+          </p:nvPr>
+        </p:nvSpPr>
+        <p:spPr/>
+        <p:txBody>
+          <a:bodyPr/>
+          <a:lstStyle/>
+          <a:p>
+            <a:fld id="{19B87A38-3CEC-41F8-9B8A-7D549F200228}" type="slidenum">
+              <a:rPr lang="en-US" smtClean="0"/>
+              <a:t>10</a:t>
+            </a:fld>
+            <a:endParaRPr lang="en-US"/>
+          </a:p>
+        </p:txBody>
+      </p:sp>
+    </p:spTree>
+    <p:extLst>
+      <p:ext uri="{BB962C8B-B14F-4D97-AF65-F5344CB8AC3E}">
+        <p14:creationId xmlns:p14="http://schemas.microsoft.com/office/powerpoint/2010/main" val="1485285142"/>
+      </p:ext>
+    </p:extLst>
+  </p:cSld>
+  <p:clrMapOvr>
+    <a:masterClrMapping/>
+  </p:clrMapOvr>
+</p:notes>
+</file>
+
+<file path=ppt/notesSlides/notesSlide11.xml><?xml version="1.0" encoding="utf-8"?>
+<p:notes xmlns:a="http://schemas.openxmlformats.org/drawingml/2006/main" xmlns:r="http://schemas.openxmlformats.org/officeDocument/2006/relationships" xmlns:p="http://schemas.openxmlformats.org/presentationml/2006/main">
+  <p:cSld>
+    <p:spTree>
+      <p:nvGrpSpPr>
+        <p:cNvPr id="1" name=""/>
+        <p:cNvGrpSpPr/>
+        <p:nvPr/>
+      </p:nvGrpSpPr>
+      <p:grpSpPr>
+        <a:xfrm>
+          <a:off x="0" y="0"/>
+          <a:ext cx="0" cy="0"/>
+          <a:chOff x="0" y="0"/>
+          <a:chExt cx="0" cy="0"/>
+        </a:xfrm>
+      </p:grpSpPr>
+      <p:sp>
+        <p:nvSpPr>
+          <p:cNvPr id="2" name="Slide Image Placeholder 1"/>
           <p:cNvSpPr>
             <a:spLocks noGrp="1" noRot="1" noChangeAspect="1"/>
           </p:cNvSpPr>
           <p:nvPr>
-            <p:ph type="sldImg" idx="2"/>
+            <p:ph type="sldImg"/>
           </p:nvPr>
         </p:nvSpPr>
         <p:spPr>
           <a:xfrm>
-            <a:off x="1606550" y="685800"/>
-            <a:ext cx="3702050" cy="2082800"/>
+            <a:off x="381000" y="685800"/>
+            <a:ext cx="6096000" cy="3429000"/>
           </a:xfrm>
-          <a:custGeom>
-            <a:avLst/>
-            <a:gdLst/>
-            <a:ahLst/>
-            <a:cxnLst/>
-            <a:rect l="0" t="0" r="0" b="0"/>
-            <a:pathLst>
-              <a:path w="120000" h="120000" extrusionOk="0">
-                <a:moveTo>
-                  <a:pt x="0" y="0"/>
-                </a:moveTo>
-                <a:lnTo>
-                  <a:pt x="120000" y="0"/>
-                </a:lnTo>
-                <a:lnTo>
-                  <a:pt x="120000" y="120000"/>
-                </a:lnTo>
-                <a:lnTo>
-                  <a:pt x="0" y="120000"/>
-                </a:lnTo>
-                <a:close/>
-              </a:path>
-            </a:pathLst>
-          </a:custGeom>
-          <a:noFill/>
-          <a:ln w="9525" cap="flat" cmpd="sng">
-            <a:solidFill>
-              <a:srgbClr val="000000"/>
-            </a:solidFill>
-            <a:prstDash val="solid"/>
-            <a:round/>
-            <a:headEnd type="none" w="med" len="med"/>
-            <a:tailEnd type="none" w="med" len="med"/>
-          </a:ln>
         </p:spPr>
       </p:sp>
+      <p:sp>
+        <p:nvSpPr>
+          <p:cNvPr id="3" name="Notes Placeholder 2"/>
+          <p:cNvSpPr>
+            <a:spLocks noGrp="1"/>
+          </p:cNvSpPr>
+          <p:nvPr>
+            <p:ph type="body" idx="1"/>
+          </p:nvPr>
+        </p:nvSpPr>
+        <p:spPr/>
+        <p:txBody>
+          <a:bodyPr lIns="90571" tIns="45286" rIns="90571" bIns="45286">
+            <a:normAutofit/>
+          </a:bodyPr>
+          <a:lstStyle/>
+          <a:p>
+            <a:endParaRPr lang="en-US" dirty="0"/>
+          </a:p>
+        </p:txBody>
+      </p:sp>
     </p:spTree>
+    <p:extLst>
+      <p:ext uri="{BB962C8B-B14F-4D97-AF65-F5344CB8AC3E}">
+        <p14:creationId xmlns:p14="http://schemas.microsoft.com/office/powerpoint/2010/main" val="2318069329"/>
+      </p:ext>
+    </p:extLst>
+  </p:cSld>
+  <p:clrMapOvr>
+    <a:masterClrMapping/>
+  </p:clrMapOvr>
+</p:notes>
+</file>
+
+<file path=ppt/notesSlides/notesSlide2.xml><?xml version="1.0" encoding="utf-8"?>
+<p:notes xmlns:a="http://schemas.openxmlformats.org/drawingml/2006/main" xmlns:r="http://schemas.openxmlformats.org/officeDocument/2006/relationships" xmlns:p="http://schemas.openxmlformats.org/presentationml/2006/main">
+  <p:cSld>
+    <p:spTree>
+      <p:nvGrpSpPr>
+        <p:cNvPr id="1" name=""/>
+        <p:cNvGrpSpPr/>
+        <p:nvPr/>
+      </p:nvGrpSpPr>
+      <p:grpSpPr>
+        <a:xfrm>
+          <a:off x="0" y="0"/>
+          <a:ext cx="0" cy="0"/>
+          <a:chOff x="0" y="0"/>
+          <a:chExt cx="0" cy="0"/>
+        </a:xfrm>
+      </p:grpSpPr>
+      <p:sp>
+        <p:nvSpPr>
+          <p:cNvPr id="2" name="Slide Image Placeholder 1"/>
+          <p:cNvSpPr>
+            <a:spLocks noGrp="1" noRot="1" noChangeAspect="1"/>
+          </p:cNvSpPr>
+          <p:nvPr>
+            <p:ph type="sldImg"/>
+          </p:nvPr>
+        </p:nvSpPr>
+        <p:spPr/>
+      </p:sp>
+      <p:sp>
+        <p:nvSpPr>
+          <p:cNvPr id="3" name="Notes Placeholder 2"/>
+          <p:cNvSpPr>
+            <a:spLocks noGrp="1"/>
+          </p:cNvSpPr>
+          <p:nvPr>
+            <p:ph type="body" idx="1"/>
+          </p:nvPr>
+        </p:nvSpPr>
+        <p:spPr/>
+        <p:txBody>
+          <a:bodyPr/>
+          <a:lstStyle/>
+          <a:p>
+            <a:r>
+              <a:rPr lang="en-US" dirty="0" smtClean="0"/>
+              <a:t>Service Discovery is one of the key tenets of a microservice based architecture.</a:t>
+            </a:r>
+          </a:p>
+          <a:p>
+            <a:r>
+              <a:rPr lang="en-US" dirty="0" smtClean="0"/>
+              <a:t>In distributed systems, application dependencies cease to be a method call away.</a:t>
+            </a:r>
+          </a:p>
+          <a:p>
+            <a:r>
+              <a:rPr lang="en-US" dirty="0" smtClean="0"/>
+              <a:t>Trying to hand configure each client or use some form of convention can be very difficult to do and can be very brittle.</a:t>
+            </a:r>
+            <a:endParaRPr lang="en-US" dirty="0"/>
+          </a:p>
+        </p:txBody>
+      </p:sp>
+      <p:sp>
+        <p:nvSpPr>
+          <p:cNvPr id="4" name="Slide Number Placeholder 3"/>
+          <p:cNvSpPr>
+            <a:spLocks noGrp="1"/>
+          </p:cNvSpPr>
+          <p:nvPr>
+            <p:ph type="sldNum" sz="quarter" idx="10"/>
+          </p:nvPr>
+        </p:nvSpPr>
+        <p:spPr/>
+        <p:txBody>
+          <a:bodyPr/>
+          <a:lstStyle/>
+          <a:p>
+            <a:fld id="{19B87A38-3CEC-41F8-9B8A-7D549F200228}" type="slidenum">
+              <a:rPr lang="en-US" smtClean="0"/>
+              <a:t>2</a:t>
+            </a:fld>
+            <a:endParaRPr lang="en-US"/>
+          </a:p>
+        </p:txBody>
+      </p:sp>
+    </p:spTree>
+    <p:extLst>
+      <p:ext uri="{BB962C8B-B14F-4D97-AF65-F5344CB8AC3E}">
+        <p14:creationId xmlns:p14="http://schemas.microsoft.com/office/powerpoint/2010/main" val="136638083"/>
+      </p:ext>
+    </p:extLst>
+  </p:cSld>
+  <p:clrMapOvr>
+    <a:masterClrMapping/>
+  </p:clrMapOvr>
+</p:notes>
+</file>
+
+<file path=ppt/notesSlides/notesSlide3.xml><?xml version="1.0" encoding="utf-8"?>
+<p:notes xmlns:a="http://schemas.openxmlformats.org/drawingml/2006/main" xmlns:r="http://schemas.openxmlformats.org/officeDocument/2006/relationships" xmlns:p="http://schemas.openxmlformats.org/presentationml/2006/main">
+  <p:cSld>
+    <p:spTree>
+      <p:nvGrpSpPr>
+        <p:cNvPr id="1" name=""/>
+        <p:cNvGrpSpPr/>
+        <p:nvPr/>
+      </p:nvGrpSpPr>
+      <p:grpSpPr>
+        <a:xfrm>
+          <a:off x="0" y="0"/>
+          <a:ext cx="0" cy="0"/>
+          <a:chOff x="0" y="0"/>
+          <a:chExt cx="0" cy="0"/>
+        </a:xfrm>
+      </p:grpSpPr>
+      <p:sp>
+        <p:nvSpPr>
+          <p:cNvPr id="2" name="Slide Image Placeholder 1"/>
+          <p:cNvSpPr>
+            <a:spLocks noGrp="1" noRot="1" noChangeAspect="1"/>
+          </p:cNvSpPr>
+          <p:nvPr>
+            <p:ph type="sldImg"/>
+          </p:nvPr>
+        </p:nvSpPr>
+        <p:spPr/>
+      </p:sp>
+      <p:sp>
+        <p:nvSpPr>
+          <p:cNvPr id="3" name="Notes Placeholder 2"/>
+          <p:cNvSpPr>
+            <a:spLocks noGrp="1"/>
+          </p:cNvSpPr>
+          <p:nvPr>
+            <p:ph type="body" idx="1"/>
+          </p:nvPr>
+        </p:nvSpPr>
+        <p:spPr/>
+        <p:txBody>
+          <a:bodyPr/>
+          <a:lstStyle/>
+          <a:p>
+            <a:r>
+              <a:rPr lang="en-US" dirty="0" smtClean="0"/>
+              <a:t>Service Discovery is one of the key tenets of a microservice based architecture.</a:t>
+            </a:r>
+          </a:p>
+          <a:p>
+            <a:r>
+              <a:rPr lang="en-US" dirty="0" smtClean="0"/>
+              <a:t>In distributed systems, application dependencies cease to be a method call away.</a:t>
+            </a:r>
+          </a:p>
+          <a:p>
+            <a:r>
+              <a:rPr lang="en-US" dirty="0" smtClean="0"/>
+              <a:t>Trying to hand configure each client or use some form of convention can be very difficult to do and can be very brittle.</a:t>
+            </a:r>
+            <a:endParaRPr lang="en-US" dirty="0"/>
+          </a:p>
+        </p:txBody>
+      </p:sp>
+      <p:sp>
+        <p:nvSpPr>
+          <p:cNvPr id="4" name="Slide Number Placeholder 3"/>
+          <p:cNvSpPr>
+            <a:spLocks noGrp="1"/>
+          </p:cNvSpPr>
+          <p:nvPr>
+            <p:ph type="sldNum" sz="quarter" idx="10"/>
+          </p:nvPr>
+        </p:nvSpPr>
+        <p:spPr/>
+        <p:txBody>
+          <a:bodyPr/>
+          <a:lstStyle/>
+          <a:p>
+            <a:fld id="{19B87A38-3CEC-41F8-9B8A-7D549F200228}" type="slidenum">
+              <a:rPr lang="en-US" smtClean="0"/>
+              <a:t>3</a:t>
+            </a:fld>
+            <a:endParaRPr lang="en-US"/>
+          </a:p>
+        </p:txBody>
+      </p:sp>
+    </p:spTree>
+    <p:extLst>
+      <p:ext uri="{BB962C8B-B14F-4D97-AF65-F5344CB8AC3E}">
+        <p14:creationId xmlns:p14="http://schemas.microsoft.com/office/powerpoint/2010/main" val="136638083"/>
+      </p:ext>
+    </p:extLst>
+  </p:cSld>
+  <p:clrMapOvr>
+    <a:masterClrMapping/>
+  </p:clrMapOvr>
+</p:notes>
+</file>
+
+<file path=ppt/notesSlides/notesSlide4.xml><?xml version="1.0" encoding="utf-8"?>
+<p:notes xmlns:a="http://schemas.openxmlformats.org/drawingml/2006/main" xmlns:r="http://schemas.openxmlformats.org/officeDocument/2006/relationships" xmlns:p="http://schemas.openxmlformats.org/presentationml/2006/main">
+  <p:cSld>
+    <p:spTree>
+      <p:nvGrpSpPr>
+        <p:cNvPr id="1" name=""/>
+        <p:cNvGrpSpPr/>
+        <p:nvPr/>
+      </p:nvGrpSpPr>
+      <p:grpSpPr>
+        <a:xfrm>
+          <a:off x="0" y="0"/>
+          <a:ext cx="0" cy="0"/>
+          <a:chOff x="0" y="0"/>
+          <a:chExt cx="0" cy="0"/>
+        </a:xfrm>
+      </p:grpSpPr>
+      <p:sp>
+        <p:nvSpPr>
+          <p:cNvPr id="2" name="Slide Image Placeholder 1"/>
+          <p:cNvSpPr>
+            <a:spLocks noGrp="1" noRot="1" noChangeAspect="1"/>
+          </p:cNvSpPr>
+          <p:nvPr>
+            <p:ph type="sldImg"/>
+          </p:nvPr>
+        </p:nvSpPr>
+        <p:spPr/>
+      </p:sp>
+      <p:sp>
+        <p:nvSpPr>
+          <p:cNvPr id="3" name="Notes Placeholder 2"/>
+          <p:cNvSpPr>
+            <a:spLocks noGrp="1"/>
+          </p:cNvSpPr>
+          <p:nvPr>
+            <p:ph type="body" idx="1"/>
+          </p:nvPr>
+        </p:nvSpPr>
+        <p:spPr/>
+        <p:txBody>
+          <a:bodyPr/>
+          <a:lstStyle/>
+          <a:p>
+            <a:endParaRPr lang="en-US" dirty="0"/>
+          </a:p>
+        </p:txBody>
+      </p:sp>
+      <p:sp>
+        <p:nvSpPr>
+          <p:cNvPr id="4" name="Slide Number Placeholder 3"/>
+          <p:cNvSpPr>
+            <a:spLocks noGrp="1"/>
+          </p:cNvSpPr>
+          <p:nvPr>
+            <p:ph type="sldNum" sz="quarter" idx="10"/>
+          </p:nvPr>
+        </p:nvSpPr>
+        <p:spPr/>
+        <p:txBody>
+          <a:bodyPr/>
+          <a:lstStyle/>
+          <a:p>
+            <a:fld id="{19B87A38-3CEC-41F8-9B8A-7D549F200228}" type="slidenum">
+              <a:rPr lang="en-US" smtClean="0"/>
+              <a:t>4</a:t>
+            </a:fld>
+            <a:endParaRPr lang="en-US"/>
+          </a:p>
+        </p:txBody>
+      </p:sp>
+    </p:spTree>
+    <p:extLst>
+      <p:ext uri="{BB962C8B-B14F-4D97-AF65-F5344CB8AC3E}">
+        <p14:creationId xmlns:p14="http://schemas.microsoft.com/office/powerpoint/2010/main" val="136638083"/>
+      </p:ext>
+    </p:extLst>
+  </p:cSld>
+  <p:clrMapOvr>
+    <a:masterClrMapping/>
+  </p:clrMapOvr>
+</p:notes>
+</file>
+
+<file path=ppt/notesSlides/notesSlide5.xml><?xml version="1.0" encoding="utf-8"?>
+<p:notes xmlns:a="http://schemas.openxmlformats.org/drawingml/2006/main" xmlns:r="http://schemas.openxmlformats.org/officeDocument/2006/relationships" xmlns:p="http://schemas.openxmlformats.org/presentationml/2006/main">
+  <p:cSld>
+    <p:spTree>
+      <p:nvGrpSpPr>
+        <p:cNvPr id="1" name=""/>
+        <p:cNvGrpSpPr/>
+        <p:nvPr/>
+      </p:nvGrpSpPr>
+      <p:grpSpPr>
+        <a:xfrm>
+          <a:off x="0" y="0"/>
+          <a:ext cx="0" cy="0"/>
+          <a:chOff x="0" y="0"/>
+          <a:chExt cx="0" cy="0"/>
+        </a:xfrm>
+      </p:grpSpPr>
+      <p:sp>
+        <p:nvSpPr>
+          <p:cNvPr id="2" name="Slide Image Placeholder 1"/>
+          <p:cNvSpPr>
+            <a:spLocks noGrp="1" noRot="1" noChangeAspect="1"/>
+          </p:cNvSpPr>
+          <p:nvPr>
+            <p:ph type="sldImg"/>
+          </p:nvPr>
+        </p:nvSpPr>
+        <p:spPr/>
+      </p:sp>
+      <p:sp>
+        <p:nvSpPr>
+          <p:cNvPr id="3" name="Notes Placeholder 2"/>
+          <p:cNvSpPr>
+            <a:spLocks noGrp="1"/>
+          </p:cNvSpPr>
+          <p:nvPr>
+            <p:ph type="body" idx="1"/>
+          </p:nvPr>
+        </p:nvSpPr>
+        <p:spPr/>
+        <p:txBody>
+          <a:bodyPr/>
+          <a:lstStyle/>
+          <a:p>
+            <a:endParaRPr lang="en-US" dirty="0"/>
+          </a:p>
+        </p:txBody>
+      </p:sp>
+      <p:sp>
+        <p:nvSpPr>
+          <p:cNvPr id="4" name="Slide Number Placeholder 3"/>
+          <p:cNvSpPr>
+            <a:spLocks noGrp="1"/>
+          </p:cNvSpPr>
+          <p:nvPr>
+            <p:ph type="sldNum" sz="quarter" idx="10"/>
+          </p:nvPr>
+        </p:nvSpPr>
+        <p:spPr/>
+        <p:txBody>
+          <a:bodyPr/>
+          <a:lstStyle/>
+          <a:p>
+            <a:fld id="{19B87A38-3CEC-41F8-9B8A-7D549F200228}" type="slidenum">
+              <a:rPr lang="en-US" smtClean="0"/>
+              <a:t>5</a:t>
+            </a:fld>
+            <a:endParaRPr lang="en-US"/>
+          </a:p>
+        </p:txBody>
+      </p:sp>
+    </p:spTree>
+    <p:extLst>
+      <p:ext uri="{BB962C8B-B14F-4D97-AF65-F5344CB8AC3E}">
+        <p14:creationId xmlns:p14="http://schemas.microsoft.com/office/powerpoint/2010/main" val="1485285142"/>
+      </p:ext>
+    </p:extLst>
+  </p:cSld>
+  <p:clrMapOvr>
+    <a:masterClrMapping/>
+  </p:clrMapOvr>
+</p:notes>
+</file>
+
+<file path=ppt/notesSlides/notesSlide6.xml><?xml version="1.0" encoding="utf-8"?>
+<p:notes xmlns:a="http://schemas.openxmlformats.org/drawingml/2006/main" xmlns:r="http://schemas.openxmlformats.org/officeDocument/2006/relationships" xmlns:p="http://schemas.openxmlformats.org/presentationml/2006/main">
+  <p:cSld>
+    <p:spTree>
+      <p:nvGrpSpPr>
+        <p:cNvPr id="1" name=""/>
+        <p:cNvGrpSpPr/>
+        <p:nvPr/>
+      </p:nvGrpSpPr>
+      <p:grpSpPr>
+        <a:xfrm>
+          <a:off x="0" y="0"/>
+          <a:ext cx="0" cy="0"/>
+          <a:chOff x="0" y="0"/>
+          <a:chExt cx="0" cy="0"/>
+        </a:xfrm>
+      </p:grpSpPr>
+      <p:sp>
+        <p:nvSpPr>
+          <p:cNvPr id="2" name="Slide Image Placeholder 1"/>
+          <p:cNvSpPr>
+            <a:spLocks noGrp="1" noRot="1" noChangeAspect="1"/>
+          </p:cNvSpPr>
+          <p:nvPr>
+            <p:ph type="sldImg"/>
+          </p:nvPr>
+        </p:nvSpPr>
+        <p:spPr/>
+      </p:sp>
+      <p:sp>
+        <p:nvSpPr>
+          <p:cNvPr id="3" name="Notes Placeholder 2"/>
+          <p:cNvSpPr>
+            <a:spLocks noGrp="1"/>
+          </p:cNvSpPr>
+          <p:nvPr>
+            <p:ph type="body" idx="1"/>
+          </p:nvPr>
+        </p:nvSpPr>
+        <p:spPr/>
+        <p:txBody>
+          <a:bodyPr/>
+          <a:lstStyle/>
+          <a:p>
+            <a:endParaRPr lang="en-US" dirty="0"/>
+          </a:p>
+        </p:txBody>
+      </p:sp>
+      <p:sp>
+        <p:nvSpPr>
+          <p:cNvPr id="4" name="Slide Number Placeholder 3"/>
+          <p:cNvSpPr>
+            <a:spLocks noGrp="1"/>
+          </p:cNvSpPr>
+          <p:nvPr>
+            <p:ph type="sldNum" sz="quarter" idx="10"/>
+          </p:nvPr>
+        </p:nvSpPr>
+        <p:spPr/>
+        <p:txBody>
+          <a:bodyPr/>
+          <a:lstStyle/>
+          <a:p>
+            <a:fld id="{19B87A38-3CEC-41F8-9B8A-7D549F200228}" type="slidenum">
+              <a:rPr lang="en-US" smtClean="0"/>
+              <a:t>6</a:t>
+            </a:fld>
+            <a:endParaRPr lang="en-US"/>
+          </a:p>
+        </p:txBody>
+      </p:sp>
+    </p:spTree>
+    <p:extLst>
+      <p:ext uri="{BB962C8B-B14F-4D97-AF65-F5344CB8AC3E}">
+        <p14:creationId xmlns:p14="http://schemas.microsoft.com/office/powerpoint/2010/main" val="1485285142"/>
+      </p:ext>
+    </p:extLst>
+  </p:cSld>
+  <p:clrMapOvr>
+    <a:masterClrMapping/>
+  </p:clrMapOvr>
+</p:notes>
+</file>
+
+<file path=ppt/notesSlides/notesSlide7.xml><?xml version="1.0" encoding="utf-8"?>
+<p:notes xmlns:a="http://schemas.openxmlformats.org/drawingml/2006/main" xmlns:r="http://schemas.openxmlformats.org/officeDocument/2006/relationships" xmlns:p="http://schemas.openxmlformats.org/presentationml/2006/main">
+  <p:cSld>
+    <p:spTree>
+      <p:nvGrpSpPr>
+        <p:cNvPr id="1" name=""/>
+        <p:cNvGrpSpPr/>
+        <p:nvPr/>
+      </p:nvGrpSpPr>
+      <p:grpSpPr>
+        <a:xfrm>
+          <a:off x="0" y="0"/>
+          <a:ext cx="0" cy="0"/>
+          <a:chOff x="0" y="0"/>
+          <a:chExt cx="0" cy="0"/>
+        </a:xfrm>
+      </p:grpSpPr>
+      <p:sp>
+        <p:nvSpPr>
+          <p:cNvPr id="2" name="Slide Image Placeholder 1"/>
+          <p:cNvSpPr>
+            <a:spLocks noGrp="1" noRot="1" noChangeAspect="1"/>
+          </p:cNvSpPr>
+          <p:nvPr>
+            <p:ph type="sldImg"/>
+          </p:nvPr>
+        </p:nvSpPr>
+        <p:spPr/>
+      </p:sp>
+      <p:sp>
+        <p:nvSpPr>
+          <p:cNvPr id="3" name="Notes Placeholder 2"/>
+          <p:cNvSpPr>
+            <a:spLocks noGrp="1"/>
+          </p:cNvSpPr>
+          <p:nvPr>
+            <p:ph type="body" idx="1"/>
+          </p:nvPr>
+        </p:nvSpPr>
+        <p:spPr/>
+        <p:txBody>
+          <a:bodyPr/>
+          <a:lstStyle/>
+          <a:p>
+            <a:endParaRPr lang="en-US" dirty="0"/>
+          </a:p>
+        </p:txBody>
+      </p:sp>
+      <p:sp>
+        <p:nvSpPr>
+          <p:cNvPr id="4" name="Slide Number Placeholder 3"/>
+          <p:cNvSpPr>
+            <a:spLocks noGrp="1"/>
+          </p:cNvSpPr>
+          <p:nvPr>
+            <p:ph type="sldNum" sz="quarter" idx="10"/>
+          </p:nvPr>
+        </p:nvSpPr>
+        <p:spPr/>
+        <p:txBody>
+          <a:bodyPr/>
+          <a:lstStyle/>
+          <a:p>
+            <a:fld id="{19B87A38-3CEC-41F8-9B8A-7D549F200228}" type="slidenum">
+              <a:rPr lang="en-US" smtClean="0"/>
+              <a:t>7</a:t>
+            </a:fld>
+            <a:endParaRPr lang="en-US"/>
+          </a:p>
+        </p:txBody>
+      </p:sp>
+    </p:spTree>
+    <p:extLst>
+      <p:ext uri="{BB962C8B-B14F-4D97-AF65-F5344CB8AC3E}">
+        <p14:creationId xmlns:p14="http://schemas.microsoft.com/office/powerpoint/2010/main" val="136638083"/>
+      </p:ext>
+    </p:extLst>
+  </p:cSld>
+  <p:clrMapOvr>
+    <a:masterClrMapping/>
+  </p:clrMapOvr>
+</p:notes>
+</file>
+
+<file path=ppt/notesSlides/notesSlide8.xml><?xml version="1.0" encoding="utf-8"?>
+<p:notes xmlns:a="http://schemas.openxmlformats.org/drawingml/2006/main" xmlns:r="http://schemas.openxmlformats.org/officeDocument/2006/relationships" xmlns:p="http://schemas.openxmlformats.org/presentationml/2006/main">
+  <p:cSld>
+    <p:spTree>
+      <p:nvGrpSpPr>
+        <p:cNvPr id="1" name=""/>
+        <p:cNvGrpSpPr/>
+        <p:nvPr/>
+      </p:nvGrpSpPr>
+      <p:grpSpPr>
+        <a:xfrm>
+          <a:off x="0" y="0"/>
+          <a:ext cx="0" cy="0"/>
+          <a:chOff x="0" y="0"/>
+          <a:chExt cx="0" cy="0"/>
+        </a:xfrm>
+      </p:grpSpPr>
+      <p:sp>
+        <p:nvSpPr>
+          <p:cNvPr id="2" name="Slide Image Placeholder 1"/>
+          <p:cNvSpPr>
+            <a:spLocks noGrp="1" noRot="1" noChangeAspect="1"/>
+          </p:cNvSpPr>
+          <p:nvPr>
+            <p:ph type="sldImg"/>
+          </p:nvPr>
+        </p:nvSpPr>
+        <p:spPr/>
+      </p:sp>
+      <p:sp>
+        <p:nvSpPr>
+          <p:cNvPr id="3" name="Notes Placeholder 2"/>
+          <p:cNvSpPr>
+            <a:spLocks noGrp="1"/>
+          </p:cNvSpPr>
+          <p:nvPr>
+            <p:ph type="body" idx="1"/>
+          </p:nvPr>
+        </p:nvSpPr>
+        <p:spPr/>
+        <p:txBody>
+          <a:bodyPr/>
+          <a:lstStyle/>
+          <a:p>
+            <a:endParaRPr lang="en-US" dirty="0"/>
+          </a:p>
+        </p:txBody>
+      </p:sp>
+      <p:sp>
+        <p:nvSpPr>
+          <p:cNvPr id="4" name="Slide Number Placeholder 3"/>
+          <p:cNvSpPr>
+            <a:spLocks noGrp="1"/>
+          </p:cNvSpPr>
+          <p:nvPr>
+            <p:ph type="sldNum" sz="quarter" idx="10"/>
+          </p:nvPr>
+        </p:nvSpPr>
+        <p:spPr/>
+        <p:txBody>
+          <a:bodyPr/>
+          <a:lstStyle/>
+          <a:p>
+            <a:fld id="{19B87A38-3CEC-41F8-9B8A-7D549F200228}" type="slidenum">
+              <a:rPr lang="en-US" smtClean="0"/>
+              <a:t>8</a:t>
+            </a:fld>
+            <a:endParaRPr lang="en-US"/>
+          </a:p>
+        </p:txBody>
+      </p:sp>
+    </p:spTree>
+    <p:extLst>
+      <p:ext uri="{BB962C8B-B14F-4D97-AF65-F5344CB8AC3E}">
+        <p14:creationId xmlns:p14="http://schemas.microsoft.com/office/powerpoint/2010/main" val="136638083"/>
+      </p:ext>
+    </p:extLst>
+  </p:cSld>
+  <p:clrMapOvr>
+    <a:masterClrMapping/>
+  </p:clrMapOvr>
+</p:notes>
+</file>
+
+<file path=ppt/notesSlides/notesSlide9.xml><?xml version="1.0" encoding="utf-8"?>
+<p:notes xmlns:a="http://schemas.openxmlformats.org/drawingml/2006/main" xmlns:r="http://schemas.openxmlformats.org/officeDocument/2006/relationships" xmlns:p="http://schemas.openxmlformats.org/presentationml/2006/main">
+  <p:cSld>
+    <p:spTree>
+      <p:nvGrpSpPr>
+        <p:cNvPr id="1" name=""/>
+        <p:cNvGrpSpPr/>
+        <p:nvPr/>
+      </p:nvGrpSpPr>
+      <p:grpSpPr>
+        <a:xfrm>
+          <a:off x="0" y="0"/>
+          <a:ext cx="0" cy="0"/>
+          <a:chOff x="0" y="0"/>
+          <a:chExt cx="0" cy="0"/>
+        </a:xfrm>
+      </p:grpSpPr>
+      <p:sp>
+        <p:nvSpPr>
+          <p:cNvPr id="2" name="Slide Image Placeholder 1"/>
+          <p:cNvSpPr>
+            <a:spLocks noGrp="1" noRot="1" noChangeAspect="1"/>
+          </p:cNvSpPr>
+          <p:nvPr>
+            <p:ph type="sldImg"/>
+          </p:nvPr>
+        </p:nvSpPr>
+        <p:spPr/>
+      </p:sp>
+      <p:sp>
+        <p:nvSpPr>
+          <p:cNvPr id="3" name="Notes Placeholder 2"/>
+          <p:cNvSpPr>
+            <a:spLocks noGrp="1"/>
+          </p:cNvSpPr>
+          <p:nvPr>
+            <p:ph type="body" idx="1"/>
+          </p:nvPr>
+        </p:nvSpPr>
+        <p:spPr/>
+        <p:txBody>
+          <a:bodyPr/>
+          <a:lstStyle/>
+          <a:p>
+            <a:endParaRPr lang="en-US" dirty="0"/>
+          </a:p>
+        </p:txBody>
+      </p:sp>
+      <p:sp>
+        <p:nvSpPr>
+          <p:cNvPr id="4" name="Slide Number Placeholder 3"/>
+          <p:cNvSpPr>
+            <a:spLocks noGrp="1"/>
+          </p:cNvSpPr>
+          <p:nvPr>
+            <p:ph type="sldNum" sz="quarter" idx="10"/>
+          </p:nvPr>
+        </p:nvSpPr>
+        <p:spPr/>
+        <p:txBody>
+          <a:bodyPr/>
+          <a:lstStyle/>
+          <a:p>
+            <a:fld id="{19B87A38-3CEC-41F8-9B8A-7D549F200228}" type="slidenum">
+              <a:rPr lang="en-US" smtClean="0"/>
+              <a:t>9</a:t>
+            </a:fld>
+            <a:endParaRPr lang="en-US"/>
+          </a:p>
+        </p:txBody>
+      </p:sp>
+    </p:spTree>
+    <p:extLst>
+      <p:ext uri="{BB962C8B-B14F-4D97-AF65-F5344CB8AC3E}">
+        <p14:creationId xmlns:p14="http://schemas.microsoft.com/office/powerpoint/2010/main" val="136638083"/>
+      </p:ext>
+    </p:extLst>
   </p:cSld>
   <p:clrMapOvr>
     <a:masterClrMapping/>
@@ -844,8 +1615,1481 @@
 </file>
 
 <file path=ppt/slideLayouts/slideLayout1.xml><?xml version="1.0" encoding="utf-8"?>
+<p:sldLayout xmlns:a="http://schemas.openxmlformats.org/drawingml/2006/main" xmlns:r="http://schemas.openxmlformats.org/officeDocument/2006/relationships" xmlns:p="http://schemas.openxmlformats.org/presentationml/2006/main">
+  <p:cSld name="Divider 1">
+    <p:spTree>
+      <p:nvGrpSpPr>
+        <p:cNvPr id="1" name="Shape 936"/>
+        <p:cNvGrpSpPr/>
+        <p:nvPr/>
+      </p:nvGrpSpPr>
+      <p:grpSpPr>
+        <a:xfrm>
+          <a:off x="0" y="0"/>
+          <a:ext cx="0" cy="0"/>
+          <a:chOff x="0" y="0"/>
+          <a:chExt cx="0" cy="0"/>
+        </a:xfrm>
+      </p:grpSpPr>
+      <p:sp>
+        <p:nvSpPr>
+          <p:cNvPr id="937" name="Shape 937"/>
+          <p:cNvSpPr/>
+          <p:nvPr/>
+        </p:nvSpPr>
+        <p:spPr>
+          <a:xfrm>
+            <a:off x="0" y="0"/>
+            <a:ext cx="9144000" cy="2168525"/>
+          </a:xfrm>
+          <a:prstGeom prst="rect">
+            <a:avLst/>
+          </a:prstGeom>
+          <a:gradFill>
+            <a:gsLst>
+              <a:gs pos="0">
+                <a:schemeClr val="lt1"/>
+              </a:gs>
+              <a:gs pos="100000">
+                <a:srgbClr val="BFBFBF">
+                  <a:alpha val="60784"/>
+                </a:srgbClr>
+              </a:gs>
+            </a:gsLst>
+            <a:lin ang="16200000" scaled="0"/>
+          </a:gradFill>
+          <a:ln>
+            <a:noFill/>
+          </a:ln>
+        </p:spPr>
+        <p:txBody>
+          <a:bodyPr lIns="91425" tIns="45700" rIns="91425" bIns="45700" anchor="ctr" anchorCtr="0">
+            <a:noAutofit/>
+          </a:bodyPr>
+          <a:lstStyle/>
+          <a:p>
+            <a:pPr algn="ctr" defTabSz="914400"/>
+            <a:endParaRPr kern="0">
+              <a:solidFill>
+                <a:srgbClr val="000000"/>
+              </a:solidFill>
+              <a:latin typeface="Calibri"/>
+              <a:ea typeface="Calibri"/>
+              <a:cs typeface="Calibri"/>
+              <a:sym typeface="Calibri"/>
+              <a:rtl val="0"/>
+            </a:endParaRPr>
+          </a:p>
+        </p:txBody>
+      </p:sp>
+      <p:sp>
+        <p:nvSpPr>
+          <p:cNvPr id="938" name="Shape 938"/>
+          <p:cNvSpPr txBox="1">
+            <a:spLocks noGrp="1"/>
+          </p:cNvSpPr>
+          <p:nvPr>
+            <p:ph type="ctrTitle"/>
+          </p:nvPr>
+        </p:nvSpPr>
+        <p:spPr>
+          <a:xfrm>
+            <a:off x="2728911" y="1006879"/>
+            <a:ext cx="6048376" cy="1218794"/>
+          </a:xfrm>
+          <a:prstGeom prst="rect">
+            <a:avLst/>
+          </a:prstGeom>
+          <a:noFill/>
+          <a:ln>
+            <a:noFill/>
+          </a:ln>
+        </p:spPr>
+        <p:txBody>
+          <a:bodyPr lIns="91425" tIns="91425" rIns="91425" bIns="91425" anchor="b" anchorCtr="0"/>
+          <a:lstStyle>
+            <a:lvl1pPr marL="0" marR="0" indent="0" algn="ctr" rtl="0">
+              <a:lnSpc>
+                <a:spcPct val="90000"/>
+              </a:lnSpc>
+              <a:spcBef>
+                <a:spcPts val="0"/>
+              </a:spcBef>
+              <a:spcAft>
+                <a:spcPts val="0"/>
+              </a:spcAft>
+              <a:defRPr sz="4400" b="0" i="0" u="none" strike="noStrike" cap="none" baseline="0">
+                <a:solidFill>
+                  <a:schemeClr val="dk2"/>
+                </a:solidFill>
+                <a:latin typeface="Arial"/>
+                <a:ea typeface="Arial"/>
+                <a:cs typeface="Arial"/>
+                <a:sym typeface="Arial"/>
+              </a:defRPr>
+            </a:lvl1pPr>
+            <a:lvl2pPr marL="0" marR="0" indent="0" algn="ctr" rtl="0">
+              <a:spcBef>
+                <a:spcPts val="0"/>
+              </a:spcBef>
+              <a:spcAft>
+                <a:spcPts val="0"/>
+              </a:spcAft>
+              <a:defRPr sz="4400" b="0" i="0" u="none" strike="noStrike" cap="none" baseline="0">
+                <a:solidFill>
+                  <a:schemeClr val="dk1"/>
+                </a:solidFill>
+                <a:latin typeface="Calibri"/>
+                <a:ea typeface="Calibri"/>
+                <a:cs typeface="Calibri"/>
+                <a:sym typeface="Calibri"/>
+              </a:defRPr>
+            </a:lvl2pPr>
+            <a:lvl3pPr marL="0" marR="0" indent="0" algn="ctr" rtl="0">
+              <a:spcBef>
+                <a:spcPts val="0"/>
+              </a:spcBef>
+              <a:spcAft>
+                <a:spcPts val="0"/>
+              </a:spcAft>
+              <a:defRPr sz="4400" b="0" i="0" u="none" strike="noStrike" cap="none" baseline="0">
+                <a:solidFill>
+                  <a:schemeClr val="dk1"/>
+                </a:solidFill>
+                <a:latin typeface="Calibri"/>
+                <a:ea typeface="Calibri"/>
+                <a:cs typeface="Calibri"/>
+                <a:sym typeface="Calibri"/>
+              </a:defRPr>
+            </a:lvl3pPr>
+            <a:lvl4pPr marL="0" marR="0" indent="0" algn="ctr" rtl="0">
+              <a:spcBef>
+                <a:spcPts val="0"/>
+              </a:spcBef>
+              <a:spcAft>
+                <a:spcPts val="0"/>
+              </a:spcAft>
+              <a:defRPr sz="4400" b="0" i="0" u="none" strike="noStrike" cap="none" baseline="0">
+                <a:solidFill>
+                  <a:schemeClr val="dk1"/>
+                </a:solidFill>
+                <a:latin typeface="Calibri"/>
+                <a:ea typeface="Calibri"/>
+                <a:cs typeface="Calibri"/>
+                <a:sym typeface="Calibri"/>
+              </a:defRPr>
+            </a:lvl4pPr>
+            <a:lvl5pPr marL="0" marR="0" indent="0" algn="ctr" rtl="0">
+              <a:spcBef>
+                <a:spcPts val="0"/>
+              </a:spcBef>
+              <a:spcAft>
+                <a:spcPts val="0"/>
+              </a:spcAft>
+              <a:defRPr sz="4400" b="0" i="0" u="none" strike="noStrike" cap="none" baseline="0">
+                <a:solidFill>
+                  <a:schemeClr val="dk1"/>
+                </a:solidFill>
+                <a:latin typeface="Calibri"/>
+                <a:ea typeface="Calibri"/>
+                <a:cs typeface="Calibri"/>
+                <a:sym typeface="Calibri"/>
+              </a:defRPr>
+            </a:lvl5pPr>
+            <a:lvl6pPr marL="457200" marR="0" indent="0" algn="ctr" rtl="0">
+              <a:spcBef>
+                <a:spcPts val="0"/>
+              </a:spcBef>
+              <a:spcAft>
+                <a:spcPts val="0"/>
+              </a:spcAft>
+              <a:defRPr sz="4400" b="0" i="0" u="none" strike="noStrike" cap="none" baseline="0">
+                <a:solidFill>
+                  <a:schemeClr val="dk1"/>
+                </a:solidFill>
+                <a:latin typeface="Calibri"/>
+                <a:ea typeface="Calibri"/>
+                <a:cs typeface="Calibri"/>
+                <a:sym typeface="Calibri"/>
+              </a:defRPr>
+            </a:lvl6pPr>
+            <a:lvl7pPr marL="914400" marR="0" indent="0" algn="ctr" rtl="0">
+              <a:spcBef>
+                <a:spcPts val="0"/>
+              </a:spcBef>
+              <a:spcAft>
+                <a:spcPts val="0"/>
+              </a:spcAft>
+              <a:defRPr sz="4400" b="0" i="0" u="none" strike="noStrike" cap="none" baseline="0">
+                <a:solidFill>
+                  <a:schemeClr val="dk1"/>
+                </a:solidFill>
+                <a:latin typeface="Calibri"/>
+                <a:ea typeface="Calibri"/>
+                <a:cs typeface="Calibri"/>
+                <a:sym typeface="Calibri"/>
+              </a:defRPr>
+            </a:lvl7pPr>
+            <a:lvl8pPr marL="1371600" marR="0" indent="0" algn="ctr" rtl="0">
+              <a:spcBef>
+                <a:spcPts val="0"/>
+              </a:spcBef>
+              <a:spcAft>
+                <a:spcPts val="0"/>
+              </a:spcAft>
+              <a:defRPr sz="4400" b="0" i="0" u="none" strike="noStrike" cap="none" baseline="0">
+                <a:solidFill>
+                  <a:schemeClr val="dk1"/>
+                </a:solidFill>
+                <a:latin typeface="Calibri"/>
+                <a:ea typeface="Calibri"/>
+                <a:cs typeface="Calibri"/>
+                <a:sym typeface="Calibri"/>
+              </a:defRPr>
+            </a:lvl8pPr>
+            <a:lvl9pPr marL="1828800" marR="0" indent="0" algn="ctr" rtl="0">
+              <a:spcBef>
+                <a:spcPts val="0"/>
+              </a:spcBef>
+              <a:spcAft>
+                <a:spcPts val="0"/>
+              </a:spcAft>
+              <a:defRPr sz="4400" b="0" i="0" u="none" strike="noStrike" cap="none" baseline="0">
+                <a:solidFill>
+                  <a:schemeClr val="dk1"/>
+                </a:solidFill>
+                <a:latin typeface="Calibri"/>
+                <a:ea typeface="Calibri"/>
+                <a:cs typeface="Calibri"/>
+                <a:sym typeface="Calibri"/>
+              </a:defRPr>
+            </a:lvl9pPr>
+          </a:lstStyle>
+          <a:p>
+            <a:endParaRPr/>
+          </a:p>
+        </p:txBody>
+      </p:sp>
+      <p:sp>
+        <p:nvSpPr>
+          <p:cNvPr id="939" name="Shape 939"/>
+          <p:cNvSpPr txBox="1">
+            <a:spLocks noGrp="1"/>
+          </p:cNvSpPr>
+          <p:nvPr>
+            <p:ph type="subTitle" idx="1"/>
+          </p:nvPr>
+        </p:nvSpPr>
+        <p:spPr>
+          <a:xfrm>
+            <a:off x="2728913" y="2455863"/>
+            <a:ext cx="6048374" cy="1901704"/>
+          </a:xfrm>
+          <a:prstGeom prst="rect">
+            <a:avLst/>
+          </a:prstGeom>
+          <a:noFill/>
+          <a:ln>
+            <a:noFill/>
+          </a:ln>
+        </p:spPr>
+        <p:txBody>
+          <a:bodyPr lIns="91425" tIns="91425" rIns="91425" bIns="91425" anchor="t" anchorCtr="0"/>
+          <a:lstStyle>
+            <a:lvl1pPr marL="0" marR="0" indent="0" algn="l" rtl="0">
+              <a:spcBef>
+                <a:spcPts val="600"/>
+              </a:spcBef>
+              <a:spcAft>
+                <a:spcPts val="0"/>
+              </a:spcAft>
+              <a:buClr>
+                <a:schemeClr val="dk1"/>
+              </a:buClr>
+              <a:buFont typeface="Arial"/>
+              <a:buNone/>
+              <a:defRPr sz="2800" b="0" i="0" u="none" strike="noStrike" cap="none" baseline="0">
+                <a:solidFill>
+                  <a:schemeClr val="dk1"/>
+                </a:solidFill>
+                <a:latin typeface="Arial"/>
+                <a:ea typeface="Arial"/>
+                <a:cs typeface="Arial"/>
+                <a:sym typeface="Arial"/>
+              </a:defRPr>
+            </a:lvl1pPr>
+            <a:lvl2pPr marL="457200" marR="0" indent="0" algn="ctr" rtl="0">
+              <a:spcBef>
+                <a:spcPts val="560"/>
+              </a:spcBef>
+              <a:spcAft>
+                <a:spcPts val="0"/>
+              </a:spcAft>
+              <a:buClr>
+                <a:srgbClr val="888888"/>
+              </a:buClr>
+              <a:buFont typeface="Arial"/>
+              <a:buNone/>
+              <a:defRPr sz="2800" b="0" i="0" u="none" strike="noStrike" cap="none" baseline="0">
+                <a:solidFill>
+                  <a:srgbClr val="888888"/>
+                </a:solidFill>
+                <a:latin typeface="Calibri"/>
+                <a:ea typeface="Calibri"/>
+                <a:cs typeface="Calibri"/>
+                <a:sym typeface="Calibri"/>
+              </a:defRPr>
+            </a:lvl2pPr>
+            <a:lvl3pPr marL="914400" marR="0" indent="0" algn="ctr" rtl="0">
+              <a:spcBef>
+                <a:spcPts val="480"/>
+              </a:spcBef>
+              <a:spcAft>
+                <a:spcPts val="0"/>
+              </a:spcAft>
+              <a:buClr>
+                <a:srgbClr val="888888"/>
+              </a:buClr>
+              <a:buFont typeface="Arial"/>
+              <a:buNone/>
+              <a:defRPr sz="2400" b="0" i="0" u="none" strike="noStrike" cap="none" baseline="0">
+                <a:solidFill>
+                  <a:srgbClr val="888888"/>
+                </a:solidFill>
+                <a:latin typeface="Calibri"/>
+                <a:ea typeface="Calibri"/>
+                <a:cs typeface="Calibri"/>
+                <a:sym typeface="Calibri"/>
+              </a:defRPr>
+            </a:lvl3pPr>
+            <a:lvl4pPr marL="1371600" marR="0" indent="0" algn="ctr" rtl="0">
+              <a:spcBef>
+                <a:spcPts val="400"/>
+              </a:spcBef>
+              <a:spcAft>
+                <a:spcPts val="0"/>
+              </a:spcAft>
+              <a:buClr>
+                <a:srgbClr val="888888"/>
+              </a:buClr>
+              <a:buFont typeface="Arial"/>
+              <a:buNone/>
+              <a:defRPr sz="2000" b="0" i="0" u="none" strike="noStrike" cap="none" baseline="0">
+                <a:solidFill>
+                  <a:srgbClr val="888888"/>
+                </a:solidFill>
+                <a:latin typeface="Calibri"/>
+                <a:ea typeface="Calibri"/>
+                <a:cs typeface="Calibri"/>
+                <a:sym typeface="Calibri"/>
+              </a:defRPr>
+            </a:lvl4pPr>
+            <a:lvl5pPr marL="1828800" marR="0" indent="0" algn="ctr" rtl="0">
+              <a:spcBef>
+                <a:spcPts val="400"/>
+              </a:spcBef>
+              <a:spcAft>
+                <a:spcPts val="0"/>
+              </a:spcAft>
+              <a:buClr>
+                <a:srgbClr val="888888"/>
+              </a:buClr>
+              <a:buFont typeface="Arial"/>
+              <a:buNone/>
+              <a:defRPr sz="2000" b="0" i="0" u="none" strike="noStrike" cap="none" baseline="0">
+                <a:solidFill>
+                  <a:srgbClr val="888888"/>
+                </a:solidFill>
+                <a:latin typeface="Calibri"/>
+                <a:ea typeface="Calibri"/>
+                <a:cs typeface="Calibri"/>
+                <a:sym typeface="Calibri"/>
+              </a:defRPr>
+            </a:lvl5pPr>
+            <a:lvl6pPr marL="2286000" marR="0" indent="0" algn="ctr" rtl="0">
+              <a:spcBef>
+                <a:spcPts val="400"/>
+              </a:spcBef>
+              <a:buClr>
+                <a:srgbClr val="888888"/>
+              </a:buClr>
+              <a:buFont typeface="Arial"/>
+              <a:buNone/>
+              <a:defRPr sz="2000" b="0" i="0" u="none" strike="noStrike" cap="none" baseline="0">
+                <a:solidFill>
+                  <a:srgbClr val="888888"/>
+                </a:solidFill>
+                <a:latin typeface="Calibri"/>
+                <a:ea typeface="Calibri"/>
+                <a:cs typeface="Calibri"/>
+                <a:sym typeface="Calibri"/>
+              </a:defRPr>
+            </a:lvl6pPr>
+            <a:lvl7pPr marL="2743200" marR="0" indent="0" algn="ctr" rtl="0">
+              <a:spcBef>
+                <a:spcPts val="400"/>
+              </a:spcBef>
+              <a:buClr>
+                <a:srgbClr val="888888"/>
+              </a:buClr>
+              <a:buFont typeface="Arial"/>
+              <a:buNone/>
+              <a:defRPr sz="2000" b="0" i="0" u="none" strike="noStrike" cap="none" baseline="0">
+                <a:solidFill>
+                  <a:srgbClr val="888888"/>
+                </a:solidFill>
+                <a:latin typeface="Calibri"/>
+                <a:ea typeface="Calibri"/>
+                <a:cs typeface="Calibri"/>
+                <a:sym typeface="Calibri"/>
+              </a:defRPr>
+            </a:lvl7pPr>
+            <a:lvl8pPr marL="3200400" marR="0" indent="0" algn="ctr" rtl="0">
+              <a:spcBef>
+                <a:spcPts val="400"/>
+              </a:spcBef>
+              <a:buClr>
+                <a:srgbClr val="888888"/>
+              </a:buClr>
+              <a:buFont typeface="Arial"/>
+              <a:buNone/>
+              <a:defRPr sz="2000" b="0" i="0" u="none" strike="noStrike" cap="none" baseline="0">
+                <a:solidFill>
+                  <a:srgbClr val="888888"/>
+                </a:solidFill>
+                <a:latin typeface="Calibri"/>
+                <a:ea typeface="Calibri"/>
+                <a:cs typeface="Calibri"/>
+                <a:sym typeface="Calibri"/>
+              </a:defRPr>
+            </a:lvl8pPr>
+            <a:lvl9pPr marL="3657600" marR="0" indent="0" algn="ctr" rtl="0">
+              <a:spcBef>
+                <a:spcPts val="400"/>
+              </a:spcBef>
+              <a:buClr>
+                <a:srgbClr val="888888"/>
+              </a:buClr>
+              <a:buFont typeface="Arial"/>
+              <a:buNone/>
+              <a:defRPr sz="2000" b="0" i="0" u="none" strike="noStrike" cap="none" baseline="0">
+                <a:solidFill>
+                  <a:srgbClr val="888888"/>
+                </a:solidFill>
+                <a:latin typeface="Calibri"/>
+                <a:ea typeface="Calibri"/>
+                <a:cs typeface="Calibri"/>
+                <a:sym typeface="Calibri"/>
+              </a:defRPr>
+            </a:lvl9pPr>
+          </a:lstStyle>
+          <a:p>
+            <a:endParaRPr/>
+          </a:p>
+        </p:txBody>
+      </p:sp>
+    </p:spTree>
+    <p:extLst>
+      <p:ext uri="{BB962C8B-B14F-4D97-AF65-F5344CB8AC3E}">
+        <p14:creationId xmlns:p14="http://schemas.microsoft.com/office/powerpoint/2010/main" val="1820746623"/>
+      </p:ext>
+    </p:extLst>
+  </p:cSld>
+  <p:clrMapOvr>
+    <a:masterClrMapping/>
+  </p:clrMapOvr>
+</p:sldLayout>
+</file>
+
+<file path=ppt/slideLayouts/slideLayout10.xml><?xml version="1.0" encoding="utf-8"?>
+<p:sldLayout xmlns:a="http://schemas.openxmlformats.org/drawingml/2006/main" xmlns:r="http://schemas.openxmlformats.org/officeDocument/2006/relationships" xmlns:p="http://schemas.openxmlformats.org/presentationml/2006/main" userDrawn="1">
+  <p:cSld name="Blank">
+    <p:spTree>
+      <p:nvGrpSpPr>
+        <p:cNvPr id="1" name=""/>
+        <p:cNvGrpSpPr/>
+        <p:nvPr/>
+      </p:nvGrpSpPr>
+      <p:grpSpPr>
+        <a:xfrm>
+          <a:off x="0" y="0"/>
+          <a:ext cx="0" cy="0"/>
+          <a:chOff x="0" y="0"/>
+          <a:chExt cx="0" cy="0"/>
+        </a:xfrm>
+      </p:grpSpPr>
+      <p:sp>
+        <p:nvSpPr>
+          <p:cNvPr id="2" name="Slide Number Placeholder 2"/>
+          <p:cNvSpPr>
+            <a:spLocks noGrp="1"/>
+          </p:cNvSpPr>
+          <p:nvPr>
+            <p:ph type="sldNum" sz="quarter" idx="4"/>
+          </p:nvPr>
+        </p:nvSpPr>
+        <p:spPr>
+          <a:xfrm>
+            <a:off x="524348" y="4651813"/>
+            <a:ext cx="2133600" cy="274637"/>
+          </a:xfrm>
+          <a:prstGeom prst="rect">
+            <a:avLst/>
+          </a:prstGeom>
+        </p:spPr>
+        <p:txBody>
+          <a:bodyPr vert="horz" lIns="0" tIns="45720" rIns="91440" bIns="45720" rtlCol="0" anchor="ctr"/>
+          <a:lstStyle>
+            <a:lvl1pPr algn="l">
+              <a:defRPr sz="1000">
+                <a:solidFill>
+                  <a:schemeClr val="tx1">
+                    <a:tint val="75000"/>
+                  </a:schemeClr>
+                </a:solidFill>
+              </a:defRPr>
+            </a:lvl1pPr>
+          </a:lstStyle>
+          <a:p>
+            <a:fld id="{602A933A-CCB3-5F4E-BECE-55F24E394E11}" type="slidenum">
+              <a:rPr lang="en-US" smtClean="0">
+                <a:solidFill>
+                  <a:srgbClr val="000000">
+                    <a:tint val="75000"/>
+                  </a:srgbClr>
+                </a:solidFill>
+                <a:latin typeface="Arial"/>
+              </a:rPr>
+              <a:pPr/>
+              <a:t>‹#›</a:t>
+            </a:fld>
+            <a:endParaRPr lang="en-US">
+              <a:solidFill>
+                <a:srgbClr val="000000">
+                  <a:tint val="75000"/>
+                </a:srgbClr>
+              </a:solidFill>
+              <a:latin typeface="Arial"/>
+            </a:endParaRPr>
+          </a:p>
+        </p:txBody>
+      </p:sp>
+    </p:spTree>
+    <p:extLst>
+      <p:ext uri="{BB962C8B-B14F-4D97-AF65-F5344CB8AC3E}">
+        <p14:creationId xmlns:p14="http://schemas.microsoft.com/office/powerpoint/2010/main" val="129833978"/>
+      </p:ext>
+    </p:extLst>
+  </p:cSld>
+  <p:clrMapOvr>
+    <a:masterClrMapping/>
+  </p:clrMapOvr>
+</p:sldLayout>
+</file>
+
+<file path=ppt/slideLayouts/slideLayout11.xml><?xml version="1.0" encoding="utf-8"?>
+<p:sldLayout xmlns:a="http://schemas.openxmlformats.org/drawingml/2006/main" xmlns:r="http://schemas.openxmlformats.org/officeDocument/2006/relationships" xmlns:p="http://schemas.openxmlformats.org/presentationml/2006/main" type="tx">
+  <p:cSld name="Title - Top">
+    <p:spTree>
+      <p:nvGrpSpPr>
+        <p:cNvPr id="1" name=""/>
+        <p:cNvGrpSpPr/>
+        <p:nvPr/>
+      </p:nvGrpSpPr>
+      <p:grpSpPr>
+        <a:xfrm>
+          <a:off x="0" y="0"/>
+          <a:ext cx="0" cy="0"/>
+          <a:chOff x="0" y="0"/>
+          <a:chExt cx="0" cy="0"/>
+        </a:xfrm>
+      </p:grpSpPr>
+      <p:sp>
+        <p:nvSpPr>
+          <p:cNvPr id="16" name="Shape 16"/>
+          <p:cNvSpPr>
+            <a:spLocks noGrp="1"/>
+          </p:cNvSpPr>
+          <p:nvPr>
+            <p:ph type="title"/>
+          </p:nvPr>
+        </p:nvSpPr>
+        <p:spPr>
+          <a:xfrm>
+            <a:off x="633425" y="357188"/>
+            <a:ext cx="7877175" cy="857250"/>
+          </a:xfrm>
+          <a:prstGeom prst="rect">
+            <a:avLst/>
+          </a:prstGeom>
+        </p:spPr>
+        <p:txBody>
+          <a:bodyPr/>
+          <a:lstStyle/>
+          <a:p>
+            <a:pPr lvl="0">
+              <a:defRPr sz="1800"/>
+            </a:pPr>
+            <a:r>
+              <a:rPr sz="4200"/>
+              <a:t>Title Text</a:t>
+            </a:r>
+          </a:p>
+        </p:txBody>
+      </p:sp>
+    </p:spTree>
+    <p:extLst>
+      <p:ext uri="{BB962C8B-B14F-4D97-AF65-F5344CB8AC3E}">
+        <p14:creationId xmlns:p14="http://schemas.microsoft.com/office/powerpoint/2010/main" val="3643120172"/>
+      </p:ext>
+    </p:extLst>
+  </p:cSld>
+  <p:clrMapOvr>
+    <a:masterClrMapping/>
+  </p:clrMapOvr>
+  <p:transition xmlns:p14="http://schemas.microsoft.com/office/powerpoint/2010/main" spd="med"/>
+</p:sldLayout>
+</file>
+
+<file path=ppt/slideLayouts/slideLayout12.xml><?xml version="1.0" encoding="utf-8"?>
+<p:sldLayout xmlns:a="http://schemas.openxmlformats.org/drawingml/2006/main" xmlns:r="http://schemas.openxmlformats.org/officeDocument/2006/relationships" xmlns:p="http://schemas.openxmlformats.org/presentationml/2006/main" userDrawn="1">
+  <p:cSld name="12_Custom Layout">
+    <p:spTree>
+      <p:nvGrpSpPr>
+        <p:cNvPr id="1" name=""/>
+        <p:cNvGrpSpPr/>
+        <p:nvPr/>
+      </p:nvGrpSpPr>
+      <p:grpSpPr>
+        <a:xfrm>
+          <a:off x="0" y="0"/>
+          <a:ext cx="0" cy="0"/>
+          <a:chOff x="0" y="0"/>
+          <a:chExt cx="0" cy="0"/>
+        </a:xfrm>
+      </p:grpSpPr>
+      <p:sp>
+        <p:nvSpPr>
+          <p:cNvPr id="2" name="Rectangle 1"/>
+          <p:cNvSpPr/>
+          <p:nvPr userDrawn="1"/>
+        </p:nvSpPr>
+        <p:spPr>
+          <a:xfrm>
+            <a:off x="0" y="0"/>
+            <a:ext cx="4572000" cy="5143500"/>
+          </a:xfrm>
+          <a:prstGeom prst="rect">
+            <a:avLst/>
+          </a:prstGeom>
+          <a:solidFill>
+            <a:srgbClr val="0E675B"/>
+          </a:solidFill>
+          <a:ln>
+            <a:noFill/>
+          </a:ln>
+          <a:effectLst/>
+        </p:spPr>
+        <p:style>
+          <a:lnRef idx="1">
+            <a:schemeClr val="accent1"/>
+          </a:lnRef>
+          <a:fillRef idx="3">
+            <a:schemeClr val="accent1"/>
+          </a:fillRef>
+          <a:effectRef idx="2">
+            <a:schemeClr val="accent1"/>
+          </a:effectRef>
+          <a:fontRef idx="minor">
+            <a:schemeClr val="lt1"/>
+          </a:fontRef>
+        </p:style>
+        <p:txBody>
+          <a:bodyPr rot="0" spcFirstLastPara="0" vertOverflow="overflow" horzOverflow="overflow" vert="horz" wrap="square" lIns="91440" tIns="45720" rIns="91440" bIns="45720" numCol="1" spcCol="0" rtlCol="0" fromWordArt="0" anchor="ctr" anchorCtr="0" forceAA="0" compatLnSpc="1">
+            <a:prstTxWarp prst="textNoShape">
+              <a:avLst/>
+            </a:prstTxWarp>
+            <a:noAutofit/>
+          </a:bodyPr>
+          <a:lstStyle/>
+          <a:p>
+            <a:pPr algn="ctr"/>
+            <a:endParaRPr lang="en-US">
+              <a:solidFill>
+                <a:prstClr val="white"/>
+              </a:solidFill>
+              <a:latin typeface="Arial"/>
+            </a:endParaRPr>
+          </a:p>
+        </p:txBody>
+      </p:sp>
+      <p:sp>
+        <p:nvSpPr>
+          <p:cNvPr id="6" name="Slide Number Placeholder 2"/>
+          <p:cNvSpPr>
+            <a:spLocks noGrp="1"/>
+          </p:cNvSpPr>
+          <p:nvPr>
+            <p:ph type="sldNum" sz="quarter" idx="4"/>
+          </p:nvPr>
+        </p:nvSpPr>
+        <p:spPr>
+          <a:xfrm>
+            <a:off x="524348" y="4651813"/>
+            <a:ext cx="2133600" cy="274637"/>
+          </a:xfrm>
+          <a:prstGeom prst="rect">
+            <a:avLst/>
+          </a:prstGeom>
+        </p:spPr>
+        <p:txBody>
+          <a:bodyPr vert="horz" lIns="0" tIns="45720" rIns="91440" bIns="45720" rtlCol="0" anchor="ctr"/>
+          <a:lstStyle>
+            <a:lvl1pPr algn="l">
+              <a:defRPr sz="1000">
+                <a:solidFill>
+                  <a:schemeClr val="bg1"/>
+                </a:solidFill>
+              </a:defRPr>
+            </a:lvl1pPr>
+          </a:lstStyle>
+          <a:p>
+            <a:fld id="{602A933A-CCB3-5F4E-BECE-55F24E394E11}" type="slidenum">
+              <a:rPr lang="en-US" smtClean="0">
+                <a:solidFill>
+                  <a:prstClr val="white"/>
+                </a:solidFill>
+                <a:latin typeface="Arial"/>
+              </a:rPr>
+              <a:pPr/>
+              <a:t>‹#›</a:t>
+            </a:fld>
+            <a:endParaRPr lang="en-US">
+              <a:solidFill>
+                <a:prstClr val="white"/>
+              </a:solidFill>
+              <a:latin typeface="Arial"/>
+            </a:endParaRPr>
+          </a:p>
+        </p:txBody>
+      </p:sp>
+      <p:pic>
+        <p:nvPicPr>
+          <p:cNvPr id="7" name="Picture 6" descr="pivotal_green.png"/>
+          <p:cNvPicPr>
+            <a:picLocks noChangeAspect="1"/>
+          </p:cNvPicPr>
+          <p:nvPr userDrawn="1"/>
+        </p:nvPicPr>
+        <p:blipFill>
+          <a:blip r:embed="rId2">
+            <a:extLst>
+              <a:ext uri="{28A0092B-C50C-407E-A947-70E740481C1C}">
+                <a14:useLocalDpi xmlns:a14="http://schemas.microsoft.com/office/drawing/2010/main" val="0"/>
+              </a:ext>
+            </a:extLst>
+          </a:blip>
+          <a:stretch>
+            <a:fillRect/>
+          </a:stretch>
+        </p:blipFill>
+        <p:spPr>
+          <a:xfrm>
+            <a:off x="7788438" y="4656658"/>
+            <a:ext cx="831214" cy="204245"/>
+          </a:xfrm>
+          <a:prstGeom prst="rect">
+            <a:avLst/>
+          </a:prstGeom>
+        </p:spPr>
+      </p:pic>
+    </p:spTree>
+    <p:extLst>
+      <p:ext uri="{BB962C8B-B14F-4D97-AF65-F5344CB8AC3E}">
+        <p14:creationId xmlns:p14="http://schemas.microsoft.com/office/powerpoint/2010/main" val="3737588681"/>
+      </p:ext>
+    </p:extLst>
+  </p:cSld>
+  <p:clrMapOvr>
+    <a:masterClrMapping/>
+  </p:clrMapOvr>
+</p:sldLayout>
+</file>
+
+<file path=ppt/slideLayouts/slideLayout13.xml><?xml version="1.0" encoding="utf-8"?>
+<p:sldLayout xmlns:a="http://schemas.openxmlformats.org/drawingml/2006/main" xmlns:r="http://schemas.openxmlformats.org/officeDocument/2006/relationships" xmlns:p="http://schemas.openxmlformats.org/presentationml/2006/main" userDrawn="1">
+  <p:cSld name="Temp Basic with Rule">
+    <p:bg>
+      <p:bgPr>
+        <a:solidFill>
+          <a:srgbClr val="17232A"/>
+        </a:solidFill>
+        <a:effectLst/>
+      </p:bgPr>
+    </p:bg>
+    <p:spTree>
+      <p:nvGrpSpPr>
+        <p:cNvPr id="1" name=""/>
+        <p:cNvGrpSpPr/>
+        <p:nvPr/>
+      </p:nvGrpSpPr>
+      <p:grpSpPr>
+        <a:xfrm>
+          <a:off x="0" y="0"/>
+          <a:ext cx="0" cy="0"/>
+          <a:chOff x="0" y="0"/>
+          <a:chExt cx="0" cy="0"/>
+        </a:xfrm>
+      </p:grpSpPr>
+      <p:sp>
+        <p:nvSpPr>
+          <p:cNvPr id="2" name="Title 1"/>
+          <p:cNvSpPr>
+            <a:spLocks noGrp="1"/>
+          </p:cNvSpPr>
+          <p:nvPr>
+            <p:ph type="title" hasCustomPrompt="1"/>
+          </p:nvPr>
+        </p:nvSpPr>
+        <p:spPr>
+          <a:xfrm>
+            <a:off x="457199" y="320040"/>
+            <a:ext cx="8229601" cy="363558"/>
+          </a:xfrm>
+          <a:prstGeom prst="rect">
+            <a:avLst/>
+          </a:prstGeom>
+        </p:spPr>
+        <p:txBody>
+          <a:bodyPr lIns="0" tIns="0" rIns="0" bIns="0"/>
+          <a:lstStyle>
+            <a:lvl1pPr>
+              <a:defRPr sz="3200" b="0">
+                <a:solidFill>
+                  <a:schemeClr val="bg1"/>
+                </a:solidFill>
+                <a:latin typeface="Arial" panose="020B0604020202020204" pitchFamily="34" charset="0"/>
+                <a:cs typeface="Arial" panose="020B0604020202020204" pitchFamily="34" charset="0"/>
+              </a:defRPr>
+            </a:lvl1pPr>
+          </a:lstStyle>
+          <a:p>
+            <a:r>
+              <a:rPr lang="en-US" dirty="0" smtClean="0"/>
+              <a:t>CLICK TO EDIT MASTER TITLE STYLE</a:t>
+            </a:r>
+            <a:endParaRPr lang="en-US" dirty="0"/>
+          </a:p>
+        </p:txBody>
+      </p:sp>
+      <p:sp>
+        <p:nvSpPr>
+          <p:cNvPr id="4" name="Content Placeholder 3"/>
+          <p:cNvSpPr>
+            <a:spLocks noGrp="1"/>
+          </p:cNvSpPr>
+          <p:nvPr>
+            <p:ph sz="quarter" idx="10"/>
+          </p:nvPr>
+        </p:nvSpPr>
+        <p:spPr>
+          <a:xfrm>
+            <a:off x="457200" y="1108074"/>
+            <a:ext cx="8229600" cy="3082925"/>
+          </a:xfrm>
+          <a:prstGeom prst="rect">
+            <a:avLst/>
+          </a:prstGeom>
+        </p:spPr>
+        <p:txBody>
+          <a:bodyPr/>
+          <a:lstStyle>
+            <a:lvl1pPr>
+              <a:defRPr>
+                <a:solidFill>
+                  <a:schemeClr val="bg1"/>
+                </a:solidFill>
+                <a:latin typeface="Arial" panose="020B0604020202020204" pitchFamily="34" charset="0"/>
+                <a:cs typeface="Arial" panose="020B0604020202020204" pitchFamily="34" charset="0"/>
+              </a:defRPr>
+            </a:lvl1pPr>
+            <a:lvl2pPr>
+              <a:defRPr>
+                <a:solidFill>
+                  <a:schemeClr val="bg1"/>
+                </a:solidFill>
+                <a:latin typeface="Arial" panose="020B0604020202020204" pitchFamily="34" charset="0"/>
+                <a:cs typeface="Arial" panose="020B0604020202020204" pitchFamily="34" charset="0"/>
+              </a:defRPr>
+            </a:lvl2pPr>
+            <a:lvl3pPr>
+              <a:defRPr>
+                <a:solidFill>
+                  <a:schemeClr val="bg1"/>
+                </a:solidFill>
+                <a:latin typeface="Arial" panose="020B0604020202020204" pitchFamily="34" charset="0"/>
+                <a:cs typeface="Arial" panose="020B0604020202020204" pitchFamily="34" charset="0"/>
+              </a:defRPr>
+            </a:lvl3pPr>
+            <a:lvl4pPr>
+              <a:defRPr>
+                <a:solidFill>
+                  <a:schemeClr val="bg1"/>
+                </a:solidFill>
+                <a:latin typeface="Arial" panose="020B0604020202020204" pitchFamily="34" charset="0"/>
+                <a:cs typeface="Arial" panose="020B0604020202020204" pitchFamily="34" charset="0"/>
+              </a:defRPr>
+            </a:lvl4pPr>
+            <a:lvl5pPr>
+              <a:defRPr>
+                <a:solidFill>
+                  <a:schemeClr val="bg1"/>
+                </a:solidFill>
+                <a:latin typeface="Arial" panose="020B0604020202020204" pitchFamily="34" charset="0"/>
+                <a:cs typeface="Arial" panose="020B0604020202020204" pitchFamily="34" charset="0"/>
+              </a:defRPr>
+            </a:lvl5pPr>
+          </a:lstStyle>
+          <a:p>
+            <a:pPr lvl="0"/>
+            <a:r>
+              <a:rPr lang="en-US" smtClean="0"/>
+              <a:t>Click to edit Master text styles</a:t>
+            </a:r>
+          </a:p>
+          <a:p>
+            <a:pPr lvl="1"/>
+            <a:r>
+              <a:rPr lang="en-US" smtClean="0"/>
+              <a:t>Second level</a:t>
+            </a:r>
+          </a:p>
+          <a:p>
+            <a:pPr lvl="2"/>
+            <a:r>
+              <a:rPr lang="en-US" smtClean="0"/>
+              <a:t>Third level</a:t>
+            </a:r>
+          </a:p>
+          <a:p>
+            <a:pPr lvl="3"/>
+            <a:r>
+              <a:rPr lang="en-US" smtClean="0"/>
+              <a:t>Fourth level</a:t>
+            </a:r>
+          </a:p>
+          <a:p>
+            <a:pPr lvl="4"/>
+            <a:r>
+              <a:rPr lang="en-US" smtClean="0"/>
+              <a:t>Fifth level</a:t>
+            </a:r>
+            <a:endParaRPr lang="en-US" dirty="0"/>
+          </a:p>
+        </p:txBody>
+      </p:sp>
+      <p:sp>
+        <p:nvSpPr>
+          <p:cNvPr id="5" name="Rectangle 4"/>
+          <p:cNvSpPr/>
+          <p:nvPr userDrawn="1"/>
+        </p:nvSpPr>
+        <p:spPr bwMode="gray">
+          <a:xfrm>
+            <a:off x="0" y="4629150"/>
+            <a:ext cx="9144000" cy="385763"/>
+          </a:xfrm>
+          <a:prstGeom prst="rect">
+            <a:avLst/>
+          </a:prstGeom>
+          <a:solidFill>
+            <a:srgbClr val="00786E"/>
+          </a:solidFill>
+          <a:ln>
+            <a:noFill/>
+          </a:ln>
+        </p:spPr>
+        <p:style>
+          <a:lnRef idx="2">
+            <a:schemeClr val="accent1">
+              <a:shade val="50000"/>
+            </a:schemeClr>
+          </a:lnRef>
+          <a:fillRef idx="1">
+            <a:schemeClr val="accent1"/>
+          </a:fillRef>
+          <a:effectRef idx="0">
+            <a:schemeClr val="accent1"/>
+          </a:effectRef>
+          <a:fontRef idx="minor">
+            <a:schemeClr val="lt1"/>
+          </a:fontRef>
+        </p:style>
+        <p:txBody>
+          <a:bodyPr rtlCol="0" anchor="ctr"/>
+          <a:lstStyle/>
+          <a:p>
+            <a:pPr algn="l"/>
+            <a:endParaRPr lang="en-US" dirty="0">
+              <a:latin typeface="+mn-lt"/>
+            </a:endParaRPr>
+          </a:p>
+        </p:txBody>
+      </p:sp>
+      <p:sp>
+        <p:nvSpPr>
+          <p:cNvPr id="7" name="TextBox 6"/>
+          <p:cNvSpPr txBox="1"/>
+          <p:nvPr userDrawn="1"/>
+        </p:nvSpPr>
+        <p:spPr bwMode="gray">
+          <a:xfrm>
+            <a:off x="366713" y="5018449"/>
+            <a:ext cx="2274887" cy="92333"/>
+          </a:xfrm>
+          <a:prstGeom prst="rect">
+            <a:avLst/>
+          </a:prstGeom>
+          <a:noFill/>
+        </p:spPr>
+        <p:txBody>
+          <a:bodyPr wrap="square" lIns="0" tIns="0" rIns="0" bIns="0" rtlCol="0">
+            <a:spAutoFit/>
+          </a:bodyPr>
+          <a:lstStyle/>
+          <a:p>
+            <a:pPr algn="l"/>
+            <a:r>
+              <a:rPr lang="en-US" sz="600" dirty="0" smtClean="0">
+                <a:solidFill>
+                  <a:schemeClr val="bg1">
+                    <a:lumMod val="50000"/>
+                  </a:schemeClr>
+                </a:solidFill>
+                <a:latin typeface="Arial"/>
+                <a:cs typeface="Arial"/>
+              </a:rPr>
+              <a:t>© Copyright 2015 Pivotal.</a:t>
+            </a:r>
+            <a:r>
+              <a:rPr lang="en-US" sz="600" baseline="0" dirty="0" smtClean="0">
+                <a:solidFill>
+                  <a:schemeClr val="bg1">
+                    <a:lumMod val="50000"/>
+                  </a:schemeClr>
+                </a:solidFill>
+                <a:latin typeface="Arial"/>
+                <a:cs typeface="Arial"/>
+              </a:rPr>
+              <a:t> </a:t>
+            </a:r>
+            <a:r>
+              <a:rPr lang="en-US" sz="600" dirty="0" smtClean="0">
+                <a:solidFill>
+                  <a:schemeClr val="bg1">
+                    <a:lumMod val="50000"/>
+                  </a:schemeClr>
+                </a:solidFill>
+                <a:latin typeface="Arial"/>
+                <a:cs typeface="Arial"/>
+              </a:rPr>
+              <a:t>All rights reserved.</a:t>
+            </a:r>
+            <a:endParaRPr lang="en-US" sz="600" dirty="0">
+              <a:solidFill>
+                <a:schemeClr val="bg1">
+                  <a:lumMod val="50000"/>
+                </a:schemeClr>
+              </a:solidFill>
+              <a:latin typeface="Arial"/>
+              <a:cs typeface="Arial"/>
+            </a:endParaRPr>
+          </a:p>
+        </p:txBody>
+      </p:sp>
+      <p:pic>
+        <p:nvPicPr>
+          <p:cNvPr id="8" name="Picture 7" descr="Pivotal_Logo_white.png"/>
+          <p:cNvPicPr>
+            <a:picLocks noChangeAspect="1"/>
+          </p:cNvPicPr>
+          <p:nvPr userDrawn="1"/>
+        </p:nvPicPr>
+        <p:blipFill>
+          <a:blip r:embed="rId2" cstate="print"/>
+          <a:stretch>
+            <a:fillRect/>
+          </a:stretch>
+        </p:blipFill>
+        <p:spPr>
+          <a:xfrm>
+            <a:off x="7941733" y="4713966"/>
+            <a:ext cx="957262" cy="219455"/>
+          </a:xfrm>
+          <a:prstGeom prst="rect">
+            <a:avLst/>
+          </a:prstGeom>
+        </p:spPr>
+      </p:pic>
+      <p:cxnSp>
+        <p:nvCxnSpPr>
+          <p:cNvPr id="9" name="Straight Connector 8"/>
+          <p:cNvCxnSpPr/>
+          <p:nvPr userDrawn="1"/>
+        </p:nvCxnSpPr>
+        <p:spPr>
+          <a:xfrm>
+            <a:off x="0" y="885931"/>
+            <a:ext cx="9144000" cy="0"/>
+          </a:xfrm>
+          <a:prstGeom prst="line">
+            <a:avLst/>
+          </a:prstGeom>
+          <a:ln>
+            <a:solidFill>
+              <a:srgbClr val="E8E8E8"/>
+            </a:solidFill>
+          </a:ln>
+        </p:spPr>
+        <p:style>
+          <a:lnRef idx="1">
+            <a:schemeClr val="dk1"/>
+          </a:lnRef>
+          <a:fillRef idx="0">
+            <a:schemeClr val="dk1"/>
+          </a:fillRef>
+          <a:effectRef idx="0">
+            <a:schemeClr val="dk1"/>
+          </a:effectRef>
+          <a:fontRef idx="minor">
+            <a:schemeClr val="tx1"/>
+          </a:fontRef>
+        </p:style>
+      </p:cxnSp>
+    </p:spTree>
+    <p:extLst>
+      <p:ext uri="{BB962C8B-B14F-4D97-AF65-F5344CB8AC3E}">
+        <p14:creationId xmlns:p14="http://schemas.microsoft.com/office/powerpoint/2010/main" val="2390993745"/>
+      </p:ext>
+    </p:extLst>
+  </p:cSld>
+  <p:clrMapOvr>
+    <a:masterClrMapping/>
+  </p:clrMapOvr>
+  <p:timing>
+    <p:tnLst>
+      <p:par>
+        <p:cTn xmlns:p14="http://schemas.microsoft.com/office/powerpoint/2010/main" id="1" dur="indefinite" restart="never" nodeType="tmRoot"/>
+      </p:par>
+    </p:tnLst>
+  </p:timing>
+</p:sldLayout>
+</file>
+
+<file path=ppt/slideLayouts/slideLayout14.xml><?xml version="1.0" encoding="utf-8"?>
+<p:sldLayout xmlns:a="http://schemas.openxmlformats.org/drawingml/2006/main" xmlns:r="http://schemas.openxmlformats.org/officeDocument/2006/relationships" xmlns:p="http://schemas.openxmlformats.org/presentationml/2006/main">
+  <p:cSld name="black background">
+    <p:spTree>
+      <p:nvGrpSpPr>
+        <p:cNvPr id="1" name="Shape 61"/>
+        <p:cNvGrpSpPr/>
+        <p:nvPr/>
+      </p:nvGrpSpPr>
+      <p:grpSpPr>
+        <a:xfrm>
+          <a:off x="0" y="0"/>
+          <a:ext cx="0" cy="0"/>
+          <a:chOff x="0" y="0"/>
+          <a:chExt cx="0" cy="0"/>
+        </a:xfrm>
+      </p:grpSpPr>
+      <p:sp>
+        <p:nvSpPr>
+          <p:cNvPr id="62" name="Shape 62"/>
+          <p:cNvSpPr/>
+          <p:nvPr/>
+        </p:nvSpPr>
+        <p:spPr>
+          <a:xfrm>
+            <a:off x="0" y="0"/>
+            <a:ext cx="9144000" cy="5143499"/>
+          </a:xfrm>
+          <a:prstGeom prst="rect">
+            <a:avLst/>
+          </a:prstGeom>
+          <a:solidFill>
+            <a:srgbClr val="000000"/>
+          </a:solidFill>
+          <a:ln w="12700" cap="flat">
+            <a:solidFill>
+              <a:schemeClr val="lt2"/>
+            </a:solidFill>
+            <a:prstDash val="solid"/>
+            <a:round/>
+            <a:headEnd type="none" w="med" len="med"/>
+            <a:tailEnd type="none" w="med" len="med"/>
+          </a:ln>
+        </p:spPr>
+        <p:txBody>
+          <a:bodyPr lIns="91425" tIns="45700" rIns="91425" bIns="45700" anchor="ctr" anchorCtr="0">
+            <a:noAutofit/>
+          </a:bodyPr>
+          <a:lstStyle/>
+          <a:p>
+            <a:pPr marL="0" marR="0" lvl="0" indent="0" algn="ctr" rtl="0">
+              <a:lnSpc>
+                <a:spcPct val="100000"/>
+              </a:lnSpc>
+              <a:spcBef>
+                <a:spcPts val="0"/>
+              </a:spcBef>
+              <a:spcAft>
+                <a:spcPts val="0"/>
+              </a:spcAft>
+              <a:buClr>
+                <a:schemeClr val="lt1"/>
+              </a:buClr>
+              <a:buFont typeface="Arial"/>
+              <a:buNone/>
+            </a:pPr>
+            <a:endParaRPr sz="1800" b="0" i="0" u="none" strike="noStrike" cap="none" baseline="0">
+              <a:solidFill>
+                <a:srgbClr val="FFFFFF"/>
+              </a:solidFill>
+              <a:latin typeface="Arial"/>
+              <a:ea typeface="Arial"/>
+              <a:cs typeface="Arial"/>
+              <a:sym typeface="Arial"/>
+              <a:rtl val="0"/>
+            </a:endParaRPr>
+          </a:p>
+        </p:txBody>
+      </p:sp>
+      <p:sp>
+        <p:nvSpPr>
+          <p:cNvPr id="63" name="Shape 63"/>
+          <p:cNvSpPr/>
+          <p:nvPr/>
+        </p:nvSpPr>
+        <p:spPr>
+          <a:xfrm>
+            <a:off x="0" y="4629150"/>
+            <a:ext cx="9144000" cy="385800"/>
+          </a:xfrm>
+          <a:prstGeom prst="rect">
+            <a:avLst/>
+          </a:prstGeom>
+          <a:solidFill>
+            <a:srgbClr val="00786E"/>
+          </a:solidFill>
+          <a:ln>
+            <a:noFill/>
+          </a:ln>
+        </p:spPr>
+        <p:txBody>
+          <a:bodyPr lIns="91425" tIns="45700" rIns="91425" bIns="45700" anchor="ctr" anchorCtr="0">
+            <a:noAutofit/>
+          </a:bodyPr>
+          <a:lstStyle/>
+          <a:p>
+            <a:pPr marL="0" marR="0" lvl="0" indent="0" algn="l" rtl="0">
+              <a:lnSpc>
+                <a:spcPct val="100000"/>
+              </a:lnSpc>
+              <a:spcBef>
+                <a:spcPts val="0"/>
+              </a:spcBef>
+              <a:spcAft>
+                <a:spcPts val="0"/>
+              </a:spcAft>
+              <a:buClr>
+                <a:schemeClr val="lt1"/>
+              </a:buClr>
+              <a:buFont typeface="Arial"/>
+              <a:buNone/>
+            </a:pPr>
+            <a:endParaRPr sz="1800" b="0" i="0" u="none" strike="noStrike" cap="none" baseline="0">
+              <a:solidFill>
+                <a:srgbClr val="FFFFFF"/>
+              </a:solidFill>
+              <a:latin typeface="Arial"/>
+              <a:ea typeface="Arial"/>
+              <a:cs typeface="Arial"/>
+              <a:sym typeface="Arial"/>
+              <a:rtl val="0"/>
+            </a:endParaRPr>
+          </a:p>
+        </p:txBody>
+      </p:sp>
+      <p:sp>
+        <p:nvSpPr>
+          <p:cNvPr id="64" name="Shape 64"/>
+          <p:cNvSpPr txBox="1"/>
+          <p:nvPr/>
+        </p:nvSpPr>
+        <p:spPr>
+          <a:xfrm flipH="1">
+            <a:off x="8553450" y="5021262"/>
+            <a:ext cx="533399" cy="123899"/>
+          </a:xfrm>
+          <a:prstGeom prst="rect">
+            <a:avLst/>
+          </a:prstGeom>
+          <a:noFill/>
+          <a:ln>
+            <a:noFill/>
+          </a:ln>
+        </p:spPr>
+        <p:txBody>
+          <a:bodyPr lIns="0" tIns="0" rIns="0" bIns="0" anchor="t" anchorCtr="0">
+            <a:noAutofit/>
+          </a:bodyPr>
+          <a:lstStyle/>
+          <a:p>
+            <a:pPr marL="0" marR="0" lvl="0" indent="0" algn="r" rtl="0">
+              <a:lnSpc>
+                <a:spcPct val="100000"/>
+              </a:lnSpc>
+              <a:spcBef>
+                <a:spcPts val="0"/>
+              </a:spcBef>
+              <a:spcAft>
+                <a:spcPts val="0"/>
+              </a:spcAft>
+              <a:buClr>
+                <a:srgbClr val="7F7F7F"/>
+              </a:buClr>
+              <a:buSzPct val="25000"/>
+              <a:buFont typeface="Arial"/>
+              <a:buNone/>
+            </a:pPr>
+            <a:fld id="{00000000-1234-1234-1234-123412341234}" type="slidenum">
+              <a:rPr lang="en" sz="800" b="0" i="0" u="none" strike="noStrike" cap="none" baseline="0">
+                <a:solidFill>
+                  <a:srgbClr val="7F7F7F"/>
+                </a:solidFill>
+                <a:latin typeface="Arial"/>
+                <a:ea typeface="Arial"/>
+                <a:cs typeface="Arial"/>
+                <a:sym typeface="Arial"/>
+                <a:rtl val="0"/>
+              </a:rPr>
+              <a:t>‹#›</a:t>
+            </a:fld>
+            <a:endParaRPr lang="en" sz="800" b="0" i="0" u="none" strike="noStrike" cap="none" baseline="0">
+              <a:solidFill>
+                <a:srgbClr val="7F7F7F"/>
+              </a:solidFill>
+              <a:latin typeface="Arial"/>
+              <a:ea typeface="Arial"/>
+              <a:cs typeface="Arial"/>
+              <a:sym typeface="Arial"/>
+              <a:rtl val="0"/>
+            </a:endParaRPr>
+          </a:p>
+        </p:txBody>
+      </p:sp>
+      <p:sp>
+        <p:nvSpPr>
+          <p:cNvPr id="65" name="Shape 65"/>
+          <p:cNvSpPr txBox="1"/>
+          <p:nvPr/>
+        </p:nvSpPr>
+        <p:spPr>
+          <a:xfrm>
+            <a:off x="366712" y="5018087"/>
+            <a:ext cx="2274900" cy="99900"/>
+          </a:xfrm>
+          <a:prstGeom prst="rect">
+            <a:avLst/>
+          </a:prstGeom>
+          <a:noFill/>
+          <a:ln>
+            <a:noFill/>
+          </a:ln>
+        </p:spPr>
+        <p:txBody>
+          <a:bodyPr lIns="0" tIns="0" rIns="0" bIns="0" anchor="t" anchorCtr="0">
+            <a:noAutofit/>
+          </a:bodyPr>
+          <a:lstStyle/>
+          <a:p>
+            <a:pPr marL="0" marR="0" lvl="0" indent="0" algn="l" rtl="0">
+              <a:lnSpc>
+                <a:spcPct val="100000"/>
+              </a:lnSpc>
+              <a:spcBef>
+                <a:spcPts val="0"/>
+              </a:spcBef>
+              <a:spcAft>
+                <a:spcPts val="0"/>
+              </a:spcAft>
+              <a:buClr>
+                <a:srgbClr val="7F7F7F"/>
+              </a:buClr>
+              <a:buSzPct val="25000"/>
+              <a:buFont typeface="Arial"/>
+              <a:buNone/>
+            </a:pPr>
+            <a:r>
+              <a:rPr lang="en" sz="600" b="0" i="0" u="none" strike="noStrike" cap="none" baseline="0">
+                <a:solidFill>
+                  <a:srgbClr val="7F7F7F"/>
+                </a:solidFill>
+                <a:latin typeface="Arial"/>
+                <a:ea typeface="Arial"/>
+                <a:cs typeface="Arial"/>
+                <a:sym typeface="Arial"/>
+                <a:rtl val="0"/>
+              </a:rPr>
+              <a:t>© Copyright 2013 Pivotal. All rights reserved.</a:t>
+            </a:r>
+          </a:p>
+        </p:txBody>
+      </p:sp>
+      <p:pic>
+        <p:nvPicPr>
+          <p:cNvPr id="66" name="Shape 66"/>
+          <p:cNvPicPr preferRelativeResize="0"/>
+          <p:nvPr/>
+        </p:nvPicPr>
+        <p:blipFill rotWithShape="1">
+          <a:blip r:embed="rId2">
+            <a:alphaModFix/>
+          </a:blip>
+          <a:srcRect/>
+          <a:stretch/>
+        </p:blipFill>
+        <p:spPr>
+          <a:xfrm>
+            <a:off x="7942263" y="4713287"/>
+            <a:ext cx="957299" cy="220800"/>
+          </a:xfrm>
+          <a:prstGeom prst="rect">
+            <a:avLst/>
+          </a:prstGeom>
+          <a:noFill/>
+          <a:ln>
+            <a:noFill/>
+          </a:ln>
+        </p:spPr>
+      </p:pic>
+    </p:spTree>
+    <p:extLst>
+      <p:ext uri="{BB962C8B-B14F-4D97-AF65-F5344CB8AC3E}">
+        <p14:creationId xmlns:p14="http://schemas.microsoft.com/office/powerpoint/2010/main" val="2025751711"/>
+      </p:ext>
+    </p:extLst>
+  </p:cSld>
+  <p:clrMapOvr>
+    <a:masterClrMapping/>
+  </p:clrMapOvr>
+</p:sldLayout>
+</file>
+
+<file path=ppt/slideLayouts/slideLayout15.xml><?xml version="1.0" encoding="utf-8"?>
 <p:sldLayout xmlns:a="http://schemas.openxmlformats.org/drawingml/2006/main" xmlns:r="http://schemas.openxmlformats.org/officeDocument/2006/relationships" xmlns:p="http://schemas.openxmlformats.org/presentationml/2006/main" preserve="1" userDrawn="1">
-  <p:cSld name="Title and Content">
+  <p:cSld name="Main Page">
     <p:spTree>
       <p:nvGrpSpPr>
         <p:cNvPr id="1" name=""/>
@@ -911,16 +3155,49 @@
             <p:ph type="sldNum" sz="quarter" idx="12"/>
           </p:nvPr>
         </p:nvSpPr>
-        <p:spPr/>
+        <p:spPr>
+          <a:xfrm>
+            <a:off x="48247" y="4861463"/>
+            <a:ext cx="373338" cy="273844"/>
+          </a:xfrm>
+          <a:prstGeom prst="rect">
+            <a:avLst/>
+          </a:prstGeom>
+        </p:spPr>
         <p:txBody>
           <a:bodyPr/>
-          <a:lstStyle/>
+          <a:lstStyle>
+            <a:lvl1pPr>
+              <a:defRPr sz="900">
+                <a:solidFill>
+                  <a:schemeClr val="bg1">
+                    <a:lumMod val="65000"/>
+                  </a:schemeClr>
+                </a:solidFill>
+              </a:defRPr>
+            </a:lvl1pPr>
+          </a:lstStyle>
           <a:p>
             <a:fld id="{ADA07C09-8A41-3B46-A636-3955072BBB4F}" type="slidenum">
-              <a:rPr lang="en-US" smtClean="0"/>
+              <a:rPr lang="en-US" smtClean="0">
+                <a:solidFill>
+                  <a:srgbClr val="FFFFFF">
+                    <a:lumMod val="65000"/>
+                  </a:srgbClr>
+                </a:solidFill>
+                <a:latin typeface="Arial"/>
+              </a:rPr>
+              <a:pPr/>
               <a:t>‹#›</a:t>
             </a:fld>
-            <a:endParaRPr lang="en-US"/>
+            <a:endParaRPr lang="en-US">
+              <a:solidFill>
+                <a:srgbClr val="FFFFFF">
+                  <a:lumMod val="65000"/>
+                </a:srgbClr>
+              </a:solidFill>
+              <a:latin typeface="Arial"/>
+            </a:endParaRPr>
           </a:p>
         </p:txBody>
       </p:sp>
@@ -967,10 +3244,60 @@
           </a:p>
         </p:txBody>
       </p:sp>
+      <p:sp>
+        <p:nvSpPr>
+          <p:cNvPr id="5" name="Rectangle 4"/>
+          <p:cNvSpPr/>
+          <p:nvPr userDrawn="1"/>
+        </p:nvSpPr>
+        <p:spPr>
+          <a:xfrm>
+            <a:off x="0" y="0"/>
+            <a:ext cx="9144000" cy="53993"/>
+          </a:xfrm>
+          <a:prstGeom prst="rect">
+            <a:avLst/>
+          </a:prstGeom>
+          <a:solidFill>
+            <a:srgbClr val="008774"/>
+          </a:solidFill>
+          <a:ln>
+            <a:noFill/>
+          </a:ln>
+          <a:effectLst/>
+        </p:spPr>
+        <p:style>
+          <a:lnRef idx="1">
+            <a:schemeClr val="accent1"/>
+          </a:lnRef>
+          <a:fillRef idx="3">
+            <a:schemeClr val="accent1"/>
+          </a:fillRef>
+          <a:effectRef idx="2">
+            <a:schemeClr val="accent1"/>
+          </a:effectRef>
+          <a:fontRef idx="minor">
+            <a:schemeClr val="lt1"/>
+          </a:fontRef>
+        </p:style>
+        <p:txBody>
+          <a:bodyPr rtlCol="0" anchor="ctr"/>
+          <a:lstStyle/>
+          <a:p>
+            <a:pPr algn="ctr"/>
+            <a:endParaRPr lang="en-US">
+              <a:solidFill>
+                <a:srgbClr val="FFFFFF"/>
+              </a:solidFill>
+              <a:latin typeface="Arial"/>
+            </a:endParaRPr>
+          </a:p>
+        </p:txBody>
+      </p:sp>
     </p:spTree>
     <p:extLst>
       <p:ext uri="{BB962C8B-B14F-4D97-AF65-F5344CB8AC3E}">
-        <p14:creationId xmlns:p14="http://schemas.microsoft.com/office/powerpoint/2010/main" val="1315252878"/>
+        <p14:creationId xmlns:p14="http://schemas.microsoft.com/office/powerpoint/2010/main" val="4193658052"/>
       </p:ext>
     </p:extLst>
   </p:cSld>
@@ -987,7 +3314,7 @@
 </p:sldLayout>
 </file>
 
-<file path=ppt/slideLayouts/slideLayout10.xml><?xml version="1.0" encoding="utf-8"?>
+<file path=ppt/slideLayouts/slideLayout16.xml><?xml version="1.0" encoding="utf-8"?>
 <p:sldLayout xmlns:a="http://schemas.openxmlformats.org/drawingml/2006/main" xmlns:r="http://schemas.openxmlformats.org/officeDocument/2006/relationships" xmlns:p="http://schemas.openxmlformats.org/presentationml/2006/main" preserve="1" userDrawn="1">
   <p:cSld name="Split">
     <p:spTree>
@@ -1148,7 +3475,7 @@
     </p:spTree>
     <p:extLst>
       <p:ext uri="{BB962C8B-B14F-4D97-AF65-F5344CB8AC3E}">
-        <p14:creationId xmlns:p14="http://schemas.microsoft.com/office/powerpoint/2010/main" val="3163224728"/>
+        <p14:creationId xmlns:p14="http://schemas.microsoft.com/office/powerpoint/2010/main" val="3745965023"/>
       </p:ext>
     </p:extLst>
   </p:cSld>
@@ -1165,7 +3492,7 @@
 </p:sldLayout>
 </file>
 
-<file path=ppt/slideLayouts/slideLayout11.xml><?xml version="1.0" encoding="utf-8"?>
+<file path=ppt/slideLayouts/slideLayout17.xml><?xml version="1.0" encoding="utf-8"?>
 <p:sldLayout xmlns:a="http://schemas.openxmlformats.org/drawingml/2006/main" xmlns:r="http://schemas.openxmlformats.org/officeDocument/2006/relationships" xmlns:p="http://schemas.openxmlformats.org/presentationml/2006/main" preserve="1" userDrawn="1">
   <p:cSld name=" Blank logo">
     <p:spTree>
@@ -1241,7 +3568,7 @@
     </p:spTree>
     <p:extLst>
       <p:ext uri="{BB962C8B-B14F-4D97-AF65-F5344CB8AC3E}">
-        <p14:creationId xmlns:p14="http://schemas.microsoft.com/office/powerpoint/2010/main" val="3330276249"/>
+        <p14:creationId xmlns:p14="http://schemas.microsoft.com/office/powerpoint/2010/main" val="2193922739"/>
       </p:ext>
     </p:extLst>
   </p:cSld>
@@ -1258,7 +3585,7 @@
 </p:sldLayout>
 </file>
 
-<file path=ppt/slideLayouts/slideLayout12.xml><?xml version="1.0" encoding="utf-8"?>
+<file path=ppt/slideLayouts/slideLayout18.xml><?xml version="1.0" encoding="utf-8"?>
 <p:sldLayout xmlns:a="http://schemas.openxmlformats.org/drawingml/2006/main" xmlns:r="http://schemas.openxmlformats.org/officeDocument/2006/relationships" xmlns:p="http://schemas.openxmlformats.org/presentationml/2006/main" userDrawn="1">
   <p:cSld name="Title Only">
     <p:spTree>
@@ -1323,7 +3650,7 @@
     </p:spTree>
     <p:extLst>
       <p:ext uri="{BB962C8B-B14F-4D97-AF65-F5344CB8AC3E}">
-        <p14:creationId xmlns:p14="http://schemas.microsoft.com/office/powerpoint/2010/main" val="808104405"/>
+        <p14:creationId xmlns:p14="http://schemas.microsoft.com/office/powerpoint/2010/main" val="2389532241"/>
       </p:ext>
     </p:extLst>
   </p:cSld>
@@ -1343,7 +3670,7 @@
 </p:sldLayout>
 </file>
 
-<file path=ppt/slideLayouts/slideLayout13.xml><?xml version="1.0" encoding="utf-8"?>
+<file path=ppt/slideLayouts/slideLayout19.xml><?xml version="1.0" encoding="utf-8"?>
 <p:sldLayout xmlns:a="http://schemas.openxmlformats.org/drawingml/2006/main" xmlns:r="http://schemas.openxmlformats.org/officeDocument/2006/relationships" xmlns:p="http://schemas.openxmlformats.org/presentationml/2006/main" userDrawn="1">
   <p:cSld name="Blank">
     <p:spTree>
@@ -1419,7 +3746,7 @@
     </p:spTree>
     <p:extLst>
       <p:ext uri="{BB962C8B-B14F-4D97-AF65-F5344CB8AC3E}">
-        <p14:creationId xmlns:p14="http://schemas.microsoft.com/office/powerpoint/2010/main" val="129833978"/>
+        <p14:creationId xmlns:p14="http://schemas.microsoft.com/office/powerpoint/2010/main" val="3665224444"/>
       </p:ext>
     </p:extLst>
   </p:cSld>
@@ -1429,7 +3756,317 @@
 </p:sldLayout>
 </file>
 
-<file path=ppt/slideLayouts/slideLayout14.xml><?xml version="1.0" encoding="utf-8"?>
+<file path=ppt/slideLayouts/slideLayout2.xml><?xml version="1.0" encoding="utf-8"?>
+<p:sldLayout xmlns:a="http://schemas.openxmlformats.org/drawingml/2006/main" xmlns:r="http://schemas.openxmlformats.org/officeDocument/2006/relationships" xmlns:p="http://schemas.openxmlformats.org/presentationml/2006/main">
+  <p:cSld name="1_Title and Content">
+    <p:spTree>
+      <p:nvGrpSpPr>
+        <p:cNvPr id="1" name="Shape 294"/>
+        <p:cNvGrpSpPr/>
+        <p:nvPr/>
+      </p:nvGrpSpPr>
+      <p:grpSpPr>
+        <a:xfrm>
+          <a:off x="0" y="0"/>
+          <a:ext cx="0" cy="0"/>
+          <a:chOff x="0" y="0"/>
+          <a:chExt cx="0" cy="0"/>
+        </a:xfrm>
+      </p:grpSpPr>
+      <p:sp>
+        <p:nvSpPr>
+          <p:cNvPr id="295" name="Shape 295"/>
+          <p:cNvSpPr txBox="1">
+            <a:spLocks noGrp="1"/>
+          </p:cNvSpPr>
+          <p:nvPr>
+            <p:ph type="title"/>
+          </p:nvPr>
+        </p:nvSpPr>
+        <p:spPr>
+          <a:xfrm>
+            <a:off x="366712" y="325437"/>
+            <a:ext cx="8410574" cy="460374"/>
+          </a:xfrm>
+          <a:prstGeom prst="rect">
+            <a:avLst/>
+          </a:prstGeom>
+          <a:noFill/>
+          <a:ln>
+            <a:noFill/>
+          </a:ln>
+        </p:spPr>
+        <p:txBody>
+          <a:bodyPr lIns="91425" tIns="91425" rIns="91425" bIns="91425" anchor="t" anchorCtr="0"/>
+          <a:lstStyle>
+            <a:lvl1pPr rtl="0">
+              <a:lnSpc>
+                <a:spcPct val="90000"/>
+              </a:lnSpc>
+              <a:spcBef>
+                <a:spcPts val="0"/>
+              </a:spcBef>
+              <a:defRPr sz="3200">
+                <a:solidFill>
+                  <a:schemeClr val="dk2"/>
+                </a:solidFill>
+                <a:latin typeface="Arial"/>
+                <a:ea typeface="Arial"/>
+                <a:cs typeface="Arial"/>
+                <a:sym typeface="Arial"/>
+              </a:defRPr>
+            </a:lvl1pPr>
+            <a:lvl2pPr rtl="0">
+              <a:spcBef>
+                <a:spcPts val="0"/>
+              </a:spcBef>
+              <a:defRPr/>
+            </a:lvl2pPr>
+            <a:lvl3pPr rtl="0">
+              <a:spcBef>
+                <a:spcPts val="0"/>
+              </a:spcBef>
+              <a:defRPr/>
+            </a:lvl3pPr>
+            <a:lvl4pPr rtl="0">
+              <a:spcBef>
+                <a:spcPts val="0"/>
+              </a:spcBef>
+              <a:defRPr/>
+            </a:lvl4pPr>
+            <a:lvl5pPr rtl="0">
+              <a:spcBef>
+                <a:spcPts val="0"/>
+              </a:spcBef>
+              <a:defRPr/>
+            </a:lvl5pPr>
+            <a:lvl6pPr rtl="0">
+              <a:spcBef>
+                <a:spcPts val="0"/>
+              </a:spcBef>
+              <a:defRPr/>
+            </a:lvl6pPr>
+            <a:lvl7pPr rtl="0">
+              <a:spcBef>
+                <a:spcPts val="0"/>
+              </a:spcBef>
+              <a:defRPr/>
+            </a:lvl7pPr>
+            <a:lvl8pPr rtl="0">
+              <a:spcBef>
+                <a:spcPts val="0"/>
+              </a:spcBef>
+              <a:defRPr/>
+            </a:lvl8pPr>
+            <a:lvl9pPr rtl="0">
+              <a:spcBef>
+                <a:spcPts val="0"/>
+              </a:spcBef>
+              <a:defRPr/>
+            </a:lvl9pPr>
+          </a:lstStyle>
+          <a:p>
+            <a:endParaRPr/>
+          </a:p>
+        </p:txBody>
+      </p:sp>
+      <p:sp>
+        <p:nvSpPr>
+          <p:cNvPr id="296" name="Shape 296"/>
+          <p:cNvSpPr txBox="1">
+            <a:spLocks noGrp="1"/>
+          </p:cNvSpPr>
+          <p:nvPr>
+            <p:ph type="body" idx="1"/>
+          </p:nvPr>
+        </p:nvSpPr>
+        <p:spPr>
+          <a:xfrm>
+            <a:off x="366713" y="1074737"/>
+            <a:ext cx="8410574" cy="3382961"/>
+          </a:xfrm>
+          <a:prstGeom prst="rect">
+            <a:avLst/>
+          </a:prstGeom>
+          <a:noFill/>
+          <a:ln>
+            <a:noFill/>
+          </a:ln>
+        </p:spPr>
+        <p:txBody>
+          <a:bodyPr lIns="91425" tIns="91425" rIns="91425" bIns="91425" anchor="t" anchorCtr="0"/>
+          <a:lstStyle>
+            <a:lvl1pPr rtl="0">
+              <a:spcBef>
+                <a:spcPts val="1200"/>
+              </a:spcBef>
+              <a:buClr>
+                <a:schemeClr val="accent1"/>
+              </a:buClr>
+              <a:buFont typeface="Noto Symbol"/>
+              <a:buChar char="•"/>
+              <a:defRPr sz="2400">
+                <a:solidFill>
+                  <a:schemeClr val="dk1"/>
+                </a:solidFill>
+                <a:latin typeface="Arial"/>
+                <a:ea typeface="Arial"/>
+                <a:cs typeface="Arial"/>
+                <a:sym typeface="Arial"/>
+              </a:defRPr>
+            </a:lvl1pPr>
+            <a:lvl2pPr rtl="0">
+              <a:spcBef>
+                <a:spcPts val="300"/>
+              </a:spcBef>
+              <a:buClr>
+                <a:schemeClr val="accent1"/>
+              </a:buClr>
+              <a:buFont typeface="Verdana"/>
+              <a:buChar char="–"/>
+              <a:defRPr sz="2000">
+                <a:solidFill>
+                  <a:schemeClr val="dk1"/>
+                </a:solidFill>
+                <a:latin typeface="Arial"/>
+                <a:ea typeface="Arial"/>
+                <a:cs typeface="Arial"/>
+                <a:sym typeface="Arial"/>
+              </a:defRPr>
+            </a:lvl2pPr>
+            <a:lvl3pPr rtl="0">
+              <a:spcBef>
+                <a:spcPts val="300"/>
+              </a:spcBef>
+              <a:buClr>
+                <a:schemeClr val="accent1"/>
+              </a:buClr>
+              <a:buFont typeface="Verdana"/>
+              <a:buChar char="▪"/>
+              <a:defRPr sz="1600">
+                <a:solidFill>
+                  <a:schemeClr val="dk1"/>
+                </a:solidFill>
+                <a:latin typeface="Arial"/>
+                <a:ea typeface="Arial"/>
+                <a:cs typeface="Arial"/>
+                <a:sym typeface="Arial"/>
+              </a:defRPr>
+            </a:lvl3pPr>
+            <a:lvl4pPr marL="1658938" indent="-211138" rtl="0">
+              <a:spcBef>
+                <a:spcPts val="300"/>
+              </a:spcBef>
+              <a:buClr>
+                <a:schemeClr val="accent1"/>
+              </a:buClr>
+              <a:buFont typeface="Verdana"/>
+              <a:buChar char="—"/>
+              <a:defRPr sz="1200">
+                <a:solidFill>
+                  <a:schemeClr val="dk1"/>
+                </a:solidFill>
+                <a:latin typeface="Arial"/>
+                <a:ea typeface="Arial"/>
+                <a:cs typeface="Arial"/>
+                <a:sym typeface="Arial"/>
+              </a:defRPr>
+            </a:lvl4pPr>
+            <a:lvl5pPr rtl="0">
+              <a:spcBef>
+                <a:spcPts val="300"/>
+              </a:spcBef>
+              <a:buClr>
+                <a:schemeClr val="accent1"/>
+              </a:buClr>
+              <a:buFont typeface="Verdana"/>
+              <a:buChar char="»"/>
+              <a:defRPr sz="1100">
+                <a:solidFill>
+                  <a:schemeClr val="dk1"/>
+                </a:solidFill>
+                <a:latin typeface="Arial"/>
+                <a:ea typeface="Arial"/>
+                <a:cs typeface="Arial"/>
+                <a:sym typeface="Arial"/>
+              </a:defRPr>
+            </a:lvl5pPr>
+            <a:lvl6pPr rtl="0">
+              <a:spcBef>
+                <a:spcPts val="0"/>
+              </a:spcBef>
+              <a:defRPr sz="2000">
+                <a:solidFill>
+                  <a:schemeClr val="dk1"/>
+                </a:solidFill>
+                <a:latin typeface="Arial"/>
+                <a:ea typeface="Arial"/>
+                <a:cs typeface="Arial"/>
+                <a:sym typeface="Arial"/>
+              </a:defRPr>
+            </a:lvl6pPr>
+            <a:lvl7pPr rtl="0">
+              <a:spcBef>
+                <a:spcPts val="0"/>
+              </a:spcBef>
+              <a:defRPr sz="2000">
+                <a:solidFill>
+                  <a:schemeClr val="dk1"/>
+                </a:solidFill>
+                <a:latin typeface="Arial"/>
+                <a:ea typeface="Arial"/>
+                <a:cs typeface="Arial"/>
+                <a:sym typeface="Arial"/>
+              </a:defRPr>
+            </a:lvl7pPr>
+            <a:lvl8pPr rtl="0">
+              <a:spcBef>
+                <a:spcPts val="0"/>
+              </a:spcBef>
+              <a:defRPr sz="2000">
+                <a:solidFill>
+                  <a:schemeClr val="dk1"/>
+                </a:solidFill>
+                <a:latin typeface="Arial"/>
+                <a:ea typeface="Arial"/>
+                <a:cs typeface="Arial"/>
+                <a:sym typeface="Arial"/>
+              </a:defRPr>
+            </a:lvl8pPr>
+            <a:lvl9pPr rtl="0">
+              <a:spcBef>
+                <a:spcPts val="0"/>
+              </a:spcBef>
+              <a:defRPr sz="2000">
+                <a:solidFill>
+                  <a:schemeClr val="dk1"/>
+                </a:solidFill>
+                <a:latin typeface="Arial"/>
+                <a:ea typeface="Arial"/>
+                <a:cs typeface="Arial"/>
+                <a:sym typeface="Arial"/>
+              </a:defRPr>
+            </a:lvl9pPr>
+          </a:lstStyle>
+          <a:p>
+            <a:endParaRPr/>
+          </a:p>
+        </p:txBody>
+      </p:sp>
+    </p:spTree>
+    <p:extLst>
+      <p:ext uri="{BB962C8B-B14F-4D97-AF65-F5344CB8AC3E}">
+        <p14:creationId xmlns:p14="http://schemas.microsoft.com/office/powerpoint/2010/main" val="1962472491"/>
+      </p:ext>
+    </p:extLst>
+  </p:cSld>
+  <p:clrMapOvr>
+    <a:masterClrMapping/>
+  </p:clrMapOvr>
+</p:sldLayout>
+</file>
+
+<file path=ppt/slideLayouts/slideLayout20.xml><?xml version="1.0" encoding="utf-8"?>
 <p:sldLayout xmlns:a="http://schemas.openxmlformats.org/drawingml/2006/main" xmlns:r="http://schemas.openxmlformats.org/officeDocument/2006/relationships" xmlns:p="http://schemas.openxmlformats.org/presentationml/2006/main" type="tx">
   <p:cSld name="Title - Top">
     <p:spTree>
@@ -1482,7 +4119,7 @@
     </p:spTree>
     <p:extLst>
       <p:ext uri="{BB962C8B-B14F-4D97-AF65-F5344CB8AC3E}">
-        <p14:creationId xmlns:p14="http://schemas.microsoft.com/office/powerpoint/2010/main" val="3643120172"/>
+        <p14:creationId xmlns:p14="http://schemas.microsoft.com/office/powerpoint/2010/main" val="1999414805"/>
       </p:ext>
     </p:extLst>
   </p:cSld>
@@ -1493,7 +4130,7 @@
 </p:sldLayout>
 </file>
 
-<file path=ppt/slideLayouts/slideLayout15.xml><?xml version="1.0" encoding="utf-8"?>
+<file path=ppt/slideLayouts/slideLayout21.xml><?xml version="1.0" encoding="utf-8"?>
 <p:sldLayout xmlns:a="http://schemas.openxmlformats.org/drawingml/2006/main" xmlns:r="http://schemas.openxmlformats.org/officeDocument/2006/relationships" xmlns:p="http://schemas.openxmlformats.org/presentationml/2006/main" userDrawn="1">
   <p:cSld name="12_Custom Layout">
     <p:spTree>
@@ -1648,964 +4285,6 @@
     </p:spTree>
     <p:extLst>
       <p:ext uri="{BB962C8B-B14F-4D97-AF65-F5344CB8AC3E}">
-        <p14:creationId xmlns:p14="http://schemas.microsoft.com/office/powerpoint/2010/main" val="3737588681"/>
-      </p:ext>
-    </p:extLst>
-  </p:cSld>
-  <p:clrMapOvr>
-    <a:masterClrMapping/>
-  </p:clrMapOvr>
-</p:sldLayout>
-</file>
-
-<file path=ppt/slideLayouts/slideLayout16.xml><?xml version="1.0" encoding="utf-8"?>
-<p:sldLayout xmlns:a="http://schemas.openxmlformats.org/drawingml/2006/main" xmlns:r="http://schemas.openxmlformats.org/officeDocument/2006/relationships" xmlns:p="http://schemas.openxmlformats.org/presentationml/2006/main" preserve="1" userDrawn="1">
-  <p:cSld name="Main Page">
-    <p:spTree>
-      <p:nvGrpSpPr>
-        <p:cNvPr id="1" name=""/>
-        <p:cNvGrpSpPr/>
-        <p:nvPr/>
-      </p:nvGrpSpPr>
-      <p:grpSpPr>
-        <a:xfrm>
-          <a:off x="0" y="0"/>
-          <a:ext cx="0" cy="0"/>
-          <a:chOff x="0" y="0"/>
-          <a:chExt cx="0" cy="0"/>
-        </a:xfrm>
-      </p:grpSpPr>
-      <p:sp>
-        <p:nvSpPr>
-          <p:cNvPr id="2" name="Title 1"/>
-          <p:cNvSpPr>
-            <a:spLocks noGrp="1"/>
-          </p:cNvSpPr>
-          <p:nvPr>
-            <p:ph type="title"/>
-          </p:nvPr>
-        </p:nvSpPr>
-        <p:spPr>
-          <a:xfrm>
-            <a:off x="113722" y="149918"/>
-            <a:ext cx="8796928" cy="474445"/>
-          </a:xfrm>
-          <a:prstGeom prst="rect">
-            <a:avLst/>
-          </a:prstGeom>
-        </p:spPr>
-        <p:txBody>
-          <a:bodyPr/>
-          <a:lstStyle>
-            <a:lvl1pPr algn="l">
-              <a:defRPr sz="2800" b="1">
-                <a:solidFill>
-                  <a:srgbClr val="008774"/>
-                </a:solidFill>
-                <a:latin typeface="Arial"/>
-                <a:cs typeface="Arial"/>
-              </a:defRPr>
-            </a:lvl1pPr>
-          </a:lstStyle>
-          <a:p>
-            <a:r>
-              <a:rPr lang="en-US" dirty="0" smtClean="0"/>
-              <a:t>Click to edit Master title style</a:t>
-            </a:r>
-            <a:endParaRPr lang="en-US" dirty="0"/>
-          </a:p>
-        </p:txBody>
-      </p:sp>
-      <p:sp>
-        <p:nvSpPr>
-          <p:cNvPr id="6" name="Slide Number Placeholder 5"/>
-          <p:cNvSpPr>
-            <a:spLocks noGrp="1"/>
-          </p:cNvSpPr>
-          <p:nvPr>
-            <p:ph type="sldNum" sz="quarter" idx="12"/>
-          </p:nvPr>
-        </p:nvSpPr>
-        <p:spPr>
-          <a:xfrm>
-            <a:off x="48247" y="4861463"/>
-            <a:ext cx="373338" cy="273844"/>
-          </a:xfrm>
-          <a:prstGeom prst="rect">
-            <a:avLst/>
-          </a:prstGeom>
-        </p:spPr>
-        <p:txBody>
-          <a:bodyPr/>
-          <a:lstStyle>
-            <a:lvl1pPr>
-              <a:defRPr sz="900">
-                <a:solidFill>
-                  <a:schemeClr val="bg1">
-                    <a:lumMod val="65000"/>
-                  </a:schemeClr>
-                </a:solidFill>
-              </a:defRPr>
-            </a:lvl1pPr>
-          </a:lstStyle>
-          <a:p>
-            <a:fld id="{ADA07C09-8A41-3B46-A636-3955072BBB4F}" type="slidenum">
-              <a:rPr lang="en-US" smtClean="0">
-                <a:solidFill>
-                  <a:srgbClr val="FFFFFF">
-                    <a:lumMod val="65000"/>
-                  </a:srgbClr>
-                </a:solidFill>
-                <a:latin typeface="Arial"/>
-              </a:rPr>
-              <a:pPr/>
-              <a:t>‹#›</a:t>
-            </a:fld>
-            <a:endParaRPr lang="en-US">
-              <a:solidFill>
-                <a:srgbClr val="FFFFFF">
-                  <a:lumMod val="65000"/>
-                </a:srgbClr>
-              </a:solidFill>
-              <a:latin typeface="Arial"/>
-            </a:endParaRPr>
-          </a:p>
-        </p:txBody>
-      </p:sp>
-      <p:sp>
-        <p:nvSpPr>
-          <p:cNvPr id="13" name="Text Placeholder 12"/>
-          <p:cNvSpPr>
-            <a:spLocks noGrp="1"/>
-          </p:cNvSpPr>
-          <p:nvPr>
-            <p:ph type="body" sz="quarter" idx="13"/>
-          </p:nvPr>
-        </p:nvSpPr>
-        <p:spPr>
-          <a:xfrm>
-            <a:off x="114300" y="624363"/>
-            <a:ext cx="8796338" cy="288565"/>
-          </a:xfrm>
-          <a:prstGeom prst="rect">
-            <a:avLst/>
-          </a:prstGeom>
-        </p:spPr>
-        <p:txBody>
-          <a:bodyPr vert="horz"/>
-          <a:lstStyle>
-            <a:lvl1pPr marL="0" indent="0">
-              <a:buNone/>
-              <a:defRPr sz="1800">
-                <a:solidFill>
-                  <a:srgbClr val="7F7F7F"/>
-                </a:solidFill>
-                <a:latin typeface="Arial"/>
-                <a:cs typeface="Arial"/>
-              </a:defRPr>
-            </a:lvl1pPr>
-          </a:lstStyle>
-          <a:p>
-            <a:pPr lvl="0"/>
-            <a:r>
-              <a:rPr lang="en-US" dirty="0" smtClean="0"/>
-              <a:t>Click to edit Master</a:t>
-            </a:r>
-            <a:endParaRPr lang="en-US" dirty="0"/>
-          </a:p>
-        </p:txBody>
-      </p:sp>
-      <p:sp>
-        <p:nvSpPr>
-          <p:cNvPr id="5" name="Rectangle 4"/>
-          <p:cNvSpPr/>
-          <p:nvPr userDrawn="1"/>
-        </p:nvSpPr>
-        <p:spPr>
-          <a:xfrm>
-            <a:off x="0" y="0"/>
-            <a:ext cx="9144000" cy="53993"/>
-          </a:xfrm>
-          <a:prstGeom prst="rect">
-            <a:avLst/>
-          </a:prstGeom>
-          <a:solidFill>
-            <a:srgbClr val="008774"/>
-          </a:solidFill>
-          <a:ln>
-            <a:noFill/>
-          </a:ln>
-          <a:effectLst/>
-        </p:spPr>
-        <p:style>
-          <a:lnRef idx="1">
-            <a:schemeClr val="accent1"/>
-          </a:lnRef>
-          <a:fillRef idx="3">
-            <a:schemeClr val="accent1"/>
-          </a:fillRef>
-          <a:effectRef idx="2">
-            <a:schemeClr val="accent1"/>
-          </a:effectRef>
-          <a:fontRef idx="minor">
-            <a:schemeClr val="lt1"/>
-          </a:fontRef>
-        </p:style>
-        <p:txBody>
-          <a:bodyPr rtlCol="0" anchor="ctr"/>
-          <a:lstStyle/>
-          <a:p>
-            <a:pPr algn="ctr"/>
-            <a:endParaRPr lang="en-US">
-              <a:solidFill>
-                <a:srgbClr val="FFFFFF"/>
-              </a:solidFill>
-              <a:latin typeface="Arial"/>
-            </a:endParaRPr>
-          </a:p>
-        </p:txBody>
-      </p:sp>
-    </p:spTree>
-    <p:extLst>
-      <p:ext uri="{BB962C8B-B14F-4D97-AF65-F5344CB8AC3E}">
-        <p14:creationId xmlns:p14="http://schemas.microsoft.com/office/powerpoint/2010/main" val="4193658052"/>
-      </p:ext>
-    </p:extLst>
-  </p:cSld>
-  <p:clrMapOvr>
-    <a:masterClrMapping/>
-  </p:clrMapOvr>
-  <p:timing>
-    <p:tnLst>
-      <p:par>
-        <p:cTn xmlns:p14="http://schemas.microsoft.com/office/powerpoint/2010/main" id="1" dur="indefinite" restart="never" nodeType="tmRoot"/>
-      </p:par>
-    </p:tnLst>
-  </p:timing>
-</p:sldLayout>
-</file>
-
-<file path=ppt/slideLayouts/slideLayout17.xml><?xml version="1.0" encoding="utf-8"?>
-<p:sldLayout xmlns:a="http://schemas.openxmlformats.org/drawingml/2006/main" xmlns:r="http://schemas.openxmlformats.org/officeDocument/2006/relationships" xmlns:p="http://schemas.openxmlformats.org/presentationml/2006/main" preserve="1" userDrawn="1">
-  <p:cSld name="Split">
-    <p:spTree>
-      <p:nvGrpSpPr>
-        <p:cNvPr id="1" name=""/>
-        <p:cNvGrpSpPr/>
-        <p:nvPr/>
-      </p:nvGrpSpPr>
-      <p:grpSpPr>
-        <a:xfrm>
-          <a:off x="0" y="0"/>
-          <a:ext cx="0" cy="0"/>
-          <a:chOff x="0" y="0"/>
-          <a:chExt cx="0" cy="0"/>
-        </a:xfrm>
-      </p:grpSpPr>
-      <p:sp>
-        <p:nvSpPr>
-          <p:cNvPr id="5" name="Rectangle 4"/>
-          <p:cNvSpPr/>
-          <p:nvPr userDrawn="1"/>
-        </p:nvSpPr>
-        <p:spPr>
-          <a:xfrm>
-            <a:off x="4572000" y="0"/>
-            <a:ext cx="4572000" cy="5143500"/>
-          </a:xfrm>
-          <a:prstGeom prst="rect">
-            <a:avLst/>
-          </a:prstGeom>
-          <a:solidFill>
-            <a:srgbClr val="008774"/>
-          </a:solidFill>
-          <a:ln>
-            <a:noFill/>
-          </a:ln>
-          <a:effectLst/>
-        </p:spPr>
-        <p:style>
-          <a:lnRef idx="1">
-            <a:schemeClr val="accent1"/>
-          </a:lnRef>
-          <a:fillRef idx="3">
-            <a:schemeClr val="accent1"/>
-          </a:fillRef>
-          <a:effectRef idx="2">
-            <a:schemeClr val="accent1"/>
-          </a:effectRef>
-          <a:fontRef idx="minor">
-            <a:schemeClr val="lt1"/>
-          </a:fontRef>
-        </p:style>
-        <p:txBody>
-          <a:bodyPr rot="0" spcFirstLastPara="0" vertOverflow="overflow" horzOverflow="overflow" vert="horz" wrap="square" lIns="91440" tIns="45720" rIns="91440" bIns="45720" numCol="1" spcCol="0" rtlCol="0" fromWordArt="0" anchor="ctr" anchorCtr="0" forceAA="0" compatLnSpc="1">
-            <a:prstTxWarp prst="textNoShape">
-              <a:avLst/>
-            </a:prstTxWarp>
-            <a:noAutofit/>
-          </a:bodyPr>
-          <a:lstStyle/>
-          <a:p>
-            <a:pPr algn="ctr"/>
-            <a:endParaRPr lang="en-US">
-              <a:solidFill>
-                <a:srgbClr val="FFFFFF"/>
-              </a:solidFill>
-              <a:latin typeface="Arial"/>
-            </a:endParaRPr>
-          </a:p>
-        </p:txBody>
-      </p:sp>
-      <p:pic>
-        <p:nvPicPr>
-          <p:cNvPr id="7" name="Picture 6" descr="Pivotal_White.png"/>
-          <p:cNvPicPr>
-            <a:picLocks noChangeAspect="1"/>
-          </p:cNvPicPr>
-          <p:nvPr userDrawn="1"/>
-        </p:nvPicPr>
-        <p:blipFill>
-          <a:blip r:embed="rId2">
-            <a:extLst>
-              <a:ext uri="{28A0092B-C50C-407E-A947-70E740481C1C}">
-                <a14:useLocalDpi xmlns:a14="http://schemas.microsoft.com/office/drawing/2010/main" val="0"/>
-              </a:ext>
-            </a:extLst>
-          </a:blip>
-          <a:stretch>
-            <a:fillRect/>
-          </a:stretch>
-        </p:blipFill>
-        <p:spPr>
-          <a:xfrm>
-            <a:off x="8286415" y="4854091"/>
-            <a:ext cx="712061" cy="173736"/>
-          </a:xfrm>
-          <a:prstGeom prst="rect">
-            <a:avLst/>
-          </a:prstGeom>
-        </p:spPr>
-      </p:pic>
-      <p:sp>
-        <p:nvSpPr>
-          <p:cNvPr id="11" name="Slide Number Placeholder 5"/>
-          <p:cNvSpPr>
-            <a:spLocks noGrp="1"/>
-          </p:cNvSpPr>
-          <p:nvPr>
-            <p:ph type="sldNum" sz="quarter" idx="12"/>
-          </p:nvPr>
-        </p:nvSpPr>
-        <p:spPr>
-          <a:xfrm>
-            <a:off x="48247" y="4861463"/>
-            <a:ext cx="373338" cy="273844"/>
-          </a:xfrm>
-          <a:prstGeom prst="rect">
-            <a:avLst/>
-          </a:prstGeom>
-        </p:spPr>
-        <p:txBody>
-          <a:bodyPr/>
-          <a:lstStyle>
-            <a:lvl1pPr>
-              <a:defRPr sz="900">
-                <a:solidFill>
-                  <a:schemeClr val="bg1">
-                    <a:lumMod val="65000"/>
-                  </a:schemeClr>
-                </a:solidFill>
-              </a:defRPr>
-            </a:lvl1pPr>
-          </a:lstStyle>
-          <a:p>
-            <a:fld id="{ADA07C09-8A41-3B46-A636-3955072BBB4F}" type="slidenum">
-              <a:rPr lang="en-US" smtClean="0">
-                <a:solidFill>
-                  <a:srgbClr val="FFFFFF">
-                    <a:lumMod val="65000"/>
-                  </a:srgbClr>
-                </a:solidFill>
-                <a:latin typeface="Arial"/>
-              </a:rPr>
-              <a:pPr/>
-              <a:t>‹#›</a:t>
-            </a:fld>
-            <a:endParaRPr lang="en-US">
-              <a:solidFill>
-                <a:srgbClr val="FFFFFF">
-                  <a:lumMod val="65000"/>
-                </a:srgbClr>
-              </a:solidFill>
-              <a:latin typeface="Arial"/>
-            </a:endParaRPr>
-          </a:p>
-        </p:txBody>
-      </p:sp>
-    </p:spTree>
-    <p:extLst>
-      <p:ext uri="{BB962C8B-B14F-4D97-AF65-F5344CB8AC3E}">
-        <p14:creationId xmlns:p14="http://schemas.microsoft.com/office/powerpoint/2010/main" val="3745965023"/>
-      </p:ext>
-    </p:extLst>
-  </p:cSld>
-  <p:clrMapOvr>
-    <a:masterClrMapping/>
-  </p:clrMapOvr>
-  <p:timing>
-    <p:tnLst>
-      <p:par>
-        <p:cTn xmlns:p14="http://schemas.microsoft.com/office/powerpoint/2010/main" id="1" dur="indefinite" restart="never" nodeType="tmRoot"/>
-      </p:par>
-    </p:tnLst>
-  </p:timing>
-</p:sldLayout>
-</file>
-
-<file path=ppt/slideLayouts/slideLayout18.xml><?xml version="1.0" encoding="utf-8"?>
-<p:sldLayout xmlns:a="http://schemas.openxmlformats.org/drawingml/2006/main" xmlns:r="http://schemas.openxmlformats.org/officeDocument/2006/relationships" xmlns:p="http://schemas.openxmlformats.org/presentationml/2006/main" preserve="1" userDrawn="1">
-  <p:cSld name=" Blank logo">
-    <p:spTree>
-      <p:nvGrpSpPr>
-        <p:cNvPr id="1" name=""/>
-        <p:cNvGrpSpPr/>
-        <p:nvPr/>
-      </p:nvGrpSpPr>
-      <p:grpSpPr>
-        <a:xfrm>
-          <a:off x="0" y="0"/>
-          <a:ext cx="0" cy="0"/>
-          <a:chOff x="0" y="0"/>
-          <a:chExt cx="0" cy="0"/>
-        </a:xfrm>
-      </p:grpSpPr>
-      <p:sp>
-        <p:nvSpPr>
-          <p:cNvPr id="5" name="Slide Number Placeholder 5"/>
-          <p:cNvSpPr>
-            <a:spLocks noGrp="1"/>
-          </p:cNvSpPr>
-          <p:nvPr>
-            <p:ph type="sldNum" sz="quarter" idx="12"/>
-          </p:nvPr>
-        </p:nvSpPr>
-        <p:spPr>
-          <a:xfrm>
-            <a:off x="48247" y="4861463"/>
-            <a:ext cx="373338" cy="273844"/>
-          </a:xfrm>
-          <a:prstGeom prst="rect">
-            <a:avLst/>
-          </a:prstGeom>
-        </p:spPr>
-        <p:txBody>
-          <a:bodyPr/>
-          <a:lstStyle>
-            <a:lvl1pPr>
-              <a:defRPr sz="900">
-                <a:solidFill>
-                  <a:schemeClr val="bg1">
-                    <a:lumMod val="65000"/>
-                  </a:schemeClr>
-                </a:solidFill>
-              </a:defRPr>
-            </a:lvl1pPr>
-          </a:lstStyle>
-          <a:p>
-            <a:fld id="{ADA07C09-8A41-3B46-A636-3955072BBB4F}" type="slidenum">
-              <a:rPr lang="en-US" smtClean="0">
-                <a:solidFill>
-                  <a:srgbClr val="FFFFFF">
-                    <a:lumMod val="65000"/>
-                  </a:srgbClr>
-                </a:solidFill>
-                <a:latin typeface="Arial"/>
-              </a:rPr>
-              <a:pPr/>
-              <a:t>‹#›</a:t>
-            </a:fld>
-            <a:endParaRPr lang="en-US">
-              <a:solidFill>
-                <a:srgbClr val="FFFFFF">
-                  <a:lumMod val="65000"/>
-                </a:srgbClr>
-              </a:solidFill>
-              <a:latin typeface="Arial"/>
-            </a:endParaRPr>
-          </a:p>
-        </p:txBody>
-      </p:sp>
-    </p:spTree>
-    <p:extLst>
-      <p:ext uri="{BB962C8B-B14F-4D97-AF65-F5344CB8AC3E}">
-        <p14:creationId xmlns:p14="http://schemas.microsoft.com/office/powerpoint/2010/main" val="2193922739"/>
-      </p:ext>
-    </p:extLst>
-  </p:cSld>
-  <p:clrMapOvr>
-    <a:masterClrMapping/>
-  </p:clrMapOvr>
-  <p:timing>
-    <p:tnLst>
-      <p:par>
-        <p:cTn xmlns:p14="http://schemas.microsoft.com/office/powerpoint/2010/main" id="1" dur="indefinite" restart="never" nodeType="tmRoot"/>
-      </p:par>
-    </p:tnLst>
-  </p:timing>
-</p:sldLayout>
-</file>
-
-<file path=ppt/slideLayouts/slideLayout19.xml><?xml version="1.0" encoding="utf-8"?>
-<p:sldLayout xmlns:a="http://schemas.openxmlformats.org/drawingml/2006/main" xmlns:r="http://schemas.openxmlformats.org/officeDocument/2006/relationships" xmlns:p="http://schemas.openxmlformats.org/presentationml/2006/main" userDrawn="1">
-  <p:cSld name="Title Only">
-    <p:spTree>
-      <p:nvGrpSpPr>
-        <p:cNvPr id="1" name=""/>
-        <p:cNvGrpSpPr/>
-        <p:nvPr/>
-      </p:nvGrpSpPr>
-      <p:grpSpPr>
-        <a:xfrm>
-          <a:off x="0" y="0"/>
-          <a:ext cx="0" cy="0"/>
-          <a:chOff x="0" y="0"/>
-          <a:chExt cx="0" cy="0"/>
-        </a:xfrm>
-      </p:grpSpPr>
-      <p:sp>
-        <p:nvSpPr>
-          <p:cNvPr id="4" name="Title 1"/>
-          <p:cNvSpPr>
-            <a:spLocks noGrp="1"/>
-          </p:cNvSpPr>
-          <p:nvPr>
-            <p:ph type="title" hasCustomPrompt="1"/>
-          </p:nvPr>
-        </p:nvSpPr>
-        <p:spPr bwMode="gray">
-          <a:xfrm>
-            <a:off x="366725" y="240820"/>
-            <a:ext cx="8410575" cy="460375"/>
-          </a:xfrm>
-          <a:prstGeom prst="rect">
-            <a:avLst/>
-          </a:prstGeom>
-          <a:noFill/>
-        </p:spPr>
-        <p:txBody>
-          <a:bodyPr lIns="0" tIns="0" rIns="0" bIns="0" anchor="t" anchorCtr="0"/>
-          <a:lstStyle>
-            <a:lvl1pPr>
-              <a:lnSpc>
-                <a:spcPct val="90000"/>
-              </a:lnSpc>
-              <a:defRPr sz="3200">
-                <a:solidFill>
-                  <a:schemeClr val="tx2"/>
-                </a:solidFill>
-                <a:latin typeface="Arial"/>
-                <a:cs typeface="Arial"/>
-              </a:defRPr>
-            </a:lvl1pPr>
-          </a:lstStyle>
-          <a:p>
-            <a:r>
-              <a:rPr lang="en-US" dirty="0" smtClean="0"/>
-              <a:t>Click to Edit Master Title Style</a:t>
-            </a:r>
-            <a:endParaRPr lang="en-US" dirty="0"/>
-          </a:p>
-        </p:txBody>
-      </p:sp>
-    </p:spTree>
-    <p:extLst>
-      <p:ext uri="{BB962C8B-B14F-4D97-AF65-F5344CB8AC3E}">
-        <p14:creationId xmlns:p14="http://schemas.microsoft.com/office/powerpoint/2010/main" val="2389532241"/>
-      </p:ext>
-    </p:extLst>
-  </p:cSld>
-  <p:clrMapOvr>
-    <a:masterClrMapping/>
-  </p:clrMapOvr>
-  <p:transition xmlns:p14="http://schemas.microsoft.com/office/powerpoint/2010/main">
-    <p:fade/>
-  </p:transition>
-  <p:timing>
-    <p:tnLst>
-      <p:par>
-        <p:cTn xmlns:p14="http://schemas.microsoft.com/office/powerpoint/2010/main" id="1" dur="indefinite" restart="never" nodeType="tmRoot"/>
-      </p:par>
-    </p:tnLst>
-  </p:timing>
-</p:sldLayout>
-</file>
-
-<file path=ppt/slideLayouts/slideLayout2.xml><?xml version="1.0" encoding="utf-8"?>
-<p:sldLayout xmlns:a="http://schemas.openxmlformats.org/drawingml/2006/main" xmlns:r="http://schemas.openxmlformats.org/officeDocument/2006/relationships" xmlns:p="http://schemas.openxmlformats.org/presentationml/2006/main" preserve="1" userDrawn="1">
-  <p:cSld name="1_Title and Content">
-    <p:spTree>
-      <p:nvGrpSpPr>
-        <p:cNvPr id="1" name=""/>
-        <p:cNvGrpSpPr/>
-        <p:nvPr/>
-      </p:nvGrpSpPr>
-      <p:grpSpPr>
-        <a:xfrm>
-          <a:off x="0" y="0"/>
-          <a:ext cx="0" cy="0"/>
-          <a:chOff x="0" y="0"/>
-          <a:chExt cx="0" cy="0"/>
-        </a:xfrm>
-      </p:grpSpPr>
-      <p:sp>
-        <p:nvSpPr>
-          <p:cNvPr id="6" name="Slide Number Placeholder 5"/>
-          <p:cNvSpPr>
-            <a:spLocks noGrp="1"/>
-          </p:cNvSpPr>
-          <p:nvPr>
-            <p:ph type="sldNum" sz="quarter" idx="12"/>
-          </p:nvPr>
-        </p:nvSpPr>
-        <p:spPr/>
-        <p:txBody>
-          <a:bodyPr/>
-          <a:lstStyle/>
-          <a:p>
-            <a:fld id="{ADA07C09-8A41-3B46-A636-3955072BBB4F}" type="slidenum">
-              <a:rPr lang="en-US" smtClean="0"/>
-              <a:t>‹#›</a:t>
-            </a:fld>
-            <a:endParaRPr lang="en-US"/>
-          </a:p>
-        </p:txBody>
-      </p:sp>
-    </p:spTree>
-    <p:extLst>
-      <p:ext uri="{BB962C8B-B14F-4D97-AF65-F5344CB8AC3E}">
-        <p14:creationId xmlns:p14="http://schemas.microsoft.com/office/powerpoint/2010/main" val="3839756889"/>
-      </p:ext>
-    </p:extLst>
-  </p:cSld>
-  <p:clrMapOvr>
-    <a:masterClrMapping/>
-  </p:clrMapOvr>
-  <p:timing>
-    <p:tnLst>
-      <p:par>
-        <p:cTn xmlns:p14="http://schemas.microsoft.com/office/powerpoint/2010/main" id="1" dur="indefinite" restart="never" nodeType="tmRoot"/>
-      </p:par>
-    </p:tnLst>
-  </p:timing>
-</p:sldLayout>
-</file>
-
-<file path=ppt/slideLayouts/slideLayout20.xml><?xml version="1.0" encoding="utf-8"?>
-<p:sldLayout xmlns:a="http://schemas.openxmlformats.org/drawingml/2006/main" xmlns:r="http://schemas.openxmlformats.org/officeDocument/2006/relationships" xmlns:p="http://schemas.openxmlformats.org/presentationml/2006/main" userDrawn="1">
-  <p:cSld name="Blank">
-    <p:spTree>
-      <p:nvGrpSpPr>
-        <p:cNvPr id="1" name=""/>
-        <p:cNvGrpSpPr/>
-        <p:nvPr/>
-      </p:nvGrpSpPr>
-      <p:grpSpPr>
-        <a:xfrm>
-          <a:off x="0" y="0"/>
-          <a:ext cx="0" cy="0"/>
-          <a:chOff x="0" y="0"/>
-          <a:chExt cx="0" cy="0"/>
-        </a:xfrm>
-      </p:grpSpPr>
-      <p:sp>
-        <p:nvSpPr>
-          <p:cNvPr id="2" name="Slide Number Placeholder 2"/>
-          <p:cNvSpPr>
-            <a:spLocks noGrp="1"/>
-          </p:cNvSpPr>
-          <p:nvPr>
-            <p:ph type="sldNum" sz="quarter" idx="4"/>
-          </p:nvPr>
-        </p:nvSpPr>
-        <p:spPr>
-          <a:xfrm>
-            <a:off x="524348" y="4651813"/>
-            <a:ext cx="2133600" cy="274637"/>
-          </a:xfrm>
-          <a:prstGeom prst="rect">
-            <a:avLst/>
-          </a:prstGeom>
-        </p:spPr>
-        <p:txBody>
-          <a:bodyPr vert="horz" lIns="0" tIns="45720" rIns="91440" bIns="45720" rtlCol="0" anchor="ctr"/>
-          <a:lstStyle>
-            <a:lvl1pPr algn="l">
-              <a:defRPr sz="1000">
-                <a:solidFill>
-                  <a:schemeClr val="tx1">
-                    <a:tint val="75000"/>
-                  </a:schemeClr>
-                </a:solidFill>
-              </a:defRPr>
-            </a:lvl1pPr>
-          </a:lstStyle>
-          <a:p>
-            <a:fld id="{602A933A-CCB3-5F4E-BECE-55F24E394E11}" type="slidenum">
-              <a:rPr lang="en-US" smtClean="0">
-                <a:solidFill>
-                  <a:srgbClr val="000000">
-                    <a:tint val="75000"/>
-                  </a:srgbClr>
-                </a:solidFill>
-                <a:latin typeface="Arial"/>
-              </a:rPr>
-              <a:pPr/>
-              <a:t>‹#›</a:t>
-            </a:fld>
-            <a:endParaRPr lang="en-US">
-              <a:solidFill>
-                <a:srgbClr val="000000">
-                  <a:tint val="75000"/>
-                </a:srgbClr>
-              </a:solidFill>
-              <a:latin typeface="Arial"/>
-            </a:endParaRPr>
-          </a:p>
-        </p:txBody>
-      </p:sp>
-    </p:spTree>
-    <p:extLst>
-      <p:ext uri="{BB962C8B-B14F-4D97-AF65-F5344CB8AC3E}">
-        <p14:creationId xmlns:p14="http://schemas.microsoft.com/office/powerpoint/2010/main" val="3665224444"/>
-      </p:ext>
-    </p:extLst>
-  </p:cSld>
-  <p:clrMapOvr>
-    <a:masterClrMapping/>
-  </p:clrMapOvr>
-</p:sldLayout>
-</file>
-
-<file path=ppt/slideLayouts/slideLayout21.xml><?xml version="1.0" encoding="utf-8"?>
-<p:sldLayout xmlns:a="http://schemas.openxmlformats.org/drawingml/2006/main" xmlns:r="http://schemas.openxmlformats.org/officeDocument/2006/relationships" xmlns:p="http://schemas.openxmlformats.org/presentationml/2006/main" type="tx">
-  <p:cSld name="Title - Top">
-    <p:spTree>
-      <p:nvGrpSpPr>
-        <p:cNvPr id="1" name=""/>
-        <p:cNvGrpSpPr/>
-        <p:nvPr/>
-      </p:nvGrpSpPr>
-      <p:grpSpPr>
-        <a:xfrm>
-          <a:off x="0" y="0"/>
-          <a:ext cx="0" cy="0"/>
-          <a:chOff x="0" y="0"/>
-          <a:chExt cx="0" cy="0"/>
-        </a:xfrm>
-      </p:grpSpPr>
-      <p:sp>
-        <p:nvSpPr>
-          <p:cNvPr id="16" name="Shape 16"/>
-          <p:cNvSpPr>
-            <a:spLocks noGrp="1"/>
-          </p:cNvSpPr>
-          <p:nvPr>
-            <p:ph type="title"/>
-          </p:nvPr>
-        </p:nvSpPr>
-        <p:spPr>
-          <a:xfrm>
-            <a:off x="633425" y="357188"/>
-            <a:ext cx="7877175" cy="857250"/>
-          </a:xfrm>
-          <a:prstGeom prst="rect">
-            <a:avLst/>
-          </a:prstGeom>
-        </p:spPr>
-        <p:txBody>
-          <a:bodyPr/>
-          <a:lstStyle/>
-          <a:p>
-            <a:pPr lvl="0">
-              <a:defRPr sz="1800"/>
-            </a:pPr>
-            <a:r>
-              <a:rPr sz="4200"/>
-              <a:t>Title Text</a:t>
-            </a:r>
-          </a:p>
-        </p:txBody>
-      </p:sp>
-    </p:spTree>
-    <p:extLst>
-      <p:ext uri="{BB962C8B-B14F-4D97-AF65-F5344CB8AC3E}">
-        <p14:creationId xmlns:p14="http://schemas.microsoft.com/office/powerpoint/2010/main" val="1999414805"/>
-      </p:ext>
-    </p:extLst>
-  </p:cSld>
-  <p:clrMapOvr>
-    <a:masterClrMapping/>
-  </p:clrMapOvr>
-  <p:transition xmlns:p14="http://schemas.microsoft.com/office/powerpoint/2010/main" spd="med"/>
-</p:sldLayout>
-</file>
-
-<file path=ppt/slideLayouts/slideLayout22.xml><?xml version="1.0" encoding="utf-8"?>
-<p:sldLayout xmlns:a="http://schemas.openxmlformats.org/drawingml/2006/main" xmlns:r="http://schemas.openxmlformats.org/officeDocument/2006/relationships" xmlns:p="http://schemas.openxmlformats.org/presentationml/2006/main" userDrawn="1">
-  <p:cSld name="12_Custom Layout">
-    <p:spTree>
-      <p:nvGrpSpPr>
-        <p:cNvPr id="1" name=""/>
-        <p:cNvGrpSpPr/>
-        <p:nvPr/>
-      </p:nvGrpSpPr>
-      <p:grpSpPr>
-        <a:xfrm>
-          <a:off x="0" y="0"/>
-          <a:ext cx="0" cy="0"/>
-          <a:chOff x="0" y="0"/>
-          <a:chExt cx="0" cy="0"/>
-        </a:xfrm>
-      </p:grpSpPr>
-      <p:sp>
-        <p:nvSpPr>
-          <p:cNvPr id="2" name="Rectangle 1"/>
-          <p:cNvSpPr/>
-          <p:nvPr userDrawn="1"/>
-        </p:nvSpPr>
-        <p:spPr>
-          <a:xfrm>
-            <a:off x="0" y="0"/>
-            <a:ext cx="4572000" cy="5143500"/>
-          </a:xfrm>
-          <a:prstGeom prst="rect">
-            <a:avLst/>
-          </a:prstGeom>
-          <a:solidFill>
-            <a:srgbClr val="0E675B"/>
-          </a:solidFill>
-          <a:ln>
-            <a:noFill/>
-          </a:ln>
-          <a:effectLst/>
-        </p:spPr>
-        <p:style>
-          <a:lnRef idx="1">
-            <a:schemeClr val="accent1"/>
-          </a:lnRef>
-          <a:fillRef idx="3">
-            <a:schemeClr val="accent1"/>
-          </a:fillRef>
-          <a:effectRef idx="2">
-            <a:schemeClr val="accent1"/>
-          </a:effectRef>
-          <a:fontRef idx="minor">
-            <a:schemeClr val="lt1"/>
-          </a:fontRef>
-        </p:style>
-        <p:txBody>
-          <a:bodyPr rot="0" spcFirstLastPara="0" vertOverflow="overflow" horzOverflow="overflow" vert="horz" wrap="square" lIns="91440" tIns="45720" rIns="91440" bIns="45720" numCol="1" spcCol="0" rtlCol="0" fromWordArt="0" anchor="ctr" anchorCtr="0" forceAA="0" compatLnSpc="1">
-            <a:prstTxWarp prst="textNoShape">
-              <a:avLst/>
-            </a:prstTxWarp>
-            <a:noAutofit/>
-          </a:bodyPr>
-          <a:lstStyle/>
-          <a:p>
-            <a:pPr algn="ctr"/>
-            <a:endParaRPr lang="en-US">
-              <a:solidFill>
-                <a:prstClr val="white"/>
-              </a:solidFill>
-              <a:latin typeface="Arial"/>
-            </a:endParaRPr>
-          </a:p>
-        </p:txBody>
-      </p:sp>
-      <p:sp>
-        <p:nvSpPr>
-          <p:cNvPr id="6" name="Slide Number Placeholder 2"/>
-          <p:cNvSpPr>
-            <a:spLocks noGrp="1"/>
-          </p:cNvSpPr>
-          <p:nvPr>
-            <p:ph type="sldNum" sz="quarter" idx="4"/>
-          </p:nvPr>
-        </p:nvSpPr>
-        <p:spPr>
-          <a:xfrm>
-            <a:off x="524348" y="4651813"/>
-            <a:ext cx="2133600" cy="274637"/>
-          </a:xfrm>
-          <a:prstGeom prst="rect">
-            <a:avLst/>
-          </a:prstGeom>
-        </p:spPr>
-        <p:txBody>
-          <a:bodyPr vert="horz" lIns="0" tIns="45720" rIns="91440" bIns="45720" rtlCol="0" anchor="ctr"/>
-          <a:lstStyle>
-            <a:lvl1pPr algn="l">
-              <a:defRPr sz="1000">
-                <a:solidFill>
-                  <a:schemeClr val="bg1"/>
-                </a:solidFill>
-              </a:defRPr>
-            </a:lvl1pPr>
-          </a:lstStyle>
-          <a:p>
-            <a:fld id="{602A933A-CCB3-5F4E-BECE-55F24E394E11}" type="slidenum">
-              <a:rPr lang="en-US" smtClean="0">
-                <a:solidFill>
-                  <a:prstClr val="white"/>
-                </a:solidFill>
-                <a:latin typeface="Arial"/>
-              </a:rPr>
-              <a:pPr/>
-              <a:t>‹#›</a:t>
-            </a:fld>
-            <a:endParaRPr lang="en-US">
-              <a:solidFill>
-                <a:prstClr val="white"/>
-              </a:solidFill>
-              <a:latin typeface="Arial"/>
-            </a:endParaRPr>
-          </a:p>
-        </p:txBody>
-      </p:sp>
-      <p:pic>
-        <p:nvPicPr>
-          <p:cNvPr id="7" name="Picture 6" descr="pivotal_green.png"/>
-          <p:cNvPicPr>
-            <a:picLocks noChangeAspect="1"/>
-          </p:cNvPicPr>
-          <p:nvPr userDrawn="1"/>
-        </p:nvPicPr>
-        <p:blipFill>
-          <a:blip r:embed="rId2">
-            <a:extLst>
-              <a:ext uri="{28A0092B-C50C-407E-A947-70E740481C1C}">
-                <a14:useLocalDpi xmlns:a14="http://schemas.microsoft.com/office/drawing/2010/main" val="0"/>
-              </a:ext>
-            </a:extLst>
-          </a:blip>
-          <a:stretch>
-            <a:fillRect/>
-          </a:stretch>
-        </p:blipFill>
-        <p:spPr>
-          <a:xfrm>
-            <a:off x="7788438" y="4656658"/>
-            <a:ext cx="831214" cy="204245"/>
-          </a:xfrm>
-          <a:prstGeom prst="rect">
-            <a:avLst/>
-          </a:prstGeom>
-        </p:spPr>
-      </p:pic>
-    </p:spTree>
-    <p:extLst>
-      <p:ext uri="{BB962C8B-B14F-4D97-AF65-F5344CB8AC3E}">
         <p14:creationId xmlns:p14="http://schemas.microsoft.com/office/powerpoint/2010/main" val="2924811730"/>
       </p:ext>
     </p:extLst>
@@ -2617,904 +4296,6 @@
 </file>
 
 <file path=ppt/slideLayouts/slideLayout3.xml><?xml version="1.0" encoding="utf-8"?>
-<p:sldLayout xmlns:a="http://schemas.openxmlformats.org/drawingml/2006/main" xmlns:r="http://schemas.openxmlformats.org/officeDocument/2006/relationships" xmlns:p="http://schemas.openxmlformats.org/presentationml/2006/main" preserve="1" userDrawn="1">
-  <p:cSld name="2_Title and Content">
-    <p:spTree>
-      <p:nvGrpSpPr>
-        <p:cNvPr id="1" name=""/>
-        <p:cNvGrpSpPr/>
-        <p:nvPr/>
-      </p:nvGrpSpPr>
-      <p:grpSpPr>
-        <a:xfrm>
-          <a:off x="0" y="0"/>
-          <a:ext cx="0" cy="0"/>
-          <a:chOff x="0" y="0"/>
-          <a:chExt cx="0" cy="0"/>
-        </a:xfrm>
-      </p:grpSpPr>
-      <p:sp>
-        <p:nvSpPr>
-          <p:cNvPr id="2" name="Title 1"/>
-          <p:cNvSpPr>
-            <a:spLocks noGrp="1"/>
-          </p:cNvSpPr>
-          <p:nvPr>
-            <p:ph type="title"/>
-          </p:nvPr>
-        </p:nvSpPr>
-        <p:spPr>
-          <a:xfrm>
-            <a:off x="113722" y="149918"/>
-            <a:ext cx="8796928" cy="474445"/>
-          </a:xfrm>
-          <a:prstGeom prst="rect">
-            <a:avLst/>
-          </a:prstGeom>
-        </p:spPr>
-        <p:txBody>
-          <a:bodyPr/>
-          <a:lstStyle>
-            <a:lvl1pPr algn="r">
-              <a:defRPr sz="2800" b="1">
-                <a:solidFill>
-                  <a:srgbClr val="008774"/>
-                </a:solidFill>
-                <a:latin typeface="Arial"/>
-                <a:cs typeface="Arial"/>
-              </a:defRPr>
-            </a:lvl1pPr>
-          </a:lstStyle>
-          <a:p>
-            <a:r>
-              <a:rPr lang="en-US" dirty="0" smtClean="0"/>
-              <a:t>Click to edit Master title style</a:t>
-            </a:r>
-            <a:endParaRPr lang="en-US" dirty="0"/>
-          </a:p>
-        </p:txBody>
-      </p:sp>
-      <p:sp>
-        <p:nvSpPr>
-          <p:cNvPr id="6" name="Slide Number Placeholder 5"/>
-          <p:cNvSpPr>
-            <a:spLocks noGrp="1"/>
-          </p:cNvSpPr>
-          <p:nvPr>
-            <p:ph type="sldNum" sz="quarter" idx="12"/>
-          </p:nvPr>
-        </p:nvSpPr>
-        <p:spPr/>
-        <p:txBody>
-          <a:bodyPr/>
-          <a:lstStyle/>
-          <a:p>
-            <a:fld id="{ADA07C09-8A41-3B46-A636-3955072BBB4F}" type="slidenum">
-              <a:rPr lang="en-US" smtClean="0"/>
-              <a:t>‹#›</a:t>
-            </a:fld>
-            <a:endParaRPr lang="en-US"/>
-          </a:p>
-        </p:txBody>
-      </p:sp>
-    </p:spTree>
-    <p:extLst>
-      <p:ext uri="{BB962C8B-B14F-4D97-AF65-F5344CB8AC3E}">
-        <p14:creationId xmlns:p14="http://schemas.microsoft.com/office/powerpoint/2010/main" val="3839756889"/>
-      </p:ext>
-    </p:extLst>
-  </p:cSld>
-  <p:clrMapOvr>
-    <a:masterClrMapping/>
-  </p:clrMapOvr>
-  <p:timing>
-    <p:tnLst>
-      <p:par>
-        <p:cTn xmlns:p14="http://schemas.microsoft.com/office/powerpoint/2010/main" id="1" dur="indefinite" restart="never" nodeType="tmRoot"/>
-      </p:par>
-    </p:tnLst>
-  </p:timing>
-</p:sldLayout>
-</file>
-
-<file path=ppt/slideLayouts/slideLayout4.xml><?xml version="1.0" encoding="utf-8"?>
-<p:sldLayout xmlns:a="http://schemas.openxmlformats.org/drawingml/2006/main" xmlns:r="http://schemas.openxmlformats.org/officeDocument/2006/relationships" xmlns:p="http://schemas.openxmlformats.org/presentationml/2006/main">
-  <p:cSld name="Divider 1">
-    <p:spTree>
-      <p:nvGrpSpPr>
-        <p:cNvPr id="1" name="Shape 936"/>
-        <p:cNvGrpSpPr/>
-        <p:nvPr/>
-      </p:nvGrpSpPr>
-      <p:grpSpPr>
-        <a:xfrm>
-          <a:off x="0" y="0"/>
-          <a:ext cx="0" cy="0"/>
-          <a:chOff x="0" y="0"/>
-          <a:chExt cx="0" cy="0"/>
-        </a:xfrm>
-      </p:grpSpPr>
-      <p:sp>
-        <p:nvSpPr>
-          <p:cNvPr id="937" name="Shape 937"/>
-          <p:cNvSpPr/>
-          <p:nvPr/>
-        </p:nvSpPr>
-        <p:spPr>
-          <a:xfrm>
-            <a:off x="0" y="0"/>
-            <a:ext cx="9144000" cy="2168525"/>
-          </a:xfrm>
-          <a:prstGeom prst="rect">
-            <a:avLst/>
-          </a:prstGeom>
-          <a:gradFill>
-            <a:gsLst>
-              <a:gs pos="0">
-                <a:schemeClr val="lt1"/>
-              </a:gs>
-              <a:gs pos="100000">
-                <a:srgbClr val="BFBFBF">
-                  <a:alpha val="60784"/>
-                </a:srgbClr>
-              </a:gs>
-            </a:gsLst>
-            <a:lin ang="16200000" scaled="0"/>
-          </a:gradFill>
-          <a:ln>
-            <a:noFill/>
-          </a:ln>
-        </p:spPr>
-        <p:txBody>
-          <a:bodyPr lIns="91425" tIns="45700" rIns="91425" bIns="45700" anchor="ctr" anchorCtr="0">
-            <a:noAutofit/>
-          </a:bodyPr>
-          <a:lstStyle/>
-          <a:p>
-            <a:pPr algn="ctr" defTabSz="914400"/>
-            <a:endParaRPr kern="0">
-              <a:solidFill>
-                <a:srgbClr val="000000"/>
-              </a:solidFill>
-              <a:latin typeface="Calibri"/>
-              <a:ea typeface="Calibri"/>
-              <a:cs typeface="Calibri"/>
-              <a:sym typeface="Calibri"/>
-              <a:rtl val="0"/>
-            </a:endParaRPr>
-          </a:p>
-        </p:txBody>
-      </p:sp>
-      <p:sp>
-        <p:nvSpPr>
-          <p:cNvPr id="938" name="Shape 938"/>
-          <p:cNvSpPr txBox="1">
-            <a:spLocks noGrp="1"/>
-          </p:cNvSpPr>
-          <p:nvPr>
-            <p:ph type="ctrTitle"/>
-          </p:nvPr>
-        </p:nvSpPr>
-        <p:spPr>
-          <a:xfrm>
-            <a:off x="2728911" y="1006879"/>
-            <a:ext cx="6048376" cy="1218794"/>
-          </a:xfrm>
-          <a:prstGeom prst="rect">
-            <a:avLst/>
-          </a:prstGeom>
-          <a:noFill/>
-          <a:ln>
-            <a:noFill/>
-          </a:ln>
-        </p:spPr>
-        <p:txBody>
-          <a:bodyPr lIns="91425" tIns="91425" rIns="91425" bIns="91425" anchor="b" anchorCtr="0"/>
-          <a:lstStyle>
-            <a:lvl1pPr marL="0" marR="0" indent="0" algn="ctr" rtl="0">
-              <a:lnSpc>
-                <a:spcPct val="90000"/>
-              </a:lnSpc>
-              <a:spcBef>
-                <a:spcPts val="0"/>
-              </a:spcBef>
-              <a:spcAft>
-                <a:spcPts val="0"/>
-              </a:spcAft>
-              <a:defRPr sz="4400" b="0" i="0" u="none" strike="noStrike" cap="none" baseline="0">
-                <a:solidFill>
-                  <a:schemeClr val="dk2"/>
-                </a:solidFill>
-                <a:latin typeface="Arial"/>
-                <a:ea typeface="Arial"/>
-                <a:cs typeface="Arial"/>
-                <a:sym typeface="Arial"/>
-              </a:defRPr>
-            </a:lvl1pPr>
-            <a:lvl2pPr marL="0" marR="0" indent="0" algn="ctr" rtl="0">
-              <a:spcBef>
-                <a:spcPts val="0"/>
-              </a:spcBef>
-              <a:spcAft>
-                <a:spcPts val="0"/>
-              </a:spcAft>
-              <a:defRPr sz="4400" b="0" i="0" u="none" strike="noStrike" cap="none" baseline="0">
-                <a:solidFill>
-                  <a:schemeClr val="dk1"/>
-                </a:solidFill>
-                <a:latin typeface="Calibri"/>
-                <a:ea typeface="Calibri"/>
-                <a:cs typeface="Calibri"/>
-                <a:sym typeface="Calibri"/>
-              </a:defRPr>
-            </a:lvl2pPr>
-            <a:lvl3pPr marL="0" marR="0" indent="0" algn="ctr" rtl="0">
-              <a:spcBef>
-                <a:spcPts val="0"/>
-              </a:spcBef>
-              <a:spcAft>
-                <a:spcPts val="0"/>
-              </a:spcAft>
-              <a:defRPr sz="4400" b="0" i="0" u="none" strike="noStrike" cap="none" baseline="0">
-                <a:solidFill>
-                  <a:schemeClr val="dk1"/>
-                </a:solidFill>
-                <a:latin typeface="Calibri"/>
-                <a:ea typeface="Calibri"/>
-                <a:cs typeface="Calibri"/>
-                <a:sym typeface="Calibri"/>
-              </a:defRPr>
-            </a:lvl3pPr>
-            <a:lvl4pPr marL="0" marR="0" indent="0" algn="ctr" rtl="0">
-              <a:spcBef>
-                <a:spcPts val="0"/>
-              </a:spcBef>
-              <a:spcAft>
-                <a:spcPts val="0"/>
-              </a:spcAft>
-              <a:defRPr sz="4400" b="0" i="0" u="none" strike="noStrike" cap="none" baseline="0">
-                <a:solidFill>
-                  <a:schemeClr val="dk1"/>
-                </a:solidFill>
-                <a:latin typeface="Calibri"/>
-                <a:ea typeface="Calibri"/>
-                <a:cs typeface="Calibri"/>
-                <a:sym typeface="Calibri"/>
-              </a:defRPr>
-            </a:lvl4pPr>
-            <a:lvl5pPr marL="0" marR="0" indent="0" algn="ctr" rtl="0">
-              <a:spcBef>
-                <a:spcPts val="0"/>
-              </a:spcBef>
-              <a:spcAft>
-                <a:spcPts val="0"/>
-              </a:spcAft>
-              <a:defRPr sz="4400" b="0" i="0" u="none" strike="noStrike" cap="none" baseline="0">
-                <a:solidFill>
-                  <a:schemeClr val="dk1"/>
-                </a:solidFill>
-                <a:latin typeface="Calibri"/>
-                <a:ea typeface="Calibri"/>
-                <a:cs typeface="Calibri"/>
-                <a:sym typeface="Calibri"/>
-              </a:defRPr>
-            </a:lvl5pPr>
-            <a:lvl6pPr marL="457200" marR="0" indent="0" algn="ctr" rtl="0">
-              <a:spcBef>
-                <a:spcPts val="0"/>
-              </a:spcBef>
-              <a:spcAft>
-                <a:spcPts val="0"/>
-              </a:spcAft>
-              <a:defRPr sz="4400" b="0" i="0" u="none" strike="noStrike" cap="none" baseline="0">
-                <a:solidFill>
-                  <a:schemeClr val="dk1"/>
-                </a:solidFill>
-                <a:latin typeface="Calibri"/>
-                <a:ea typeface="Calibri"/>
-                <a:cs typeface="Calibri"/>
-                <a:sym typeface="Calibri"/>
-              </a:defRPr>
-            </a:lvl6pPr>
-            <a:lvl7pPr marL="914400" marR="0" indent="0" algn="ctr" rtl="0">
-              <a:spcBef>
-                <a:spcPts val="0"/>
-              </a:spcBef>
-              <a:spcAft>
-                <a:spcPts val="0"/>
-              </a:spcAft>
-              <a:defRPr sz="4400" b="0" i="0" u="none" strike="noStrike" cap="none" baseline="0">
-                <a:solidFill>
-                  <a:schemeClr val="dk1"/>
-                </a:solidFill>
-                <a:latin typeface="Calibri"/>
-                <a:ea typeface="Calibri"/>
-                <a:cs typeface="Calibri"/>
-                <a:sym typeface="Calibri"/>
-              </a:defRPr>
-            </a:lvl7pPr>
-            <a:lvl8pPr marL="1371600" marR="0" indent="0" algn="ctr" rtl="0">
-              <a:spcBef>
-                <a:spcPts val="0"/>
-              </a:spcBef>
-              <a:spcAft>
-                <a:spcPts val="0"/>
-              </a:spcAft>
-              <a:defRPr sz="4400" b="0" i="0" u="none" strike="noStrike" cap="none" baseline="0">
-                <a:solidFill>
-                  <a:schemeClr val="dk1"/>
-                </a:solidFill>
-                <a:latin typeface="Calibri"/>
-                <a:ea typeface="Calibri"/>
-                <a:cs typeface="Calibri"/>
-                <a:sym typeface="Calibri"/>
-              </a:defRPr>
-            </a:lvl8pPr>
-            <a:lvl9pPr marL="1828800" marR="0" indent="0" algn="ctr" rtl="0">
-              <a:spcBef>
-                <a:spcPts val="0"/>
-              </a:spcBef>
-              <a:spcAft>
-                <a:spcPts val="0"/>
-              </a:spcAft>
-              <a:defRPr sz="4400" b="0" i="0" u="none" strike="noStrike" cap="none" baseline="0">
-                <a:solidFill>
-                  <a:schemeClr val="dk1"/>
-                </a:solidFill>
-                <a:latin typeface="Calibri"/>
-                <a:ea typeface="Calibri"/>
-                <a:cs typeface="Calibri"/>
-                <a:sym typeface="Calibri"/>
-              </a:defRPr>
-            </a:lvl9pPr>
-          </a:lstStyle>
-          <a:p>
-            <a:endParaRPr/>
-          </a:p>
-        </p:txBody>
-      </p:sp>
-      <p:sp>
-        <p:nvSpPr>
-          <p:cNvPr id="939" name="Shape 939"/>
-          <p:cNvSpPr txBox="1">
-            <a:spLocks noGrp="1"/>
-          </p:cNvSpPr>
-          <p:nvPr>
-            <p:ph type="subTitle" idx="1"/>
-          </p:nvPr>
-        </p:nvSpPr>
-        <p:spPr>
-          <a:xfrm>
-            <a:off x="2728913" y="2455863"/>
-            <a:ext cx="6048374" cy="1901704"/>
-          </a:xfrm>
-          <a:prstGeom prst="rect">
-            <a:avLst/>
-          </a:prstGeom>
-          <a:noFill/>
-          <a:ln>
-            <a:noFill/>
-          </a:ln>
-        </p:spPr>
-        <p:txBody>
-          <a:bodyPr lIns="91425" tIns="91425" rIns="91425" bIns="91425" anchor="t" anchorCtr="0"/>
-          <a:lstStyle>
-            <a:lvl1pPr marL="0" marR="0" indent="0" algn="l" rtl="0">
-              <a:spcBef>
-                <a:spcPts val="600"/>
-              </a:spcBef>
-              <a:spcAft>
-                <a:spcPts val="0"/>
-              </a:spcAft>
-              <a:buClr>
-                <a:schemeClr val="dk1"/>
-              </a:buClr>
-              <a:buFont typeface="Arial"/>
-              <a:buNone/>
-              <a:defRPr sz="2800" b="0" i="0" u="none" strike="noStrike" cap="none" baseline="0">
-                <a:solidFill>
-                  <a:schemeClr val="dk1"/>
-                </a:solidFill>
-                <a:latin typeface="Arial"/>
-                <a:ea typeface="Arial"/>
-                <a:cs typeface="Arial"/>
-                <a:sym typeface="Arial"/>
-              </a:defRPr>
-            </a:lvl1pPr>
-            <a:lvl2pPr marL="457200" marR="0" indent="0" algn="ctr" rtl="0">
-              <a:spcBef>
-                <a:spcPts val="560"/>
-              </a:spcBef>
-              <a:spcAft>
-                <a:spcPts val="0"/>
-              </a:spcAft>
-              <a:buClr>
-                <a:srgbClr val="888888"/>
-              </a:buClr>
-              <a:buFont typeface="Arial"/>
-              <a:buNone/>
-              <a:defRPr sz="2800" b="0" i="0" u="none" strike="noStrike" cap="none" baseline="0">
-                <a:solidFill>
-                  <a:srgbClr val="888888"/>
-                </a:solidFill>
-                <a:latin typeface="Calibri"/>
-                <a:ea typeface="Calibri"/>
-                <a:cs typeface="Calibri"/>
-                <a:sym typeface="Calibri"/>
-              </a:defRPr>
-            </a:lvl2pPr>
-            <a:lvl3pPr marL="914400" marR="0" indent="0" algn="ctr" rtl="0">
-              <a:spcBef>
-                <a:spcPts val="480"/>
-              </a:spcBef>
-              <a:spcAft>
-                <a:spcPts val="0"/>
-              </a:spcAft>
-              <a:buClr>
-                <a:srgbClr val="888888"/>
-              </a:buClr>
-              <a:buFont typeface="Arial"/>
-              <a:buNone/>
-              <a:defRPr sz="2400" b="0" i="0" u="none" strike="noStrike" cap="none" baseline="0">
-                <a:solidFill>
-                  <a:srgbClr val="888888"/>
-                </a:solidFill>
-                <a:latin typeface="Calibri"/>
-                <a:ea typeface="Calibri"/>
-                <a:cs typeface="Calibri"/>
-                <a:sym typeface="Calibri"/>
-              </a:defRPr>
-            </a:lvl3pPr>
-            <a:lvl4pPr marL="1371600" marR="0" indent="0" algn="ctr" rtl="0">
-              <a:spcBef>
-                <a:spcPts val="400"/>
-              </a:spcBef>
-              <a:spcAft>
-                <a:spcPts val="0"/>
-              </a:spcAft>
-              <a:buClr>
-                <a:srgbClr val="888888"/>
-              </a:buClr>
-              <a:buFont typeface="Arial"/>
-              <a:buNone/>
-              <a:defRPr sz="2000" b="0" i="0" u="none" strike="noStrike" cap="none" baseline="0">
-                <a:solidFill>
-                  <a:srgbClr val="888888"/>
-                </a:solidFill>
-                <a:latin typeface="Calibri"/>
-                <a:ea typeface="Calibri"/>
-                <a:cs typeface="Calibri"/>
-                <a:sym typeface="Calibri"/>
-              </a:defRPr>
-            </a:lvl4pPr>
-            <a:lvl5pPr marL="1828800" marR="0" indent="0" algn="ctr" rtl="0">
-              <a:spcBef>
-                <a:spcPts val="400"/>
-              </a:spcBef>
-              <a:spcAft>
-                <a:spcPts val="0"/>
-              </a:spcAft>
-              <a:buClr>
-                <a:srgbClr val="888888"/>
-              </a:buClr>
-              <a:buFont typeface="Arial"/>
-              <a:buNone/>
-              <a:defRPr sz="2000" b="0" i="0" u="none" strike="noStrike" cap="none" baseline="0">
-                <a:solidFill>
-                  <a:srgbClr val="888888"/>
-                </a:solidFill>
-                <a:latin typeface="Calibri"/>
-                <a:ea typeface="Calibri"/>
-                <a:cs typeface="Calibri"/>
-                <a:sym typeface="Calibri"/>
-              </a:defRPr>
-            </a:lvl5pPr>
-            <a:lvl6pPr marL="2286000" marR="0" indent="0" algn="ctr" rtl="0">
-              <a:spcBef>
-                <a:spcPts val="400"/>
-              </a:spcBef>
-              <a:buClr>
-                <a:srgbClr val="888888"/>
-              </a:buClr>
-              <a:buFont typeface="Arial"/>
-              <a:buNone/>
-              <a:defRPr sz="2000" b="0" i="0" u="none" strike="noStrike" cap="none" baseline="0">
-                <a:solidFill>
-                  <a:srgbClr val="888888"/>
-                </a:solidFill>
-                <a:latin typeface="Calibri"/>
-                <a:ea typeface="Calibri"/>
-                <a:cs typeface="Calibri"/>
-                <a:sym typeface="Calibri"/>
-              </a:defRPr>
-            </a:lvl6pPr>
-            <a:lvl7pPr marL="2743200" marR="0" indent="0" algn="ctr" rtl="0">
-              <a:spcBef>
-                <a:spcPts val="400"/>
-              </a:spcBef>
-              <a:buClr>
-                <a:srgbClr val="888888"/>
-              </a:buClr>
-              <a:buFont typeface="Arial"/>
-              <a:buNone/>
-              <a:defRPr sz="2000" b="0" i="0" u="none" strike="noStrike" cap="none" baseline="0">
-                <a:solidFill>
-                  <a:srgbClr val="888888"/>
-                </a:solidFill>
-                <a:latin typeface="Calibri"/>
-                <a:ea typeface="Calibri"/>
-                <a:cs typeface="Calibri"/>
-                <a:sym typeface="Calibri"/>
-              </a:defRPr>
-            </a:lvl7pPr>
-            <a:lvl8pPr marL="3200400" marR="0" indent="0" algn="ctr" rtl="0">
-              <a:spcBef>
-                <a:spcPts val="400"/>
-              </a:spcBef>
-              <a:buClr>
-                <a:srgbClr val="888888"/>
-              </a:buClr>
-              <a:buFont typeface="Arial"/>
-              <a:buNone/>
-              <a:defRPr sz="2000" b="0" i="0" u="none" strike="noStrike" cap="none" baseline="0">
-                <a:solidFill>
-                  <a:srgbClr val="888888"/>
-                </a:solidFill>
-                <a:latin typeface="Calibri"/>
-                <a:ea typeface="Calibri"/>
-                <a:cs typeface="Calibri"/>
-                <a:sym typeface="Calibri"/>
-              </a:defRPr>
-            </a:lvl8pPr>
-            <a:lvl9pPr marL="3657600" marR="0" indent="0" algn="ctr" rtl="0">
-              <a:spcBef>
-                <a:spcPts val="400"/>
-              </a:spcBef>
-              <a:buClr>
-                <a:srgbClr val="888888"/>
-              </a:buClr>
-              <a:buFont typeface="Arial"/>
-              <a:buNone/>
-              <a:defRPr sz="2000" b="0" i="0" u="none" strike="noStrike" cap="none" baseline="0">
-                <a:solidFill>
-                  <a:srgbClr val="888888"/>
-                </a:solidFill>
-                <a:latin typeface="Calibri"/>
-                <a:ea typeface="Calibri"/>
-                <a:cs typeface="Calibri"/>
-                <a:sym typeface="Calibri"/>
-              </a:defRPr>
-            </a:lvl9pPr>
-          </a:lstStyle>
-          <a:p>
-            <a:endParaRPr/>
-          </a:p>
-        </p:txBody>
-      </p:sp>
-    </p:spTree>
-    <p:extLst>
-      <p:ext uri="{BB962C8B-B14F-4D97-AF65-F5344CB8AC3E}">
-        <p14:creationId xmlns:p14="http://schemas.microsoft.com/office/powerpoint/2010/main" val="1820746623"/>
-      </p:ext>
-    </p:extLst>
-  </p:cSld>
-  <p:clrMapOvr>
-    <a:masterClrMapping/>
-  </p:clrMapOvr>
-</p:sldLayout>
-</file>
-
-<file path=ppt/slideLayouts/slideLayout5.xml><?xml version="1.0" encoding="utf-8"?>
-<p:sldLayout xmlns:a="http://schemas.openxmlformats.org/drawingml/2006/main" xmlns:r="http://schemas.openxmlformats.org/officeDocument/2006/relationships" xmlns:p="http://schemas.openxmlformats.org/presentationml/2006/main">
-  <p:cSld name="1_Title and Content">
-    <p:spTree>
-      <p:nvGrpSpPr>
-        <p:cNvPr id="1" name="Shape 294"/>
-        <p:cNvGrpSpPr/>
-        <p:nvPr/>
-      </p:nvGrpSpPr>
-      <p:grpSpPr>
-        <a:xfrm>
-          <a:off x="0" y="0"/>
-          <a:ext cx="0" cy="0"/>
-          <a:chOff x="0" y="0"/>
-          <a:chExt cx="0" cy="0"/>
-        </a:xfrm>
-      </p:grpSpPr>
-      <p:sp>
-        <p:nvSpPr>
-          <p:cNvPr id="295" name="Shape 295"/>
-          <p:cNvSpPr txBox="1">
-            <a:spLocks noGrp="1"/>
-          </p:cNvSpPr>
-          <p:nvPr>
-            <p:ph type="title"/>
-          </p:nvPr>
-        </p:nvSpPr>
-        <p:spPr>
-          <a:xfrm>
-            <a:off x="366712" y="325437"/>
-            <a:ext cx="8410574" cy="460374"/>
-          </a:xfrm>
-          <a:prstGeom prst="rect">
-            <a:avLst/>
-          </a:prstGeom>
-          <a:noFill/>
-          <a:ln>
-            <a:noFill/>
-          </a:ln>
-        </p:spPr>
-        <p:txBody>
-          <a:bodyPr lIns="91425" tIns="91425" rIns="91425" bIns="91425" anchor="t" anchorCtr="0"/>
-          <a:lstStyle>
-            <a:lvl1pPr rtl="0">
-              <a:lnSpc>
-                <a:spcPct val="90000"/>
-              </a:lnSpc>
-              <a:spcBef>
-                <a:spcPts val="0"/>
-              </a:spcBef>
-              <a:defRPr sz="3200">
-                <a:solidFill>
-                  <a:schemeClr val="dk2"/>
-                </a:solidFill>
-                <a:latin typeface="Arial"/>
-                <a:ea typeface="Arial"/>
-                <a:cs typeface="Arial"/>
-                <a:sym typeface="Arial"/>
-              </a:defRPr>
-            </a:lvl1pPr>
-            <a:lvl2pPr rtl="0">
-              <a:spcBef>
-                <a:spcPts val="0"/>
-              </a:spcBef>
-              <a:defRPr/>
-            </a:lvl2pPr>
-            <a:lvl3pPr rtl="0">
-              <a:spcBef>
-                <a:spcPts val="0"/>
-              </a:spcBef>
-              <a:defRPr/>
-            </a:lvl3pPr>
-            <a:lvl4pPr rtl="0">
-              <a:spcBef>
-                <a:spcPts val="0"/>
-              </a:spcBef>
-              <a:defRPr/>
-            </a:lvl4pPr>
-            <a:lvl5pPr rtl="0">
-              <a:spcBef>
-                <a:spcPts val="0"/>
-              </a:spcBef>
-              <a:defRPr/>
-            </a:lvl5pPr>
-            <a:lvl6pPr rtl="0">
-              <a:spcBef>
-                <a:spcPts val="0"/>
-              </a:spcBef>
-              <a:defRPr/>
-            </a:lvl6pPr>
-            <a:lvl7pPr rtl="0">
-              <a:spcBef>
-                <a:spcPts val="0"/>
-              </a:spcBef>
-              <a:defRPr/>
-            </a:lvl7pPr>
-            <a:lvl8pPr rtl="0">
-              <a:spcBef>
-                <a:spcPts val="0"/>
-              </a:spcBef>
-              <a:defRPr/>
-            </a:lvl8pPr>
-            <a:lvl9pPr rtl="0">
-              <a:spcBef>
-                <a:spcPts val="0"/>
-              </a:spcBef>
-              <a:defRPr/>
-            </a:lvl9pPr>
-          </a:lstStyle>
-          <a:p>
-            <a:endParaRPr/>
-          </a:p>
-        </p:txBody>
-      </p:sp>
-      <p:sp>
-        <p:nvSpPr>
-          <p:cNvPr id="296" name="Shape 296"/>
-          <p:cNvSpPr txBox="1">
-            <a:spLocks noGrp="1"/>
-          </p:cNvSpPr>
-          <p:nvPr>
-            <p:ph type="body" idx="1"/>
-          </p:nvPr>
-        </p:nvSpPr>
-        <p:spPr>
-          <a:xfrm>
-            <a:off x="366713" y="1074737"/>
-            <a:ext cx="8410574" cy="3382961"/>
-          </a:xfrm>
-          <a:prstGeom prst="rect">
-            <a:avLst/>
-          </a:prstGeom>
-          <a:noFill/>
-          <a:ln>
-            <a:noFill/>
-          </a:ln>
-        </p:spPr>
-        <p:txBody>
-          <a:bodyPr lIns="91425" tIns="91425" rIns="91425" bIns="91425" anchor="t" anchorCtr="0"/>
-          <a:lstStyle>
-            <a:lvl1pPr rtl="0">
-              <a:spcBef>
-                <a:spcPts val="1200"/>
-              </a:spcBef>
-              <a:buClr>
-                <a:schemeClr val="accent1"/>
-              </a:buClr>
-              <a:buFont typeface="Noto Symbol"/>
-              <a:buChar char="•"/>
-              <a:defRPr sz="2400">
-                <a:solidFill>
-                  <a:schemeClr val="dk1"/>
-                </a:solidFill>
-                <a:latin typeface="Arial"/>
-                <a:ea typeface="Arial"/>
-                <a:cs typeface="Arial"/>
-                <a:sym typeface="Arial"/>
-              </a:defRPr>
-            </a:lvl1pPr>
-            <a:lvl2pPr rtl="0">
-              <a:spcBef>
-                <a:spcPts val="300"/>
-              </a:spcBef>
-              <a:buClr>
-                <a:schemeClr val="accent1"/>
-              </a:buClr>
-              <a:buFont typeface="Verdana"/>
-              <a:buChar char="–"/>
-              <a:defRPr sz="2000">
-                <a:solidFill>
-                  <a:schemeClr val="dk1"/>
-                </a:solidFill>
-                <a:latin typeface="Arial"/>
-                <a:ea typeface="Arial"/>
-                <a:cs typeface="Arial"/>
-                <a:sym typeface="Arial"/>
-              </a:defRPr>
-            </a:lvl2pPr>
-            <a:lvl3pPr rtl="0">
-              <a:spcBef>
-                <a:spcPts val="300"/>
-              </a:spcBef>
-              <a:buClr>
-                <a:schemeClr val="accent1"/>
-              </a:buClr>
-              <a:buFont typeface="Verdana"/>
-              <a:buChar char="▪"/>
-              <a:defRPr sz="1600">
-                <a:solidFill>
-                  <a:schemeClr val="dk1"/>
-                </a:solidFill>
-                <a:latin typeface="Arial"/>
-                <a:ea typeface="Arial"/>
-                <a:cs typeface="Arial"/>
-                <a:sym typeface="Arial"/>
-              </a:defRPr>
-            </a:lvl3pPr>
-            <a:lvl4pPr marL="1658938" indent="-211138" rtl="0">
-              <a:spcBef>
-                <a:spcPts val="300"/>
-              </a:spcBef>
-              <a:buClr>
-                <a:schemeClr val="accent1"/>
-              </a:buClr>
-              <a:buFont typeface="Verdana"/>
-              <a:buChar char="—"/>
-              <a:defRPr sz="1200">
-                <a:solidFill>
-                  <a:schemeClr val="dk1"/>
-                </a:solidFill>
-                <a:latin typeface="Arial"/>
-                <a:ea typeface="Arial"/>
-                <a:cs typeface="Arial"/>
-                <a:sym typeface="Arial"/>
-              </a:defRPr>
-            </a:lvl4pPr>
-            <a:lvl5pPr rtl="0">
-              <a:spcBef>
-                <a:spcPts val="300"/>
-              </a:spcBef>
-              <a:buClr>
-                <a:schemeClr val="accent1"/>
-              </a:buClr>
-              <a:buFont typeface="Verdana"/>
-              <a:buChar char="»"/>
-              <a:defRPr sz="1100">
-                <a:solidFill>
-                  <a:schemeClr val="dk1"/>
-                </a:solidFill>
-                <a:latin typeface="Arial"/>
-                <a:ea typeface="Arial"/>
-                <a:cs typeface="Arial"/>
-                <a:sym typeface="Arial"/>
-              </a:defRPr>
-            </a:lvl5pPr>
-            <a:lvl6pPr rtl="0">
-              <a:spcBef>
-                <a:spcPts val="0"/>
-              </a:spcBef>
-              <a:defRPr sz="2000">
-                <a:solidFill>
-                  <a:schemeClr val="dk1"/>
-                </a:solidFill>
-                <a:latin typeface="Arial"/>
-                <a:ea typeface="Arial"/>
-                <a:cs typeface="Arial"/>
-                <a:sym typeface="Arial"/>
-              </a:defRPr>
-            </a:lvl6pPr>
-            <a:lvl7pPr rtl="0">
-              <a:spcBef>
-                <a:spcPts val="0"/>
-              </a:spcBef>
-              <a:defRPr sz="2000">
-                <a:solidFill>
-                  <a:schemeClr val="dk1"/>
-                </a:solidFill>
-                <a:latin typeface="Arial"/>
-                <a:ea typeface="Arial"/>
-                <a:cs typeface="Arial"/>
-                <a:sym typeface="Arial"/>
-              </a:defRPr>
-            </a:lvl7pPr>
-            <a:lvl8pPr rtl="0">
-              <a:spcBef>
-                <a:spcPts val="0"/>
-              </a:spcBef>
-              <a:defRPr sz="2000">
-                <a:solidFill>
-                  <a:schemeClr val="dk1"/>
-                </a:solidFill>
-                <a:latin typeface="Arial"/>
-                <a:ea typeface="Arial"/>
-                <a:cs typeface="Arial"/>
-                <a:sym typeface="Arial"/>
-              </a:defRPr>
-            </a:lvl8pPr>
-            <a:lvl9pPr rtl="0">
-              <a:spcBef>
-                <a:spcPts val="0"/>
-              </a:spcBef>
-              <a:defRPr sz="2000">
-                <a:solidFill>
-                  <a:schemeClr val="dk1"/>
-                </a:solidFill>
-                <a:latin typeface="Arial"/>
-                <a:ea typeface="Arial"/>
-                <a:cs typeface="Arial"/>
-                <a:sym typeface="Arial"/>
-              </a:defRPr>
-            </a:lvl9pPr>
-          </a:lstStyle>
-          <a:p>
-            <a:endParaRPr/>
-          </a:p>
-        </p:txBody>
-      </p:sp>
-    </p:spTree>
-    <p:extLst>
-      <p:ext uri="{BB962C8B-B14F-4D97-AF65-F5344CB8AC3E}">
-        <p14:creationId xmlns:p14="http://schemas.microsoft.com/office/powerpoint/2010/main" val="1962472491"/>
-      </p:ext>
-    </p:extLst>
-  </p:cSld>
-  <p:clrMapOvr>
-    <a:masterClrMapping/>
-  </p:clrMapOvr>
-</p:sldLayout>
-</file>
-
-<file path=ppt/slideLayouts/slideLayout6.xml><?xml version="1.0" encoding="utf-8"?>
 <p:sldLayout xmlns:a="http://schemas.openxmlformats.org/drawingml/2006/main" xmlns:r="http://schemas.openxmlformats.org/officeDocument/2006/relationships" xmlns:p="http://schemas.openxmlformats.org/presentationml/2006/main">
   <p:cSld name="Title Only">
     <p:spTree>
@@ -3633,7 +4414,7 @@
 </p:sldLayout>
 </file>
 
-<file path=ppt/slideLayouts/slideLayout7.xml><?xml version="1.0" encoding="utf-8"?>
+<file path=ppt/slideLayouts/slideLayout4.xml><?xml version="1.0" encoding="utf-8"?>
 <p:sldLayout xmlns:a="http://schemas.openxmlformats.org/drawingml/2006/main" xmlns:r="http://schemas.openxmlformats.org/officeDocument/2006/relationships" xmlns:p="http://schemas.openxmlformats.org/presentationml/2006/main" type="tx">
   <p:cSld name="Title - Top">
     <p:spTree>
@@ -3854,7 +4635,7 @@
 </p:sldLayout>
 </file>
 
-<file path=ppt/slideLayouts/slideLayout8.xml><?xml version="1.0" encoding="utf-8"?>
+<file path=ppt/slideLayouts/slideLayout5.xml><?xml version="1.0" encoding="utf-8"?>
 <p:sldLayout xmlns:a="http://schemas.openxmlformats.org/drawingml/2006/main" xmlns:r="http://schemas.openxmlformats.org/officeDocument/2006/relationships" xmlns:p="http://schemas.openxmlformats.org/presentationml/2006/main" type="tx">
   <p:cSld name="Title and Content">
     <p:spTree>
@@ -4221,7 +5002,7 @@
 </p:sldLayout>
 </file>
 
-<file path=ppt/slideLayouts/slideLayout9.xml><?xml version="1.0" encoding="utf-8"?>
+<file path=ppt/slideLayouts/slideLayout6.xml><?xml version="1.0" encoding="utf-8"?>
 <p:sldLayout xmlns:a="http://schemas.openxmlformats.org/drawingml/2006/main" xmlns:r="http://schemas.openxmlformats.org/officeDocument/2006/relationships" xmlns:p="http://schemas.openxmlformats.org/presentationml/2006/main" preserve="1" userDrawn="1">
   <p:cSld name="Main Page">
     <p:spTree>
@@ -4398,17 +5179,9 @@
 </p:sldLayout>
 </file>
 
-<file path=ppt/slideMasters/slideMaster1.xml><?xml version="1.0" encoding="utf-8"?>
-<p:sldMaster xmlns:a="http://schemas.openxmlformats.org/drawingml/2006/main" xmlns:r="http://schemas.openxmlformats.org/officeDocument/2006/relationships" xmlns:p="http://schemas.openxmlformats.org/presentationml/2006/main">
-  <p:cSld>
-    <p:bg>
-      <p:bgPr>
-        <a:solidFill>
-          <a:srgbClr val="162128"/>
-        </a:solidFill>
-        <a:effectLst/>
-      </p:bgPr>
-    </p:bg>
+<file path=ppt/slideLayouts/slideLayout7.xml><?xml version="1.0" encoding="utf-8"?>
+<p:sldLayout xmlns:a="http://schemas.openxmlformats.org/drawingml/2006/main" xmlns:r="http://schemas.openxmlformats.org/officeDocument/2006/relationships" xmlns:p="http://schemas.openxmlformats.org/presentationml/2006/main" preserve="1" userDrawn="1">
+  <p:cSld name="Split">
     <p:spTree>
       <p:nvGrpSpPr>
         <p:cNvPr id="1" name=""/>
@@ -4425,58 +5198,69 @@
       </p:grpSpPr>
       <p:sp>
         <p:nvSpPr>
-          <p:cNvPr id="6" name="Slide Number Placeholder 5"/>
-          <p:cNvSpPr>
-            <a:spLocks noGrp="1"/>
-          </p:cNvSpPr>
-          <p:nvPr>
-            <p:ph type="sldNum" sz="quarter" idx="4"/>
-          </p:nvPr>
+          <p:cNvPr id="5" name="Rectangle 4"/>
+          <p:cNvSpPr/>
+          <p:nvPr userDrawn="1"/>
         </p:nvSpPr>
         <p:spPr>
           <a:xfrm>
-            <a:off x="3797" y="4823363"/>
-            <a:ext cx="373338" cy="273844"/>
+            <a:off x="4572000" y="0"/>
+            <a:ext cx="4572000" cy="5143500"/>
           </a:xfrm>
           <a:prstGeom prst="rect">
             <a:avLst/>
           </a:prstGeom>
+          <a:solidFill>
+            <a:srgbClr val="008774"/>
+          </a:solidFill>
+          <a:ln>
+            <a:noFill/>
+          </a:ln>
+          <a:effectLst/>
         </p:spPr>
+        <p:style>
+          <a:lnRef idx="1">
+            <a:schemeClr val="accent1"/>
+          </a:lnRef>
+          <a:fillRef idx="3">
+            <a:schemeClr val="accent1"/>
+          </a:fillRef>
+          <a:effectRef idx="2">
+            <a:schemeClr val="accent1"/>
+          </a:effectRef>
+          <a:fontRef idx="minor">
+            <a:schemeClr val="lt1"/>
+          </a:fontRef>
+        </p:style>
         <p:txBody>
-          <a:bodyPr vert="horz" lIns="91440" tIns="45720" rIns="91440" bIns="45720" rtlCol="0" anchor="ctr"/>
-          <a:lstStyle>
-            <a:lvl1pPr algn="ctr">
-              <a:defRPr sz="900">
-                <a:solidFill>
-                  <a:schemeClr val="bg1">
-                    <a:lumMod val="50000"/>
-                  </a:schemeClr>
-                </a:solidFill>
-                <a:latin typeface="Arial"/>
-                <a:cs typeface="Arial"/>
-              </a:defRPr>
-            </a:lvl1pPr>
-          </a:lstStyle>
-          <a:p>
-            <a:fld id="{ADA07C09-8A41-3B46-A636-3955072BBB4F}" type="slidenum">
-              <a:rPr lang="en-US" smtClean="0"/>
-              <a:pPr/>
-              <a:t>‹#›</a:t>
-            </a:fld>
-            <a:endParaRPr lang="en-US" dirty="0"/>
+          <a:bodyPr rot="0" spcFirstLastPara="0" vertOverflow="overflow" horzOverflow="overflow" vert="horz" wrap="square" lIns="91440" tIns="45720" rIns="91440" bIns="45720" numCol="1" spcCol="0" rtlCol="0" fromWordArt="0" anchor="ctr" anchorCtr="0" forceAA="0" compatLnSpc="1">
+            <a:prstTxWarp prst="textNoShape">
+              <a:avLst/>
+            </a:prstTxWarp>
+            <a:noAutofit/>
+          </a:bodyPr>
+          <a:lstStyle/>
+          <a:p>
+            <a:pPr algn="ctr"/>
+            <a:endParaRPr lang="en-US">
+              <a:solidFill>
+                <a:srgbClr val="FFFFFF"/>
+              </a:solidFill>
+              <a:latin typeface="Arial"/>
+            </a:endParaRPr>
           </a:p>
         </p:txBody>
       </p:sp>
       <p:pic>
         <p:nvPicPr>
-          <p:cNvPr id="8" name="Picture 7" descr="pivotal_teal.png"/>
+          <p:cNvPr id="7" name="Picture 6" descr="Pivotal_White.png"/>
           <p:cNvPicPr>
             <a:picLocks noChangeAspect="1"/>
           </p:cNvPicPr>
           <p:nvPr userDrawn="1"/>
         </p:nvPicPr>
         <p:blipFill>
-          <a:blip r:embed="rId5">
+          <a:blip r:embed="rId2">
             <a:extLst>
               <a:ext uri="{28A0092B-C50C-407E-A947-70E740481C1C}">
                 <a14:useLocalDpi xmlns:a14="http://schemas.microsoft.com/office/drawing/2010/main" val="0"/>
@@ -4489,27 +5273,80 @@
         </p:blipFill>
         <p:spPr>
           <a:xfrm>
-            <a:off x="8272780" y="4855076"/>
-            <a:ext cx="731520" cy="171298"/>
+            <a:off x="8286415" y="4854091"/>
+            <a:ext cx="712061" cy="173736"/>
           </a:xfrm>
           <a:prstGeom prst="rect">
             <a:avLst/>
           </a:prstGeom>
         </p:spPr>
       </p:pic>
+      <p:sp>
+        <p:nvSpPr>
+          <p:cNvPr id="11" name="Slide Number Placeholder 5"/>
+          <p:cNvSpPr>
+            <a:spLocks noGrp="1"/>
+          </p:cNvSpPr>
+          <p:nvPr>
+            <p:ph type="sldNum" sz="quarter" idx="12"/>
+          </p:nvPr>
+        </p:nvSpPr>
+        <p:spPr>
+          <a:xfrm>
+            <a:off x="48247" y="4861463"/>
+            <a:ext cx="373338" cy="273844"/>
+          </a:xfrm>
+          <a:prstGeom prst="rect">
+            <a:avLst/>
+          </a:prstGeom>
+        </p:spPr>
+        <p:txBody>
+          <a:bodyPr/>
+          <a:lstStyle>
+            <a:lvl1pPr>
+              <a:defRPr sz="900">
+                <a:solidFill>
+                  <a:schemeClr val="bg1">
+                    <a:lumMod val="65000"/>
+                  </a:schemeClr>
+                </a:solidFill>
+              </a:defRPr>
+            </a:lvl1pPr>
+          </a:lstStyle>
+          <a:p>
+            <a:fld id="{ADA07C09-8A41-3B46-A636-3955072BBB4F}" type="slidenum">
+              <a:rPr lang="en-US" smtClean="0">
+                <a:solidFill>
+                  <a:srgbClr val="FFFFFF">
+                    <a:lumMod val="65000"/>
+                  </a:srgbClr>
+                </a:solidFill>
+                <a:latin typeface="Arial"/>
+              </a:rPr>
+              <a:pPr/>
+              <a:t>‹#›</a:t>
+            </a:fld>
+            <a:endParaRPr lang="en-US">
+              <a:solidFill>
+                <a:srgbClr val="FFFFFF">
+                  <a:lumMod val="65000"/>
+                </a:srgbClr>
+              </a:solidFill>
+              <a:latin typeface="Arial"/>
+            </a:endParaRPr>
+          </a:p>
+        </p:txBody>
+      </p:sp>
     </p:spTree>
     <p:extLst>
       <p:ext uri="{BB962C8B-B14F-4D97-AF65-F5344CB8AC3E}">
-        <p14:creationId xmlns:p14="http://schemas.microsoft.com/office/powerpoint/2010/main" val="563152362"/>
+        <p14:creationId xmlns:p14="http://schemas.microsoft.com/office/powerpoint/2010/main" val="3163224728"/>
       </p:ext>
     </p:extLst>
   </p:cSld>
-  <p:clrMap bg1="lt1" tx1="dk1" bg2="lt2" tx2="dk2" accent1="accent1" accent2="accent2" accent3="accent3" accent4="accent4" accent5="accent5" accent6="accent6" hlink="hlink" folHlink="folHlink"/>
-  <p:sldLayoutIdLst>
-    <p:sldLayoutId id="2147483650" r:id="rId1"/>
-    <p:sldLayoutId id="2147483732" r:id="rId2"/>
-    <p:sldLayoutId id="2147483733" r:id="rId3"/>
-  </p:sldLayoutIdLst>
+  <p:clrMapOvr>
+    <a:masterClrMapping/>
+  </p:clrMapOvr>
   <p:timing>
     <p:tnLst>
       <p:par>
@@ -4517,261 +5354,188 @@
       </p:par>
     </p:tnLst>
   </p:timing>
-  <p:hf hdr="0" ftr="0" dt="0"/>
-  <p:txStyles>
-    <p:titleStyle>
-      <a:lvl1pPr algn="ctr" defTabSz="457200" rtl="0" eaLnBrk="1" latinLnBrk="0" hangingPunct="1">
-        <a:spcBef>
-          <a:spcPct val="0"/>
-        </a:spcBef>
-        <a:buNone/>
-        <a:defRPr sz="4400" kern="1200">
-          <a:solidFill>
-            <a:schemeClr val="tx1"/>
-          </a:solidFill>
-          <a:latin typeface="+mj-lt"/>
-          <a:ea typeface="+mj-ea"/>
-          <a:cs typeface="+mj-cs"/>
-        </a:defRPr>
-      </a:lvl1pPr>
-    </p:titleStyle>
-    <p:bodyStyle>
-      <a:lvl1pPr marL="342900" indent="-342900" algn="l" defTabSz="457200" rtl="0" eaLnBrk="1" latinLnBrk="0" hangingPunct="1">
-        <a:spcBef>
-          <a:spcPct val="20000"/>
-        </a:spcBef>
-        <a:buFont typeface="Arial"/>
-        <a:buChar char="•"/>
-        <a:defRPr sz="3200" kern="1200">
-          <a:solidFill>
-            <a:schemeClr val="tx1"/>
-          </a:solidFill>
-          <a:latin typeface="+mn-lt"/>
-          <a:ea typeface="+mn-ea"/>
-          <a:cs typeface="+mn-cs"/>
-        </a:defRPr>
-      </a:lvl1pPr>
-      <a:lvl2pPr marL="742950" indent="-285750" algn="l" defTabSz="457200" rtl="0" eaLnBrk="1" latinLnBrk="0" hangingPunct="1">
-        <a:spcBef>
-          <a:spcPct val="20000"/>
-        </a:spcBef>
-        <a:buFont typeface="Arial"/>
-        <a:buChar char="–"/>
-        <a:defRPr sz="2800" kern="1200">
-          <a:solidFill>
-            <a:schemeClr val="tx1"/>
-          </a:solidFill>
-          <a:latin typeface="+mn-lt"/>
-          <a:ea typeface="+mn-ea"/>
-          <a:cs typeface="+mn-cs"/>
-        </a:defRPr>
-      </a:lvl2pPr>
-      <a:lvl3pPr marL="1143000" indent="-228600" algn="l" defTabSz="457200" rtl="0" eaLnBrk="1" latinLnBrk="0" hangingPunct="1">
-        <a:spcBef>
-          <a:spcPct val="20000"/>
-        </a:spcBef>
-        <a:buFont typeface="Arial"/>
-        <a:buChar char="•"/>
-        <a:defRPr sz="2400" kern="1200">
-          <a:solidFill>
-            <a:schemeClr val="tx1"/>
-          </a:solidFill>
-          <a:latin typeface="+mn-lt"/>
-          <a:ea typeface="+mn-ea"/>
-          <a:cs typeface="+mn-cs"/>
-        </a:defRPr>
-      </a:lvl3pPr>
-      <a:lvl4pPr marL="1600200" indent="-228600" algn="l" defTabSz="457200" rtl="0" eaLnBrk="1" latinLnBrk="0" hangingPunct="1">
-        <a:spcBef>
-          <a:spcPct val="20000"/>
-        </a:spcBef>
-        <a:buFont typeface="Arial"/>
-        <a:buChar char="–"/>
-        <a:defRPr sz="2000" kern="1200">
-          <a:solidFill>
-            <a:schemeClr val="tx1"/>
-          </a:solidFill>
-          <a:latin typeface="+mn-lt"/>
-          <a:ea typeface="+mn-ea"/>
-          <a:cs typeface="+mn-cs"/>
-        </a:defRPr>
-      </a:lvl4pPr>
-      <a:lvl5pPr marL="2057400" indent="-228600" algn="l" defTabSz="457200" rtl="0" eaLnBrk="1" latinLnBrk="0" hangingPunct="1">
-        <a:spcBef>
-          <a:spcPct val="20000"/>
-        </a:spcBef>
-        <a:buFont typeface="Arial"/>
-        <a:buChar char="»"/>
-        <a:defRPr sz="2000" kern="1200">
-          <a:solidFill>
-            <a:schemeClr val="tx1"/>
-          </a:solidFill>
-          <a:latin typeface="+mn-lt"/>
-          <a:ea typeface="+mn-ea"/>
-          <a:cs typeface="+mn-cs"/>
-        </a:defRPr>
-      </a:lvl5pPr>
-      <a:lvl6pPr marL="2514600" indent="-228600" algn="l" defTabSz="457200" rtl="0" eaLnBrk="1" latinLnBrk="0" hangingPunct="1">
-        <a:spcBef>
-          <a:spcPct val="20000"/>
-        </a:spcBef>
-        <a:buFont typeface="Arial"/>
-        <a:buChar char="•"/>
-        <a:defRPr sz="2000" kern="1200">
-          <a:solidFill>
-            <a:schemeClr val="tx1"/>
-          </a:solidFill>
-          <a:latin typeface="+mn-lt"/>
-          <a:ea typeface="+mn-ea"/>
-          <a:cs typeface="+mn-cs"/>
-        </a:defRPr>
-      </a:lvl6pPr>
-      <a:lvl7pPr marL="2971800" indent="-228600" algn="l" defTabSz="457200" rtl="0" eaLnBrk="1" latinLnBrk="0" hangingPunct="1">
-        <a:spcBef>
-          <a:spcPct val="20000"/>
-        </a:spcBef>
-        <a:buFont typeface="Arial"/>
-        <a:buChar char="•"/>
-        <a:defRPr sz="2000" kern="1200">
-          <a:solidFill>
-            <a:schemeClr val="tx1"/>
-          </a:solidFill>
-          <a:latin typeface="+mn-lt"/>
-          <a:ea typeface="+mn-ea"/>
-          <a:cs typeface="+mn-cs"/>
-        </a:defRPr>
-      </a:lvl7pPr>
-      <a:lvl8pPr marL="3429000" indent="-228600" algn="l" defTabSz="457200" rtl="0" eaLnBrk="1" latinLnBrk="0" hangingPunct="1">
-        <a:spcBef>
-          <a:spcPct val="20000"/>
-        </a:spcBef>
-        <a:buFont typeface="Arial"/>
-        <a:buChar char="•"/>
-        <a:defRPr sz="2000" kern="1200">
-          <a:solidFill>
-            <a:schemeClr val="tx1"/>
-          </a:solidFill>
-          <a:latin typeface="+mn-lt"/>
-          <a:ea typeface="+mn-ea"/>
-          <a:cs typeface="+mn-cs"/>
-        </a:defRPr>
-      </a:lvl8pPr>
-      <a:lvl9pPr marL="3886200" indent="-228600" algn="l" defTabSz="457200" rtl="0" eaLnBrk="1" latinLnBrk="0" hangingPunct="1">
-        <a:spcBef>
-          <a:spcPct val="20000"/>
-        </a:spcBef>
-        <a:buFont typeface="Arial"/>
-        <a:buChar char="•"/>
-        <a:defRPr sz="2000" kern="1200">
-          <a:solidFill>
-            <a:schemeClr val="tx1"/>
-          </a:solidFill>
-          <a:latin typeface="+mn-lt"/>
-          <a:ea typeface="+mn-ea"/>
-          <a:cs typeface="+mn-cs"/>
-        </a:defRPr>
-      </a:lvl9pPr>
-    </p:bodyStyle>
-    <p:otherStyle>
-      <a:defPPr>
-        <a:defRPr lang="en-US"/>
-      </a:defPPr>
-      <a:lvl1pPr marL="0" algn="l" defTabSz="457200" rtl="0" eaLnBrk="1" latinLnBrk="0" hangingPunct="1">
-        <a:defRPr sz="1800" kern="1200">
-          <a:solidFill>
-            <a:schemeClr val="tx1"/>
-          </a:solidFill>
-          <a:latin typeface="+mn-lt"/>
-          <a:ea typeface="+mn-ea"/>
-          <a:cs typeface="+mn-cs"/>
-        </a:defRPr>
-      </a:lvl1pPr>
-      <a:lvl2pPr marL="457200" algn="l" defTabSz="457200" rtl="0" eaLnBrk="1" latinLnBrk="0" hangingPunct="1">
-        <a:defRPr sz="1800" kern="1200">
-          <a:solidFill>
-            <a:schemeClr val="tx1"/>
-          </a:solidFill>
-          <a:latin typeface="+mn-lt"/>
-          <a:ea typeface="+mn-ea"/>
-          <a:cs typeface="+mn-cs"/>
-        </a:defRPr>
-      </a:lvl2pPr>
-      <a:lvl3pPr marL="914400" algn="l" defTabSz="457200" rtl="0" eaLnBrk="1" latinLnBrk="0" hangingPunct="1">
-        <a:defRPr sz="1800" kern="1200">
-          <a:solidFill>
-            <a:schemeClr val="tx1"/>
-          </a:solidFill>
-          <a:latin typeface="+mn-lt"/>
-          <a:ea typeface="+mn-ea"/>
-          <a:cs typeface="+mn-cs"/>
-        </a:defRPr>
-      </a:lvl3pPr>
-      <a:lvl4pPr marL="1371600" algn="l" defTabSz="457200" rtl="0" eaLnBrk="1" latinLnBrk="0" hangingPunct="1">
-        <a:defRPr sz="1800" kern="1200">
-          <a:solidFill>
-            <a:schemeClr val="tx1"/>
-          </a:solidFill>
-          <a:latin typeface="+mn-lt"/>
-          <a:ea typeface="+mn-ea"/>
-          <a:cs typeface="+mn-cs"/>
-        </a:defRPr>
-      </a:lvl4pPr>
-      <a:lvl5pPr marL="1828800" algn="l" defTabSz="457200" rtl="0" eaLnBrk="1" latinLnBrk="0" hangingPunct="1">
-        <a:defRPr sz="1800" kern="1200">
-          <a:solidFill>
-            <a:schemeClr val="tx1"/>
-          </a:solidFill>
-          <a:latin typeface="+mn-lt"/>
-          <a:ea typeface="+mn-ea"/>
-          <a:cs typeface="+mn-cs"/>
-        </a:defRPr>
-      </a:lvl5pPr>
-      <a:lvl6pPr marL="2286000" algn="l" defTabSz="457200" rtl="0" eaLnBrk="1" latinLnBrk="0" hangingPunct="1">
-        <a:defRPr sz="1800" kern="1200">
-          <a:solidFill>
-            <a:schemeClr val="tx1"/>
-          </a:solidFill>
-          <a:latin typeface="+mn-lt"/>
-          <a:ea typeface="+mn-ea"/>
-          <a:cs typeface="+mn-cs"/>
-        </a:defRPr>
-      </a:lvl6pPr>
-      <a:lvl7pPr marL="2743200" algn="l" defTabSz="457200" rtl="0" eaLnBrk="1" latinLnBrk="0" hangingPunct="1">
-        <a:defRPr sz="1800" kern="1200">
-          <a:solidFill>
-            <a:schemeClr val="tx1"/>
-          </a:solidFill>
-          <a:latin typeface="+mn-lt"/>
-          <a:ea typeface="+mn-ea"/>
-          <a:cs typeface="+mn-cs"/>
-        </a:defRPr>
-      </a:lvl7pPr>
-      <a:lvl8pPr marL="3200400" algn="l" defTabSz="457200" rtl="0" eaLnBrk="1" latinLnBrk="0" hangingPunct="1">
-        <a:defRPr sz="1800" kern="1200">
-          <a:solidFill>
-            <a:schemeClr val="tx1"/>
-          </a:solidFill>
-          <a:latin typeface="+mn-lt"/>
-          <a:ea typeface="+mn-ea"/>
-          <a:cs typeface="+mn-cs"/>
-        </a:defRPr>
-      </a:lvl8pPr>
-      <a:lvl9pPr marL="3657600" algn="l" defTabSz="457200" rtl="0" eaLnBrk="1" latinLnBrk="0" hangingPunct="1">
-        <a:defRPr sz="1800" kern="1200">
-          <a:solidFill>
-            <a:schemeClr val="tx1"/>
-          </a:solidFill>
-          <a:latin typeface="+mn-lt"/>
-          <a:ea typeface="+mn-ea"/>
-          <a:cs typeface="+mn-cs"/>
-        </a:defRPr>
-      </a:lvl9pPr>
-    </p:otherStyle>
-  </p:txStyles>
-</p:sldMaster>
+</p:sldLayout>
 </file>
 
-<file path=ppt/slideMasters/slideMaster2.xml><?xml version="1.0" encoding="utf-8"?>
+<file path=ppt/slideLayouts/slideLayout8.xml><?xml version="1.0" encoding="utf-8"?>
+<p:sldLayout xmlns:a="http://schemas.openxmlformats.org/drawingml/2006/main" xmlns:r="http://schemas.openxmlformats.org/officeDocument/2006/relationships" xmlns:p="http://schemas.openxmlformats.org/presentationml/2006/main" preserve="1" userDrawn="1">
+  <p:cSld name=" Blank logo">
+    <p:spTree>
+      <p:nvGrpSpPr>
+        <p:cNvPr id="1" name=""/>
+        <p:cNvGrpSpPr/>
+        <p:nvPr/>
+      </p:nvGrpSpPr>
+      <p:grpSpPr>
+        <a:xfrm>
+          <a:off x="0" y="0"/>
+          <a:ext cx="0" cy="0"/>
+          <a:chOff x="0" y="0"/>
+          <a:chExt cx="0" cy="0"/>
+        </a:xfrm>
+      </p:grpSpPr>
+      <p:sp>
+        <p:nvSpPr>
+          <p:cNvPr id="5" name="Slide Number Placeholder 5"/>
+          <p:cNvSpPr>
+            <a:spLocks noGrp="1"/>
+          </p:cNvSpPr>
+          <p:nvPr>
+            <p:ph type="sldNum" sz="quarter" idx="12"/>
+          </p:nvPr>
+        </p:nvSpPr>
+        <p:spPr>
+          <a:xfrm>
+            <a:off x="48247" y="4861463"/>
+            <a:ext cx="373338" cy="273844"/>
+          </a:xfrm>
+          <a:prstGeom prst="rect">
+            <a:avLst/>
+          </a:prstGeom>
+        </p:spPr>
+        <p:txBody>
+          <a:bodyPr/>
+          <a:lstStyle>
+            <a:lvl1pPr>
+              <a:defRPr sz="900">
+                <a:solidFill>
+                  <a:schemeClr val="bg1">
+                    <a:lumMod val="65000"/>
+                  </a:schemeClr>
+                </a:solidFill>
+              </a:defRPr>
+            </a:lvl1pPr>
+          </a:lstStyle>
+          <a:p>
+            <a:fld id="{ADA07C09-8A41-3B46-A636-3955072BBB4F}" type="slidenum">
+              <a:rPr lang="en-US" smtClean="0">
+                <a:solidFill>
+                  <a:srgbClr val="FFFFFF">
+                    <a:lumMod val="65000"/>
+                  </a:srgbClr>
+                </a:solidFill>
+                <a:latin typeface="Arial"/>
+              </a:rPr>
+              <a:pPr/>
+              <a:t>‹#›</a:t>
+            </a:fld>
+            <a:endParaRPr lang="en-US">
+              <a:solidFill>
+                <a:srgbClr val="FFFFFF">
+                  <a:lumMod val="65000"/>
+                </a:srgbClr>
+              </a:solidFill>
+              <a:latin typeface="Arial"/>
+            </a:endParaRPr>
+          </a:p>
+        </p:txBody>
+      </p:sp>
+    </p:spTree>
+    <p:extLst>
+      <p:ext uri="{BB962C8B-B14F-4D97-AF65-F5344CB8AC3E}">
+        <p14:creationId xmlns:p14="http://schemas.microsoft.com/office/powerpoint/2010/main" val="3330276249"/>
+      </p:ext>
+    </p:extLst>
+  </p:cSld>
+  <p:clrMapOvr>
+    <a:masterClrMapping/>
+  </p:clrMapOvr>
+  <p:timing>
+    <p:tnLst>
+      <p:par>
+        <p:cTn xmlns:p14="http://schemas.microsoft.com/office/powerpoint/2010/main" id="1" dur="indefinite" restart="never" nodeType="tmRoot"/>
+      </p:par>
+    </p:tnLst>
+  </p:timing>
+</p:sldLayout>
+</file>
+
+<file path=ppt/slideLayouts/slideLayout9.xml><?xml version="1.0" encoding="utf-8"?>
+<p:sldLayout xmlns:a="http://schemas.openxmlformats.org/drawingml/2006/main" xmlns:r="http://schemas.openxmlformats.org/officeDocument/2006/relationships" xmlns:p="http://schemas.openxmlformats.org/presentationml/2006/main" userDrawn="1">
+  <p:cSld name="Title Only">
+    <p:spTree>
+      <p:nvGrpSpPr>
+        <p:cNvPr id="1" name=""/>
+        <p:cNvGrpSpPr/>
+        <p:nvPr/>
+      </p:nvGrpSpPr>
+      <p:grpSpPr>
+        <a:xfrm>
+          <a:off x="0" y="0"/>
+          <a:ext cx="0" cy="0"/>
+          <a:chOff x="0" y="0"/>
+          <a:chExt cx="0" cy="0"/>
+        </a:xfrm>
+      </p:grpSpPr>
+      <p:sp>
+        <p:nvSpPr>
+          <p:cNvPr id="4" name="Title 1"/>
+          <p:cNvSpPr>
+            <a:spLocks noGrp="1"/>
+          </p:cNvSpPr>
+          <p:nvPr>
+            <p:ph type="title" hasCustomPrompt="1"/>
+          </p:nvPr>
+        </p:nvSpPr>
+        <p:spPr bwMode="gray">
+          <a:xfrm>
+            <a:off x="366725" y="240820"/>
+            <a:ext cx="8410575" cy="460375"/>
+          </a:xfrm>
+          <a:prstGeom prst="rect">
+            <a:avLst/>
+          </a:prstGeom>
+          <a:noFill/>
+        </p:spPr>
+        <p:txBody>
+          <a:bodyPr lIns="0" tIns="0" rIns="0" bIns="0" anchor="t" anchorCtr="0"/>
+          <a:lstStyle>
+            <a:lvl1pPr>
+              <a:lnSpc>
+                <a:spcPct val="90000"/>
+              </a:lnSpc>
+              <a:defRPr sz="3200">
+                <a:solidFill>
+                  <a:schemeClr val="tx2"/>
+                </a:solidFill>
+                <a:latin typeface="Arial"/>
+                <a:cs typeface="Arial"/>
+              </a:defRPr>
+            </a:lvl1pPr>
+          </a:lstStyle>
+          <a:p>
+            <a:r>
+              <a:rPr lang="en-US" dirty="0" smtClean="0"/>
+              <a:t>Click to Edit Master Title Style</a:t>
+            </a:r>
+            <a:endParaRPr lang="en-US" dirty="0"/>
+          </a:p>
+        </p:txBody>
+      </p:sp>
+    </p:spTree>
+    <p:extLst>
+      <p:ext uri="{BB962C8B-B14F-4D97-AF65-F5344CB8AC3E}">
+        <p14:creationId xmlns:p14="http://schemas.microsoft.com/office/powerpoint/2010/main" val="808104405"/>
+      </p:ext>
+    </p:extLst>
+  </p:cSld>
+  <p:clrMapOvr>
+    <a:masterClrMapping/>
+  </p:clrMapOvr>
+  <p:transition xmlns:p14="http://schemas.microsoft.com/office/powerpoint/2010/main">
+    <p:fade/>
+  </p:transition>
+  <p:timing>
+    <p:tnLst>
+      <p:par>
+        <p:cTn xmlns:p14="http://schemas.microsoft.com/office/powerpoint/2010/main" id="1" dur="indefinite" restart="never" nodeType="tmRoot"/>
+      </p:par>
+    </p:tnLst>
+  </p:timing>
+</p:sldLayout>
+</file>
+
+<file path=ppt/slideMasters/slideMaster1.xml><?xml version="1.0" encoding="utf-8"?>
 <p:sldMaster xmlns:a="http://schemas.openxmlformats.org/drawingml/2006/main" xmlns:r="http://schemas.openxmlformats.org/officeDocument/2006/relationships" xmlns:p="http://schemas.openxmlformats.org/presentationml/2006/main">
   <p:cSld>
     <p:bg>
@@ -6066,7 +6830,7 @@
 </p:sldMaster>
 </file>
 
-<file path=ppt/slideMasters/slideMaster3.xml><?xml version="1.0" encoding="utf-8"?>
+<file path=ppt/slideMasters/slideMaster2.xml><?xml version="1.0" encoding="utf-8"?>
 <p:sldMaster xmlns:a="http://schemas.openxmlformats.org/drawingml/2006/main" xmlns:r="http://schemas.openxmlformats.org/officeDocument/2006/relationships" xmlns:p="http://schemas.openxmlformats.org/presentationml/2006/main" preserve="1">
   <p:cSld>
     <p:bg>
@@ -6100,7 +6864,7 @@
           <p:nvPr userDrawn="1"/>
         </p:nvPicPr>
         <p:blipFill>
-          <a:blip r:embed="rId9">
+          <a:blip r:embed="rId11">
             <a:extLst>
               <a:ext uri="{28A0092B-C50C-407E-A947-70E740481C1C}">
                 <a14:useLocalDpi xmlns:a14="http://schemas.microsoft.com/office/drawing/2010/main" val="0"/>
@@ -6137,6 +6901,8 @@
     <p:sldLayoutId id="2147483721" r:id="rId5"/>
     <p:sldLayoutId id="2147483722" r:id="rId6"/>
     <p:sldLayoutId id="2147483723" r:id="rId7"/>
+    <p:sldLayoutId id="2147483734" r:id="rId8"/>
+    <p:sldLayoutId id="2147483735" r:id="rId9"/>
   </p:sldLayoutIdLst>
   <p:timing>
     <p:tnLst>
@@ -6399,7 +7165,7 @@
 </p:sldMaster>
 </file>
 
-<file path=ppt/slideMasters/slideMaster4.xml><?xml version="1.0" encoding="utf-8"?>
+<file path=ppt/slideMasters/slideMaster3.xml><?xml version="1.0" encoding="utf-8"?>
 <p:sldMaster xmlns:a="http://schemas.openxmlformats.org/drawingml/2006/main" xmlns:r="http://schemas.openxmlformats.org/officeDocument/2006/relationships" xmlns:p="http://schemas.openxmlformats.org/presentationml/2006/main" preserve="1">
   <p:cSld>
     <p:bg>
@@ -7022,12 +7788,12 @@
 </p:sld>
 </file>
 
-<file path=ppt/slides/slide2.xml><?xml version="1.0" encoding="utf-8"?>
+<file path=ppt/slides/slide10.xml><?xml version="1.0" encoding="utf-8"?>
 <p:sld xmlns:a="http://schemas.openxmlformats.org/drawingml/2006/main" xmlns:r="http://schemas.openxmlformats.org/officeDocument/2006/relationships" xmlns:p="http://schemas.openxmlformats.org/presentationml/2006/main">
   <p:cSld>
     <p:spTree>
       <p:nvGrpSpPr>
-        <p:cNvPr id="1" name="Shape 194"/>
+        <p:cNvPr id="1" name=""/>
         <p:cNvGrpSpPr/>
         <p:nvPr/>
       </p:nvGrpSpPr>
@@ -7041,8 +7807,794 @@
       </p:grpSpPr>
       <p:sp>
         <p:nvSpPr>
-          <p:cNvPr id="195" name="Shape 195"/>
+          <p:cNvPr id="2" name="Title 1"/>
+          <p:cNvSpPr>
+            <a:spLocks noGrp="1"/>
+          </p:cNvSpPr>
+          <p:nvPr>
+            <p:ph type="title"/>
+          </p:nvPr>
+        </p:nvSpPr>
+        <p:spPr>
+          <a:xfrm>
+            <a:off x="35559" y="320040"/>
+            <a:ext cx="9052561" cy="363558"/>
+          </a:xfrm>
+        </p:spPr>
+        <p:txBody>
+          <a:bodyPr/>
+          <a:lstStyle/>
+          <a:p>
+            <a:r>
+              <a:rPr lang="en-US" dirty="0" smtClean="0"/>
+              <a:t>Spring Cloud Services: </a:t>
+            </a:r>
+            <a:r>
+              <a:rPr lang="en-US" dirty="0" smtClean="0"/>
+              <a:t>Hystrix Dashboard</a:t>
+            </a:r>
+            <a:endParaRPr lang="en-US" dirty="0">
+              <a:solidFill>
+                <a:srgbClr val="138A7E"/>
+              </a:solidFill>
+            </a:endParaRPr>
+          </a:p>
+        </p:txBody>
+      </p:sp>
+      <p:sp>
+        <p:nvSpPr>
+          <p:cNvPr id="5" name="TextBox 4"/>
+          <p:cNvSpPr txBox="1"/>
+          <p:nvPr/>
+        </p:nvSpPr>
+        <p:spPr>
+          <a:xfrm>
+            <a:off x="142240" y="1209040"/>
+            <a:ext cx="4612640" cy="3170099"/>
+          </a:xfrm>
+          <a:prstGeom prst="rect">
+            <a:avLst/>
+          </a:prstGeom>
+          <a:noFill/>
+        </p:spPr>
+        <p:txBody>
+          <a:bodyPr wrap="square" rtlCol="0">
+            <a:spAutoFit/>
+          </a:bodyPr>
+          <a:lstStyle/>
+          <a:p>
+            <a:pPr marL="285750" lvl="0" indent="-285750" fontAlgn="base">
+              <a:buFont typeface="Arial"/>
+              <a:buChar char="•"/>
+            </a:pPr>
+            <a:r>
+              <a:rPr lang="en-US" dirty="0" smtClean="0">
+                <a:solidFill>
+                  <a:srgbClr val="FFFFFF"/>
+                </a:solidFill>
+              </a:rPr>
+              <a:t>Automated deployment </a:t>
+            </a:r>
+            <a:r>
+              <a:rPr lang="en-US" dirty="0" smtClean="0">
+                <a:solidFill>
+                  <a:srgbClr val="FFFFFF"/>
+                </a:solidFill>
+              </a:rPr>
+              <a:t>dashboard + Turbine + RabbitMQ</a:t>
+            </a:r>
+            <a:endParaRPr lang="en-US" dirty="0" smtClean="0">
+              <a:solidFill>
+                <a:srgbClr val="FFFFFF"/>
+              </a:solidFill>
+            </a:endParaRPr>
+          </a:p>
+          <a:p>
+            <a:pPr marL="285750" lvl="0" indent="-285750" fontAlgn="base">
+              <a:buFont typeface="Arial"/>
+              <a:buChar char="•"/>
+            </a:pPr>
+            <a:endParaRPr lang="en-US" dirty="0">
+              <a:solidFill>
+                <a:srgbClr val="FFFFFF"/>
+              </a:solidFill>
+            </a:endParaRPr>
+          </a:p>
+          <a:p>
+            <a:pPr marL="285750" lvl="0" indent="-285750" fontAlgn="base">
+              <a:buFont typeface="Arial"/>
+              <a:buChar char="•"/>
+            </a:pPr>
+            <a:r>
+              <a:rPr lang="en-US" dirty="0" smtClean="0">
+                <a:solidFill>
+                  <a:srgbClr val="FFFFFF"/>
+                </a:solidFill>
+              </a:rPr>
+              <a:t>Bind service into app</a:t>
+            </a:r>
+            <a:endParaRPr lang="en-US" dirty="0" smtClean="0">
+              <a:solidFill>
+                <a:srgbClr val="FFFFFF"/>
+              </a:solidFill>
+            </a:endParaRPr>
+          </a:p>
+          <a:p>
+            <a:pPr marL="285750" lvl="0" indent="-285750" fontAlgn="base">
+              <a:buFont typeface="Arial"/>
+              <a:buChar char="•"/>
+            </a:pPr>
+            <a:endParaRPr lang="en-US" dirty="0">
+              <a:solidFill>
+                <a:srgbClr val="FFFFFF"/>
+              </a:solidFill>
+            </a:endParaRPr>
+          </a:p>
+          <a:p>
+            <a:pPr marL="285750" lvl="0" indent="-285750" fontAlgn="base">
+              <a:buFont typeface="Arial"/>
+              <a:buChar char="•"/>
+            </a:pPr>
+            <a:r>
+              <a:rPr lang="en-US" dirty="0" smtClean="0">
+                <a:solidFill>
+                  <a:srgbClr val="FFFFFF"/>
+                </a:solidFill>
+              </a:rPr>
+              <a:t>Include starter dependency in app</a:t>
+            </a:r>
+          </a:p>
+          <a:p>
+            <a:pPr marL="285750" lvl="0" indent="-285750" fontAlgn="base">
+              <a:buFont typeface="Arial"/>
+              <a:buChar char="•"/>
+            </a:pPr>
+            <a:endParaRPr lang="en-US" dirty="0">
+              <a:solidFill>
+                <a:srgbClr val="FFFFFF"/>
+              </a:solidFill>
+            </a:endParaRPr>
+          </a:p>
+          <a:p>
+            <a:r>
+              <a:rPr lang="en-US" sz="1000" b="1" dirty="0">
+                <a:solidFill>
+                  <a:srgbClr val="008774"/>
+                </a:solidFill>
+                <a:latin typeface="Courier New"/>
+                <a:cs typeface="Courier New"/>
+              </a:rPr>
+              <a:t>&lt;dependency</a:t>
+            </a:r>
+            <a:r>
+              <a:rPr lang="en-US" sz="1000" b="1" dirty="0" smtClean="0">
+                <a:solidFill>
+                  <a:srgbClr val="008774"/>
+                </a:solidFill>
+                <a:latin typeface="Courier New"/>
+                <a:cs typeface="Courier New"/>
+              </a:rPr>
+              <a:t>&gt;</a:t>
+            </a:r>
+          </a:p>
+          <a:p>
+            <a:r>
+              <a:rPr lang="en-US" sz="1000" b="1" dirty="0" smtClean="0">
+                <a:solidFill>
+                  <a:srgbClr val="008774"/>
+                </a:solidFill>
+                <a:latin typeface="Courier New"/>
+                <a:cs typeface="Courier New"/>
+              </a:rPr>
+              <a:t>   </a:t>
+            </a:r>
+            <a:r>
+              <a:rPr lang="en-US" sz="1000" b="1" dirty="0">
+                <a:solidFill>
+                  <a:srgbClr val="008774"/>
+                </a:solidFill>
+                <a:latin typeface="Courier New"/>
+                <a:cs typeface="Courier New"/>
+              </a:rPr>
+              <a:t>&lt;groupId&gt;io.pivotal.spring.cloud&lt;/groupId&gt;  </a:t>
+            </a:r>
+            <a:endParaRPr lang="en-US" sz="1000" b="1" dirty="0" smtClean="0">
+              <a:solidFill>
+                <a:srgbClr val="008774"/>
+              </a:solidFill>
+              <a:latin typeface="Courier New"/>
+              <a:cs typeface="Courier New"/>
+            </a:endParaRPr>
+          </a:p>
+          <a:p>
+            <a:r>
+              <a:rPr lang="en-US" sz="1000" b="1" dirty="0" smtClean="0">
+                <a:solidFill>
+                  <a:srgbClr val="008774"/>
+                </a:solidFill>
+                <a:latin typeface="Courier New"/>
+                <a:cs typeface="Courier New"/>
+              </a:rPr>
+              <a:t>   &lt;</a:t>
+            </a:r>
+            <a:r>
+              <a:rPr lang="en-US" sz="1000" b="1" dirty="0">
+                <a:solidFill>
+                  <a:srgbClr val="008774"/>
+                </a:solidFill>
+                <a:latin typeface="Courier New"/>
+                <a:cs typeface="Courier New"/>
+              </a:rPr>
+              <a:t>artifactId&gt;spring-cloud-services-starter</a:t>
+            </a:r>
+            <a:r>
+              <a:rPr lang="en-US" sz="1000" b="1" dirty="0" smtClean="0">
+                <a:solidFill>
+                  <a:srgbClr val="008774"/>
+                </a:solidFill>
+                <a:latin typeface="Courier New"/>
+                <a:cs typeface="Courier New"/>
+              </a:rPr>
+              <a:t>-circuit-</a:t>
+            </a:r>
+          </a:p>
+          <a:p>
+            <a:r>
+              <a:rPr lang="en-US" sz="1000" b="1" dirty="0">
+                <a:solidFill>
+                  <a:srgbClr val="008774"/>
+                </a:solidFill>
+                <a:latin typeface="Courier New"/>
+                <a:cs typeface="Courier New"/>
+              </a:rPr>
+              <a:t> </a:t>
+            </a:r>
+            <a:r>
+              <a:rPr lang="en-US" sz="1000" b="1" dirty="0" smtClean="0">
+                <a:solidFill>
+                  <a:srgbClr val="008774"/>
+                </a:solidFill>
+                <a:latin typeface="Courier New"/>
+                <a:cs typeface="Courier New"/>
+              </a:rPr>
+              <a:t>              breaker</a:t>
+            </a:r>
+            <a:r>
+              <a:rPr lang="en-US" sz="1000" b="1" dirty="0">
+                <a:solidFill>
+                  <a:srgbClr val="008774"/>
+                </a:solidFill>
+                <a:latin typeface="Courier New"/>
+                <a:cs typeface="Courier New"/>
+              </a:rPr>
+              <a:t>&lt;/artifactId</a:t>
+            </a:r>
+            <a:r>
+              <a:rPr lang="en-US" sz="1000" b="1" dirty="0" smtClean="0">
+                <a:solidFill>
+                  <a:srgbClr val="008774"/>
+                </a:solidFill>
+                <a:latin typeface="Courier New"/>
+                <a:cs typeface="Courier New"/>
+              </a:rPr>
+              <a:t>&gt;</a:t>
+            </a:r>
+          </a:p>
+          <a:p>
+            <a:r>
+              <a:rPr lang="en-US" sz="1000" b="1" dirty="0" smtClean="0">
+                <a:solidFill>
+                  <a:srgbClr val="008774"/>
+                </a:solidFill>
+                <a:latin typeface="Courier New"/>
+                <a:cs typeface="Courier New"/>
+              </a:rPr>
+              <a:t>&lt;</a:t>
+            </a:r>
+            <a:r>
+              <a:rPr lang="en-US" sz="1000" b="1" dirty="0">
+                <a:solidFill>
+                  <a:srgbClr val="008774"/>
+                </a:solidFill>
+                <a:latin typeface="Courier New"/>
+                <a:cs typeface="Courier New"/>
+              </a:rPr>
+              <a:t>/dependency</a:t>
+            </a:r>
+            <a:r>
+              <a:rPr lang="en-US" sz="1000" b="1" dirty="0" smtClean="0">
+                <a:solidFill>
+                  <a:srgbClr val="008774"/>
+                </a:solidFill>
+                <a:latin typeface="Courier New"/>
+                <a:cs typeface="Courier New"/>
+              </a:rPr>
+              <a:t>&gt;</a:t>
+            </a:r>
+          </a:p>
+          <a:p>
+            <a:pPr lvl="0" fontAlgn="base"/>
+            <a:endParaRPr lang="en-US" sz="1200" dirty="0" smtClean="0">
+              <a:solidFill>
+                <a:srgbClr val="FFFFFF"/>
+              </a:solidFill>
+              <a:latin typeface="Courier New"/>
+              <a:cs typeface="Courier New"/>
+            </a:endParaRPr>
+          </a:p>
+          <a:p>
+            <a:pPr lvl="0" fontAlgn="base"/>
+            <a:endParaRPr lang="en-US" sz="1200" dirty="0">
+              <a:solidFill>
+                <a:srgbClr val="FFFFFF"/>
+              </a:solidFill>
+              <a:latin typeface="Courier New"/>
+              <a:cs typeface="Courier New"/>
+            </a:endParaRPr>
+          </a:p>
+        </p:txBody>
+      </p:sp>
+      <p:pic>
+        <p:nvPicPr>
+          <p:cNvPr id="4" name="Picture 3"/>
+          <p:cNvPicPr>
+            <a:picLocks noChangeAspect="1"/>
+          </p:cNvPicPr>
+          <p:nvPr/>
+        </p:nvPicPr>
+        <p:blipFill>
+          <a:blip r:embed="rId3"/>
+          <a:stretch>
+            <a:fillRect/>
+          </a:stretch>
+        </p:blipFill>
+        <p:spPr>
+          <a:xfrm>
+            <a:off x="4975297" y="1016000"/>
+            <a:ext cx="3757368" cy="2938780"/>
+          </a:xfrm>
+          <a:prstGeom prst="rect">
+            <a:avLst/>
+          </a:prstGeom>
+        </p:spPr>
+      </p:pic>
+    </p:spTree>
+    <p:extLst>
+      <p:ext uri="{BB962C8B-B14F-4D97-AF65-F5344CB8AC3E}">
+        <p14:creationId xmlns:p14="http://schemas.microsoft.com/office/powerpoint/2010/main" val="2933864667"/>
+      </p:ext>
+    </p:extLst>
+  </p:cSld>
+  <p:clrMapOvr>
+    <a:masterClrMapping/>
+  </p:clrMapOvr>
+  <mc:AlternateContent xmlns:mc="http://schemas.openxmlformats.org/markup-compatibility/2006" xmlns:p14="http://schemas.microsoft.com/office/powerpoint/2010/main">
+    <mc:Choice Requires="p14">
+      <p:transition spd="slow" p14:dur="2000"/>
+    </mc:Choice>
+    <mc:Fallback xmlns="">
+      <p:transition xmlns:p14="http://schemas.microsoft.com/office/powerpoint/2010/main" spd="slow"/>
+    </mc:Fallback>
+  </mc:AlternateContent>
+  <p:timing>
+    <p:tnLst>
+      <p:par>
+        <p:cTn xmlns:p14="http://schemas.microsoft.com/office/powerpoint/2010/main" id="1" dur="indefinite" restart="never" nodeType="tmRoot"/>
+      </p:par>
+    </p:tnLst>
+  </p:timing>
+</p:sld>
+</file>
+
+<file path=ppt/slides/slide11.xml><?xml version="1.0" encoding="utf-8"?>
+<p:sld xmlns:a="http://schemas.openxmlformats.org/drawingml/2006/main" xmlns:r="http://schemas.openxmlformats.org/officeDocument/2006/relationships" xmlns:p="http://schemas.openxmlformats.org/presentationml/2006/main">
+  <p:cSld>
+    <p:spTree>
+      <p:nvGrpSpPr>
+        <p:cNvPr id="1" name=""/>
+        <p:cNvGrpSpPr/>
+        <p:nvPr/>
+      </p:nvGrpSpPr>
+      <p:grpSpPr>
+        <a:xfrm>
+          <a:off x="0" y="0"/>
+          <a:ext cx="0" cy="0"/>
+          <a:chOff x="0" y="0"/>
+          <a:chExt cx="0" cy="0"/>
+        </a:xfrm>
+      </p:grpSpPr>
+      <p:pic>
+        <p:nvPicPr>
+          <p:cNvPr id="19" name="Picture 18" descr="Stocksy_txp157cab05rEJ000_Medium_423382.jpg"/>
+          <p:cNvPicPr>
+            <a:picLocks noChangeAspect="1"/>
+          </p:cNvPicPr>
+          <p:nvPr/>
+        </p:nvPicPr>
+        <p:blipFill>
+          <a:blip r:embed="rId3"/>
+          <a:srcRect t="15584"/>
+          <a:stretch>
+            <a:fillRect/>
+          </a:stretch>
+        </p:blipFill>
+        <p:spPr>
+          <a:xfrm>
+            <a:off x="0" y="0"/>
+            <a:ext cx="9144000" cy="5143500"/>
+          </a:xfrm>
+          <a:prstGeom prst="rect">
+            <a:avLst/>
+          </a:prstGeom>
+        </p:spPr>
+      </p:pic>
+      <p:sp>
+        <p:nvSpPr>
+          <p:cNvPr id="20" name="Rectangle 19"/>
+          <p:cNvSpPr/>
+          <p:nvPr/>
+        </p:nvSpPr>
+        <p:spPr>
+          <a:xfrm>
+            <a:off x="0" y="0"/>
+            <a:ext cx="9144000" cy="5143500"/>
+          </a:xfrm>
+          <a:prstGeom prst="rect">
+            <a:avLst/>
+          </a:prstGeom>
+          <a:gradFill flip="none" rotWithShape="1">
+            <a:gsLst>
+              <a:gs pos="8000">
+                <a:srgbClr val="000000">
+                  <a:alpha val="0"/>
+                </a:srgbClr>
+              </a:gs>
+              <a:gs pos="54000">
+                <a:srgbClr val="000000">
+                  <a:alpha val="86000"/>
+                </a:srgbClr>
+              </a:gs>
+              <a:gs pos="83000">
+                <a:srgbClr val="000000">
+                  <a:alpha val="89000"/>
+                </a:srgbClr>
+              </a:gs>
+            </a:gsLst>
+            <a:lin ang="16500000" scaled="0"/>
+            <a:tileRect/>
+          </a:gradFill>
+          <a:ln w="44450" cap="flat" cmpd="sng" algn="ctr">
+            <a:noFill/>
+            <a:prstDash val="solid"/>
+            <a:round/>
+            <a:headEnd type="none" w="med" len="med"/>
+            <a:tailEnd type="none" w="med" len="med"/>
+          </a:ln>
+          <a:effectLst/>
+        </p:spPr>
+        <p:txBody>
+          <a:bodyPr lIns="68579" tIns="34289" rIns="68579" bIns="34289" rtlCol="0" anchor="ctr"/>
+          <a:lstStyle/>
+          <a:p>
+            <a:pPr algn="ctr">
+              <a:defRPr/>
+            </a:pPr>
+            <a:endParaRPr lang="en-US" kern="0">
+              <a:solidFill>
+                <a:srgbClr val="FFFFFF"/>
+              </a:solidFill>
+            </a:endParaRPr>
+          </a:p>
+        </p:txBody>
+      </p:sp>
+      <p:cxnSp>
+        <p:nvCxnSpPr>
+          <p:cNvPr id="40" name="Straight Connector 39"/>
+          <p:cNvCxnSpPr/>
+          <p:nvPr/>
+        </p:nvCxnSpPr>
+        <p:spPr>
+          <a:xfrm>
+            <a:off x="596900" y="2111130"/>
+            <a:ext cx="7848600" cy="1588"/>
+          </a:xfrm>
+          <a:prstGeom prst="line">
+            <a:avLst/>
+          </a:prstGeom>
+          <a:ln w="22225" cap="flat" cmpd="sng" algn="ctr">
+            <a:gradFill flip="none" rotWithShape="1">
+              <a:gsLst>
+                <a:gs pos="0">
+                  <a:schemeClr val="accent1">
+                    <a:alpha val="0"/>
+                  </a:schemeClr>
+                </a:gs>
+                <a:gs pos="100000">
+                  <a:schemeClr val="bg2">
+                    <a:alpha val="0"/>
+                  </a:schemeClr>
+                </a:gs>
+                <a:gs pos="49000">
+                  <a:schemeClr val="accent1"/>
+                </a:gs>
+              </a:gsLst>
+              <a:path path="circle">
+                <a:fillToRect l="100000" t="100000"/>
+              </a:path>
+              <a:tileRect r="-100000" b="-100000"/>
+            </a:gradFill>
+            <a:prstDash val="solid"/>
+            <a:round/>
+            <a:headEnd type="none" w="med" len="med"/>
+            <a:tailEnd type="none" w="med" len="med"/>
+          </a:ln>
+        </p:spPr>
+        <p:style>
+          <a:lnRef idx="2">
+            <a:schemeClr val="accent1"/>
+          </a:lnRef>
+          <a:fillRef idx="0">
+            <a:schemeClr val="accent1"/>
+          </a:fillRef>
+          <a:effectRef idx="1">
+            <a:schemeClr val="accent1"/>
+          </a:effectRef>
+          <a:fontRef idx="minor">
+            <a:schemeClr val="tx1"/>
+          </a:fontRef>
+        </p:style>
+      </p:cxnSp>
+      <p:cxnSp>
+        <p:nvCxnSpPr>
+          <p:cNvPr id="41" name="Straight Connector 40"/>
+          <p:cNvCxnSpPr/>
+          <p:nvPr/>
+        </p:nvCxnSpPr>
+        <p:spPr>
+          <a:xfrm>
+            <a:off x="596900" y="3428754"/>
+            <a:ext cx="7848600" cy="1588"/>
+          </a:xfrm>
+          <a:prstGeom prst="line">
+            <a:avLst/>
+          </a:prstGeom>
+          <a:ln w="22225" cap="flat" cmpd="sng" algn="ctr">
+            <a:gradFill flip="none" rotWithShape="1">
+              <a:gsLst>
+                <a:gs pos="0">
+                  <a:schemeClr val="accent1">
+                    <a:alpha val="0"/>
+                  </a:schemeClr>
+                </a:gs>
+                <a:gs pos="100000">
+                  <a:schemeClr val="bg2">
+                    <a:alpha val="0"/>
+                  </a:schemeClr>
+                </a:gs>
+                <a:gs pos="49000">
+                  <a:schemeClr val="accent1"/>
+                </a:gs>
+              </a:gsLst>
+              <a:path path="circle">
+                <a:fillToRect l="100000" t="100000"/>
+              </a:path>
+              <a:tileRect r="-100000" b="-100000"/>
+            </a:gradFill>
+            <a:prstDash val="solid"/>
+            <a:round/>
+            <a:headEnd type="none" w="med" len="med"/>
+            <a:tailEnd type="none" w="med" len="med"/>
+          </a:ln>
+        </p:spPr>
+        <p:style>
+          <a:lnRef idx="2">
+            <a:schemeClr val="accent1"/>
+          </a:lnRef>
+          <a:fillRef idx="0">
+            <a:schemeClr val="accent1"/>
+          </a:fillRef>
+          <a:effectRef idx="1">
+            <a:schemeClr val="accent1"/>
+          </a:effectRef>
+          <a:fontRef idx="minor">
+            <a:schemeClr val="tx1"/>
+          </a:fontRef>
+        </p:style>
+      </p:cxnSp>
+      <p:sp>
+        <p:nvSpPr>
+          <p:cNvPr id="18" name="Shape 1014"/>
           <p:cNvSpPr txBox="1">
+            <a:spLocks/>
+          </p:cNvSpPr>
+          <p:nvPr/>
+        </p:nvSpPr>
+        <p:spPr>
+          <a:xfrm>
+            <a:off x="1820794" y="1336859"/>
+            <a:ext cx="5209487" cy="460500"/>
+          </a:xfrm>
+          <a:prstGeom prst="rect">
+            <a:avLst/>
+          </a:prstGeom>
+          <a:noFill/>
+          <a:ln>
+            <a:noFill/>
+          </a:ln>
+        </p:spPr>
+        <p:txBody>
+          <a:bodyPr lIns="0" tIns="0" rIns="0" bIns="0" anchor="t" anchorCtr="0">
+            <a:noAutofit/>
+          </a:bodyPr>
+          <a:lstStyle/>
+          <a:p>
+            <a:pPr algn="dist">
+              <a:lnSpc>
+                <a:spcPct val="90000"/>
+              </a:lnSpc>
+              <a:buSzPct val="25000"/>
+              <a:defRPr/>
+            </a:pPr>
+            <a:endParaRPr lang="en" sz="4500" b="1" kern="0" cap="all" dirty="0">
+              <a:solidFill>
+                <a:srgbClr val="008881"/>
+              </a:solidFill>
+              <a:ea typeface="Arial"/>
+              <a:cs typeface="Arial"/>
+              <a:sym typeface="Arial"/>
+            </a:endParaRPr>
+          </a:p>
+        </p:txBody>
+      </p:sp>
+      <p:sp>
+        <p:nvSpPr>
+          <p:cNvPr id="10" name="Shape 1163"/>
+          <p:cNvSpPr txBox="1">
+            <a:spLocks/>
+          </p:cNvSpPr>
+          <p:nvPr/>
+        </p:nvSpPr>
+        <p:spPr bwMode="gray">
+          <a:xfrm>
+            <a:off x="205956" y="2513670"/>
+            <a:ext cx="8410499" cy="460500"/>
+          </a:xfrm>
+          <a:prstGeom prst="rect">
+            <a:avLst/>
+          </a:prstGeom>
+          <a:noFill/>
+          <a:ln>
+            <a:noFill/>
+          </a:ln>
+        </p:spPr>
+        <p:txBody>
+          <a:bodyPr lIns="0" tIns="0" rIns="0" bIns="0" anchor="t" anchorCtr="0">
+            <a:noAutofit/>
+          </a:bodyPr>
+          <a:lstStyle>
+            <a:defPPr marR="0" algn="l" rtl="0">
+              <a:lnSpc>
+                <a:spcPct val="100000"/>
+              </a:lnSpc>
+              <a:spcBef>
+                <a:spcPts val="0"/>
+              </a:spcBef>
+              <a:spcAft>
+                <a:spcPts val="0"/>
+              </a:spcAft>
+            </a:defPPr>
+            <a:lvl1pPr marR="0" algn="l" rtl="0">
+              <a:lnSpc>
+                <a:spcPct val="90000"/>
+              </a:lnSpc>
+              <a:spcBef>
+                <a:spcPts val="0"/>
+              </a:spcBef>
+              <a:spcAft>
+                <a:spcPts val="0"/>
+              </a:spcAft>
+              <a:buNone/>
+              <a:defRPr sz="3200" b="0" i="0" u="none" strike="noStrike" cap="none" baseline="0">
+                <a:solidFill>
+                  <a:schemeClr val="tx2"/>
+                </a:solidFill>
+                <a:latin typeface="Arial"/>
+                <a:ea typeface="Arial"/>
+                <a:cs typeface="Arial"/>
+                <a:sym typeface="Arial"/>
+              </a:defRPr>
+            </a:lvl1pPr>
+            <a:lvl2pPr marR="0" algn="l" rtl="0">
+              <a:lnSpc>
+                <a:spcPct val="100000"/>
+              </a:lnSpc>
+              <a:spcBef>
+                <a:spcPts val="0"/>
+              </a:spcBef>
+              <a:spcAft>
+                <a:spcPts val="0"/>
+              </a:spcAft>
+              <a:buNone/>
+              <a:defRPr sz="1400" b="0" i="0" u="none" strike="noStrike" cap="none" baseline="0">
+                <a:solidFill>
+                  <a:srgbClr val="000000"/>
+                </a:solidFill>
+                <a:latin typeface="Arial"/>
+                <a:ea typeface="Arial"/>
+                <a:cs typeface="Arial"/>
+                <a:sym typeface="Arial"/>
+              </a:defRPr>
+            </a:lvl2pPr>
+          </a:lstStyle>
+          <a:p>
+            <a:pPr algn="ctr">
+              <a:buSzPct val="25000"/>
+            </a:pPr>
+            <a:r>
+              <a:rPr lang="en-US" b="1" cap="all" dirty="0" smtClean="0">
+                <a:solidFill>
+                  <a:srgbClr val="74CEC7"/>
+                </a:solidFill>
+              </a:rPr>
+              <a:t>Lab</a:t>
+            </a:r>
+            <a:endParaRPr lang="en" sz="2100" b="1" cap="all" dirty="0">
+              <a:solidFill>
+                <a:srgbClr val="74CEC7"/>
+              </a:solidFill>
+            </a:endParaRPr>
+          </a:p>
+        </p:txBody>
+      </p:sp>
+    </p:spTree>
+    <p:extLst>
+      <p:ext uri="{BB962C8B-B14F-4D97-AF65-F5344CB8AC3E}">
+        <p14:creationId xmlns:p14="http://schemas.microsoft.com/office/powerpoint/2010/main" val="105474525"/>
+      </p:ext>
+    </p:extLst>
+  </p:cSld>
+  <p:clrMapOvr>
+    <a:masterClrMapping/>
+  </p:clrMapOvr>
+  <mc:AlternateContent xmlns:mc="http://schemas.openxmlformats.org/markup-compatibility/2006" xmlns:p14="http://schemas.microsoft.com/office/powerpoint/2010/main">
+    <mc:Choice Requires="p14">
+      <p:transition p14:dur="0"/>
+    </mc:Choice>
+    <mc:Fallback xmlns="">
+      <p:transition xmlns:p14="http://schemas.microsoft.com/office/powerpoint/2010/main"/>
+    </mc:Fallback>
+  </mc:AlternateContent>
+  <p:timing>
+    <p:tnLst>
+      <p:par>
+        <p:cTn xmlns:p14="http://schemas.microsoft.com/office/powerpoint/2010/main" id="1" dur="indefinite" restart="never" nodeType="tmRoot"/>
+      </p:par>
+    </p:tnLst>
+  </p:timing>
+</p:sld>
+</file>
+
+<file path=ppt/slides/slide2.xml><?xml version="1.0" encoding="utf-8"?>
+<p:sld xmlns:a="http://schemas.openxmlformats.org/drawingml/2006/main" xmlns:r="http://schemas.openxmlformats.org/officeDocument/2006/relationships" xmlns:p="http://schemas.openxmlformats.org/presentationml/2006/main">
+  <p:cSld>
+    <p:spTree>
+      <p:nvGrpSpPr>
+        <p:cNvPr id="1" name=""/>
+        <p:cNvGrpSpPr/>
+        <p:nvPr/>
+      </p:nvGrpSpPr>
+      <p:grpSpPr>
+        <a:xfrm>
+          <a:off x="0" y="0"/>
+          <a:ext cx="0" cy="0"/>
+          <a:chOff x="0" y="0"/>
+          <a:chExt cx="0" cy="0"/>
+        </a:xfrm>
+      </p:grpSpPr>
+      <p:sp>
+        <p:nvSpPr>
+          <p:cNvPr id="2" name="Title 1"/>
+          <p:cNvSpPr>
             <a:spLocks noGrp="1"/>
           </p:cNvSpPr>
           <p:nvPr>
@@ -7054,134 +8606,2281 @@
           <a:bodyPr/>
           <a:lstStyle/>
           <a:p>
-            <a:pPr lvl="0"/>
-            <a:r>
-              <a:rPr lang="en-US" sz="3200" b="0" smtClean="0">
-                <a:solidFill>
-                  <a:schemeClr val="accent1"/>
-                </a:solidFill>
-                <a:sym typeface="Arial"/>
-              </a:rPr>
-              <a:t>Workshop Agenda</a:t>
-            </a:r>
-            <a:endParaRPr lang="en-US" sz="3200" b="0" dirty="0">
-              <a:solidFill>
-                <a:schemeClr val="accent1"/>
-              </a:solidFill>
-              <a:sym typeface="Arial"/>
-            </a:endParaRPr>
+            <a:r>
+              <a:rPr lang="en-US" dirty="0" smtClean="0"/>
+              <a:t>Fault Tolerance</a:t>
+            </a:r>
+            <a:endParaRPr lang="en-US" dirty="0"/>
           </a:p>
         </p:txBody>
       </p:sp>
       <p:sp>
         <p:nvSpPr>
-          <p:cNvPr id="196" name="Shape 196"/>
-          <p:cNvSpPr txBox="1">
+          <p:cNvPr id="3" name="Content Placeholder 2"/>
+          <p:cNvSpPr>
             <a:spLocks noGrp="1"/>
           </p:cNvSpPr>
           <p:nvPr>
-            <p:ph type="body" sz="quarter" idx="13"/>
+            <p:ph sz="quarter" idx="10"/>
           </p:nvPr>
         </p:nvSpPr>
-        <p:spPr>
-          <a:xfrm>
-            <a:off x="431800" y="624362"/>
-            <a:ext cx="8551408" cy="3848609"/>
-          </a:xfrm>
-        </p:spPr>
+        <p:spPr/>
         <p:txBody>
           <a:bodyPr/>
           <a:lstStyle/>
           <a:p>
-            <a:pPr marL="514350" lvl="0" indent="-514350">
-              <a:buClr>
-                <a:srgbClr val="008774"/>
-              </a:buClr>
-              <a:buFont typeface="+mj-lt"/>
-              <a:buAutoNum type="arabicPeriod"/>
+            <a:r>
+              <a:rPr lang="en-US" sz="1800" dirty="0"/>
+              <a:t>One failure must not cause a cascading failure across the entire system</a:t>
+            </a:r>
+            <a:r>
+              <a:rPr lang="en-US" sz="1800" dirty="0" smtClean="0"/>
+              <a:t>.</a:t>
+            </a:r>
+          </a:p>
+          <a:p>
+            <a:pPr marL="0" indent="0">
+              <a:buNone/>
             </a:pPr>
-            <a:endParaRPr lang="en-US" sz="2800" dirty="0" smtClean="0">
-              <a:solidFill>
-                <a:schemeClr val="accent6"/>
-              </a:solidFill>
-              <a:sym typeface="Arial"/>
-            </a:endParaRPr>
-          </a:p>
-          <a:p>
-            <a:pPr marL="514350" lvl="0" indent="-514350">
-              <a:buClr>
-                <a:srgbClr val="008774"/>
-              </a:buClr>
-              <a:buFont typeface="+mj-lt"/>
-              <a:buAutoNum type="arabicPeriod"/>
+            <a:endParaRPr lang="en-US" sz="1800" dirty="0"/>
+          </a:p>
+          <a:p>
+            <a:r>
+              <a:rPr lang="en-US" sz="1800" dirty="0"/>
+              <a:t>For example, for an application that depends on 30 services where each service has 99.99% uptime, here is what you can expect</a:t>
+            </a:r>
+            <a:r>
+              <a:rPr lang="en-US" sz="1800" dirty="0" smtClean="0"/>
+              <a:t>:</a:t>
+            </a:r>
+            <a:br>
+              <a:rPr lang="en-US" sz="1800" dirty="0" smtClean="0"/>
+            </a:br>
+            <a:r>
+              <a:rPr lang="en-US" sz="1600" dirty="0" smtClean="0">
+                <a:solidFill>
+                  <a:schemeClr val="accent2"/>
+                </a:solidFill>
+                <a:latin typeface="Courier New"/>
+                <a:cs typeface="Courier New"/>
+              </a:rPr>
+              <a:t>  99.99</a:t>
+            </a:r>
+            <a:r>
+              <a:rPr lang="en-US" sz="1600" dirty="0">
+                <a:solidFill>
+                  <a:schemeClr val="accent2"/>
+                </a:solidFill>
+                <a:latin typeface="Courier New"/>
+                <a:cs typeface="Courier New"/>
+              </a:rPr>
+              <a:t>^30 = 99.7% </a:t>
+            </a:r>
+            <a:r>
+              <a:rPr lang="en-US" sz="1600" dirty="0" smtClean="0">
+                <a:solidFill>
+                  <a:schemeClr val="accent2"/>
+                </a:solidFill>
+                <a:latin typeface="Courier New"/>
+                <a:cs typeface="Courier New"/>
+              </a:rPr>
+              <a:t>uptime</a:t>
+            </a:r>
+            <a:br>
+              <a:rPr lang="en-US" sz="1600" dirty="0" smtClean="0">
+                <a:solidFill>
+                  <a:schemeClr val="accent2"/>
+                </a:solidFill>
+                <a:latin typeface="Courier New"/>
+                <a:cs typeface="Courier New"/>
+              </a:rPr>
+            </a:br>
+            <a:r>
+              <a:rPr lang="en-US" sz="1600" dirty="0" smtClean="0">
+                <a:solidFill>
+                  <a:schemeClr val="accent2"/>
+                </a:solidFill>
+                <a:latin typeface="Courier New"/>
+                <a:cs typeface="Courier New"/>
+              </a:rPr>
+              <a:t>  </a:t>
+            </a:r>
+            <a:r>
+              <a:rPr lang="en-US" sz="1600" dirty="0">
+                <a:solidFill>
+                  <a:schemeClr val="accent2"/>
+                </a:solidFill>
+                <a:latin typeface="Courier New"/>
+                <a:cs typeface="Courier New"/>
+              </a:rPr>
+              <a:t>0.3% of 1 billion requests = 3,000,000 failures  </a:t>
+            </a:r>
+            <a:r>
+              <a:rPr lang="en-US" sz="1600" dirty="0" smtClean="0">
+                <a:solidFill>
+                  <a:schemeClr val="accent2"/>
+                </a:solidFill>
+                <a:latin typeface="Courier New"/>
+                <a:cs typeface="Courier New"/>
+              </a:rPr>
+              <a:t/>
+            </a:r>
+            <a:br>
+              <a:rPr lang="en-US" sz="1600" dirty="0" smtClean="0">
+                <a:solidFill>
+                  <a:schemeClr val="accent2"/>
+                </a:solidFill>
+                <a:latin typeface="Courier New"/>
+                <a:cs typeface="Courier New"/>
+              </a:rPr>
+            </a:br>
+            <a:r>
+              <a:rPr lang="en-US" sz="1600" dirty="0" smtClean="0">
+                <a:solidFill>
+                  <a:schemeClr val="accent2"/>
+                </a:solidFill>
+                <a:latin typeface="Courier New"/>
+                <a:cs typeface="Courier New"/>
+              </a:rPr>
+              <a:t>  2</a:t>
+            </a:r>
+            <a:r>
+              <a:rPr lang="en-US" sz="1600" dirty="0">
+                <a:solidFill>
+                  <a:schemeClr val="accent2"/>
+                </a:solidFill>
+                <a:latin typeface="Courier New"/>
+                <a:cs typeface="Courier New"/>
+              </a:rPr>
+              <a:t>+ hours downtime/month </a:t>
+            </a:r>
+            <a:r>
+              <a:rPr lang="en-US" sz="1600" dirty="0" smtClean="0">
+                <a:solidFill>
+                  <a:schemeClr val="accent2"/>
+                </a:solidFill>
+                <a:latin typeface="Courier New"/>
+                <a:cs typeface="Courier New"/>
+              </a:rPr>
+              <a:t>if </a:t>
+            </a:r>
+            <a:r>
+              <a:rPr lang="en-US" sz="1600" b="1" i="1" u="sng" dirty="0">
+                <a:solidFill>
+                  <a:schemeClr val="accent2"/>
+                </a:solidFill>
+                <a:latin typeface="Courier New"/>
+                <a:cs typeface="Courier New"/>
+              </a:rPr>
+              <a:t>all</a:t>
+            </a:r>
+            <a:r>
+              <a:rPr lang="en-US" sz="1600" dirty="0">
+                <a:solidFill>
+                  <a:schemeClr val="accent2"/>
+                </a:solidFill>
+                <a:latin typeface="Courier New"/>
+                <a:cs typeface="Courier New"/>
+              </a:rPr>
+              <a:t> dependencies </a:t>
+            </a:r>
+            <a:r>
+              <a:rPr lang="en-US" sz="1600" dirty="0" smtClean="0">
+                <a:solidFill>
+                  <a:schemeClr val="accent2"/>
+                </a:solidFill>
+                <a:latin typeface="Courier New"/>
+                <a:cs typeface="Courier New"/>
+              </a:rPr>
+              <a:t>have 99.99%</a:t>
+            </a:r>
+            <a:r>
+              <a:rPr lang="en-US" sz="1800" dirty="0" smtClean="0">
+                <a:latin typeface="Courier New"/>
+                <a:cs typeface="Courier New"/>
+              </a:rPr>
+              <a:t/>
+            </a:r>
+            <a:br>
+              <a:rPr lang="en-US" sz="1800" dirty="0" smtClean="0">
+                <a:latin typeface="Courier New"/>
+                <a:cs typeface="Courier New"/>
+              </a:rPr>
+            </a:br>
+            <a:endParaRPr lang="en-US" sz="1800" dirty="0" smtClean="0"/>
+          </a:p>
+          <a:p>
+            <a:r>
+              <a:rPr lang="en-US" sz="1800" dirty="0" smtClean="0"/>
+              <a:t>Reality </a:t>
+            </a:r>
+            <a:r>
+              <a:rPr lang="en-US" sz="1800" dirty="0"/>
+              <a:t>is </a:t>
+            </a:r>
+            <a:r>
+              <a:rPr lang="en-US" sz="1800" i="1" dirty="0"/>
+              <a:t>generally</a:t>
+            </a:r>
+            <a:r>
+              <a:rPr lang="en-US" sz="1800" dirty="0"/>
+              <a:t> worse</a:t>
+            </a:r>
+            <a:r>
+              <a:rPr lang="en-US" sz="1800" dirty="0" smtClean="0"/>
+              <a:t>.</a:t>
+            </a:r>
+            <a:br>
+              <a:rPr lang="en-US" sz="1800" dirty="0" smtClean="0"/>
+            </a:br>
+            <a:endParaRPr lang="en-US" sz="1800" dirty="0"/>
+          </a:p>
+          <a:p>
+            <a:r>
+              <a:rPr lang="en-US" sz="1800" dirty="0"/>
+              <a:t>Source: </a:t>
+            </a:r>
+            <a:r>
+              <a:rPr lang="en-US" sz="1800" dirty="0">
+                <a:hlinkClick r:id="rId3"/>
+              </a:rPr>
+              <a:t>https://github.com/Netflix/Hystrix/wiki</a:t>
+            </a:r>
+            <a:endParaRPr lang="en-US" sz="1800" dirty="0"/>
+          </a:p>
+          <a:p>
+            <a:pPr marL="0" indent="0">
+              <a:buNone/>
             </a:pPr>
-            <a:r>
-              <a:rPr lang="en-US" sz="2800" dirty="0" smtClean="0">
-                <a:solidFill>
-                  <a:schemeClr val="accent6"/>
-                </a:solidFill>
-                <a:sym typeface="Arial"/>
-              </a:rPr>
-              <a:t>TBD</a:t>
-            </a:r>
-          </a:p>
-          <a:p>
-            <a:pPr marL="514350" lvl="0" indent="-514350">
-              <a:buClr>
-                <a:srgbClr val="008774"/>
-              </a:buClr>
-              <a:buFont typeface="+mj-lt"/>
-              <a:buAutoNum type="arabicPeriod"/>
+            <a:endParaRPr lang="en-US" sz="1800" dirty="0"/>
+          </a:p>
+          <a:p>
+            <a:pPr marL="0" indent="0">
+              <a:buNone/>
             </a:pPr>
-            <a:r>
-              <a:rPr lang="en-US" sz="2800" dirty="0" smtClean="0">
-                <a:solidFill>
-                  <a:schemeClr val="accent6"/>
-                </a:solidFill>
-                <a:sym typeface="Arial"/>
-              </a:rPr>
-              <a:t>TBD</a:t>
-            </a:r>
-          </a:p>
-          <a:p>
-            <a:pPr marL="514350" lvl="0" indent="-514350">
-              <a:buClr>
-                <a:srgbClr val="008774"/>
-              </a:buClr>
-              <a:buFont typeface="+mj-lt"/>
-              <a:buAutoNum type="arabicPeriod"/>
-            </a:pPr>
-            <a:r>
-              <a:rPr lang="en-US" sz="2800" dirty="0" smtClean="0">
-                <a:solidFill>
-                  <a:schemeClr val="accent6"/>
-                </a:solidFill>
-                <a:sym typeface="Arial"/>
-              </a:rPr>
-              <a:t>TBD</a:t>
-            </a:r>
-            <a:endParaRPr lang="en-US" sz="2800" dirty="0">
-              <a:solidFill>
-                <a:schemeClr val="accent6"/>
-              </a:solidFill>
-              <a:sym typeface="Arial"/>
-            </a:endParaRPr>
+            <a:endParaRPr lang="en-US" sz="1800" dirty="0"/>
           </a:p>
         </p:txBody>
       </p:sp>
     </p:spTree>
     <p:extLst>
       <p:ext uri="{BB962C8B-B14F-4D97-AF65-F5344CB8AC3E}">
-        <p14:creationId xmlns:p14="http://schemas.microsoft.com/office/powerpoint/2010/main" val="2019503117"/>
+        <p14:creationId xmlns:p14="http://schemas.microsoft.com/office/powerpoint/2010/main" val="2871622636"/>
       </p:ext>
     </p:extLst>
   </p:cSld>
   <p:clrMapOvr>
     <a:masterClrMapping/>
   </p:clrMapOvr>
-  <p:transition xmlns:p14="http://schemas.microsoft.com/office/powerpoint/2010/main">
-    <p:fade/>
-  </p:transition>
+  <p:timing>
+    <p:tnLst>
+      <p:par>
+        <p:cTn xmlns:p14="http://schemas.microsoft.com/office/powerpoint/2010/main" id="1" dur="indefinite" restart="never" nodeType="tmRoot"/>
+      </p:par>
+    </p:tnLst>
+  </p:timing>
+</p:sld>
+</file>
+
+<file path=ppt/slides/slide3.xml><?xml version="1.0" encoding="utf-8"?>
+<p:sld xmlns:a="http://schemas.openxmlformats.org/drawingml/2006/main" xmlns:r="http://schemas.openxmlformats.org/officeDocument/2006/relationships" xmlns:p="http://schemas.openxmlformats.org/presentationml/2006/main">
+  <p:cSld>
+    <p:spTree>
+      <p:nvGrpSpPr>
+        <p:cNvPr id="1" name=""/>
+        <p:cNvGrpSpPr/>
+        <p:nvPr/>
+      </p:nvGrpSpPr>
+      <p:grpSpPr>
+        <a:xfrm>
+          <a:off x="0" y="0"/>
+          <a:ext cx="0" cy="0"/>
+          <a:chOff x="0" y="0"/>
+          <a:chExt cx="0" cy="0"/>
+        </a:xfrm>
+      </p:grpSpPr>
+      <p:sp>
+        <p:nvSpPr>
+          <p:cNvPr id="2" name="Title 1"/>
+          <p:cNvSpPr>
+            <a:spLocks noGrp="1"/>
+          </p:cNvSpPr>
+          <p:nvPr>
+            <p:ph type="title"/>
+          </p:nvPr>
+        </p:nvSpPr>
+        <p:spPr/>
+        <p:txBody>
+          <a:bodyPr/>
+          <a:lstStyle/>
+          <a:p>
+            <a:r>
+              <a:rPr lang="en-US" dirty="0" smtClean="0"/>
+              <a:t>Distributed Systems Failures</a:t>
+            </a:r>
+            <a:endParaRPr lang="en-US" dirty="0"/>
+          </a:p>
+        </p:txBody>
+      </p:sp>
+      <p:pic>
+        <p:nvPicPr>
+          <p:cNvPr id="6" name="Picture 5"/>
+          <p:cNvPicPr>
+            <a:picLocks noChangeAspect="1"/>
+          </p:cNvPicPr>
+          <p:nvPr/>
+        </p:nvPicPr>
+        <p:blipFill>
+          <a:blip r:embed="rId3"/>
+          <a:stretch>
+            <a:fillRect/>
+          </a:stretch>
+        </p:blipFill>
+        <p:spPr>
+          <a:xfrm>
+            <a:off x="2471838" y="1066800"/>
+            <a:ext cx="3745583" cy="3406140"/>
+          </a:xfrm>
+          <a:prstGeom prst="rect">
+            <a:avLst/>
+          </a:prstGeom>
+        </p:spPr>
+      </p:pic>
+      <p:pic>
+        <p:nvPicPr>
+          <p:cNvPr id="7" name="Picture 6"/>
+          <p:cNvPicPr>
+            <a:picLocks noChangeAspect="1"/>
+          </p:cNvPicPr>
+          <p:nvPr/>
+        </p:nvPicPr>
+        <p:blipFill>
+          <a:blip r:embed="rId4"/>
+          <a:stretch>
+            <a:fillRect/>
+          </a:stretch>
+        </p:blipFill>
+        <p:spPr>
+          <a:xfrm>
+            <a:off x="2471838" y="1066800"/>
+            <a:ext cx="3745583" cy="3406139"/>
+          </a:xfrm>
+          <a:prstGeom prst="rect">
+            <a:avLst/>
+          </a:prstGeom>
+        </p:spPr>
+      </p:pic>
+      <p:pic>
+        <p:nvPicPr>
+          <p:cNvPr id="8" name="Picture 7"/>
+          <p:cNvPicPr>
+            <a:picLocks noChangeAspect="1"/>
+          </p:cNvPicPr>
+          <p:nvPr/>
+        </p:nvPicPr>
+        <p:blipFill>
+          <a:blip r:embed="rId5"/>
+          <a:stretch>
+            <a:fillRect/>
+          </a:stretch>
+        </p:blipFill>
+        <p:spPr>
+          <a:xfrm>
+            <a:off x="2471838" y="1062978"/>
+            <a:ext cx="3745583" cy="3411992"/>
+          </a:xfrm>
+          <a:prstGeom prst="rect">
+            <a:avLst/>
+          </a:prstGeom>
+        </p:spPr>
+      </p:pic>
+    </p:spTree>
+    <p:extLst>
+      <p:ext uri="{BB962C8B-B14F-4D97-AF65-F5344CB8AC3E}">
+        <p14:creationId xmlns:p14="http://schemas.microsoft.com/office/powerpoint/2010/main" val="2871622636"/>
+      </p:ext>
+    </p:extLst>
+  </p:cSld>
+  <p:clrMapOvr>
+    <a:masterClrMapping/>
+  </p:clrMapOvr>
+  <p:timing>
+    <p:tnLst>
+      <p:par>
+        <p:cTn xmlns:p14="http://schemas.microsoft.com/office/powerpoint/2010/main" id="1" dur="indefinite" restart="never" nodeType="tmRoot">
+          <p:childTnLst>
+            <p:seq concurrent="1" nextAc="seek">
+              <p:cTn id="2" dur="indefinite" nodeType="mainSeq">
+                <p:childTnLst>
+                  <p:par>
+                    <p:cTn id="3" fill="hold">
+                      <p:stCondLst>
+                        <p:cond delay="indefinite"/>
+                        <p:cond evt="onBegin" delay="0">
+                          <p:tn val="2"/>
+                        </p:cond>
+                      </p:stCondLst>
+                      <p:childTnLst>
+                        <p:par>
+                          <p:cTn id="4" fill="hold">
+                            <p:stCondLst>
+                              <p:cond delay="0"/>
+                            </p:stCondLst>
+                            <p:childTnLst>
+                              <p:par>
+                                <p:cTn id="5" presetID="1" presetClass="entr" presetSubtype="0" fill="hold" nodeType="withEffect">
+                                  <p:stCondLst>
+                                    <p:cond delay="0"/>
+                                  </p:stCondLst>
+                                  <p:childTnLst>
+                                    <p:set>
+                                      <p:cBhvr>
+                                        <p:cTn id="6" dur="1" fill="hold">
+                                          <p:stCondLst>
+                                            <p:cond delay="0"/>
+                                          </p:stCondLst>
+                                        </p:cTn>
+                                        <p:tgtEl>
+                                          <p:spTgt spid="6"/>
+                                        </p:tgtEl>
+                                        <p:attrNameLst>
+                                          <p:attrName>style.visibility</p:attrName>
+                                        </p:attrNameLst>
+                                      </p:cBhvr>
+                                      <p:to>
+                                        <p:strVal val="visible"/>
+                                      </p:to>
+                                    </p:set>
+                                  </p:childTnLst>
+                                </p:cTn>
+                              </p:par>
+                            </p:childTnLst>
+                          </p:cTn>
+                        </p:par>
+                      </p:childTnLst>
+                    </p:cTn>
+                  </p:par>
+                  <p:par>
+                    <p:cTn id="7" fill="hold">
+                      <p:stCondLst>
+                        <p:cond delay="indefinite"/>
+                      </p:stCondLst>
+                      <p:childTnLst>
+                        <p:par>
+                          <p:cTn id="8" fill="hold">
+                            <p:stCondLst>
+                              <p:cond delay="0"/>
+                            </p:stCondLst>
+                            <p:childTnLst>
+                              <p:par>
+                                <p:cTn id="9" presetID="1" presetClass="entr" presetSubtype="0" fill="hold" nodeType="clickEffect">
+                                  <p:stCondLst>
+                                    <p:cond delay="0"/>
+                                  </p:stCondLst>
+                                  <p:childTnLst>
+                                    <p:set>
+                                      <p:cBhvr>
+                                        <p:cTn id="10" dur="1" fill="hold">
+                                          <p:stCondLst>
+                                            <p:cond delay="0"/>
+                                          </p:stCondLst>
+                                        </p:cTn>
+                                        <p:tgtEl>
+                                          <p:spTgt spid="7"/>
+                                        </p:tgtEl>
+                                        <p:attrNameLst>
+                                          <p:attrName>style.visibility</p:attrName>
+                                        </p:attrNameLst>
+                                      </p:cBhvr>
+                                      <p:to>
+                                        <p:strVal val="visible"/>
+                                      </p:to>
+                                    </p:set>
+                                  </p:childTnLst>
+                                </p:cTn>
+                              </p:par>
+                            </p:childTnLst>
+                          </p:cTn>
+                        </p:par>
+                      </p:childTnLst>
+                    </p:cTn>
+                  </p:par>
+                  <p:par>
+                    <p:cTn id="11" fill="hold">
+                      <p:stCondLst>
+                        <p:cond delay="indefinite"/>
+                      </p:stCondLst>
+                      <p:childTnLst>
+                        <p:par>
+                          <p:cTn id="12" fill="hold">
+                            <p:stCondLst>
+                              <p:cond delay="0"/>
+                            </p:stCondLst>
+                            <p:childTnLst>
+                              <p:par>
+                                <p:cTn id="13" presetID="1" presetClass="entr" presetSubtype="0" fill="hold" nodeType="clickEffect">
+                                  <p:stCondLst>
+                                    <p:cond delay="0"/>
+                                  </p:stCondLst>
+                                  <p:childTnLst>
+                                    <p:set>
+                                      <p:cBhvr>
+                                        <p:cTn id="14" dur="1" fill="hold">
+                                          <p:stCondLst>
+                                            <p:cond delay="0"/>
+                                          </p:stCondLst>
+                                        </p:cTn>
+                                        <p:tgtEl>
+                                          <p:spTgt spid="8"/>
+                                        </p:tgtEl>
+                                        <p:attrNameLst>
+                                          <p:attrName>style.visibility</p:attrName>
+                                        </p:attrNameLst>
+                                      </p:cBhvr>
+                                      <p:to>
+                                        <p:strVal val="visible"/>
+                                      </p:to>
+                                    </p:set>
+                                  </p:childTnLst>
+                                </p:cTn>
+                              </p:par>
+                            </p:childTnLst>
+                          </p:cTn>
+                        </p:par>
+                      </p:childTnLst>
+                    </p:cTn>
+                  </p:par>
+                </p:childTnLst>
+              </p:cTn>
+              <p:prevCondLst>
+                <p:cond evt="onPrev" delay="0">
+                  <p:tgtEl>
+                    <p:sldTgt/>
+                  </p:tgtEl>
+                </p:cond>
+              </p:prevCondLst>
+              <p:nextCondLst>
+                <p:cond evt="onNext" delay="0">
+                  <p:tgtEl>
+                    <p:sldTgt/>
+                  </p:tgtEl>
+                </p:cond>
+              </p:nextCondLst>
+            </p:seq>
+          </p:childTnLst>
+        </p:cTn>
+      </p:par>
+    </p:tnLst>
+  </p:timing>
+</p:sld>
+</file>
+
+<file path=ppt/slides/slide4.xml><?xml version="1.0" encoding="utf-8"?>
+<p:sld xmlns:a="http://schemas.openxmlformats.org/drawingml/2006/main" xmlns:r="http://schemas.openxmlformats.org/officeDocument/2006/relationships" xmlns:p="http://schemas.openxmlformats.org/presentationml/2006/main">
+  <p:cSld>
+    <p:spTree>
+      <p:nvGrpSpPr>
+        <p:cNvPr id="1" name=""/>
+        <p:cNvGrpSpPr/>
+        <p:nvPr/>
+      </p:nvGrpSpPr>
+      <p:grpSpPr>
+        <a:xfrm>
+          <a:off x="0" y="0"/>
+          <a:ext cx="0" cy="0"/>
+          <a:chOff x="0" y="0"/>
+          <a:chExt cx="0" cy="0"/>
+        </a:xfrm>
+      </p:grpSpPr>
+      <p:sp>
+        <p:nvSpPr>
+          <p:cNvPr id="2" name="Title 1"/>
+          <p:cNvSpPr>
+            <a:spLocks noGrp="1"/>
+          </p:cNvSpPr>
+          <p:nvPr>
+            <p:ph type="title"/>
+          </p:nvPr>
+        </p:nvSpPr>
+        <p:spPr/>
+        <p:txBody>
+          <a:bodyPr/>
+          <a:lstStyle/>
+          <a:p>
+            <a:r>
+              <a:rPr lang="en-US" dirty="0" smtClean="0"/>
+              <a:t>Circuit Breaker Pattern</a:t>
+            </a:r>
+            <a:endParaRPr lang="en-US" dirty="0"/>
+          </a:p>
+        </p:txBody>
+      </p:sp>
+      <p:pic>
+        <p:nvPicPr>
+          <p:cNvPr id="5" name="Picture 4"/>
+          <p:cNvPicPr>
+            <a:picLocks noChangeAspect="1"/>
+          </p:cNvPicPr>
+          <p:nvPr/>
+        </p:nvPicPr>
+        <p:blipFill>
+          <a:blip r:embed="rId3"/>
+          <a:stretch>
+            <a:fillRect/>
+          </a:stretch>
+        </p:blipFill>
+        <p:spPr>
+          <a:xfrm>
+            <a:off x="894080" y="1102526"/>
+            <a:ext cx="7254240" cy="3281795"/>
+          </a:xfrm>
+          <a:prstGeom prst="rect">
+            <a:avLst/>
+          </a:prstGeom>
+        </p:spPr>
+      </p:pic>
+    </p:spTree>
+    <p:extLst>
+      <p:ext uri="{BB962C8B-B14F-4D97-AF65-F5344CB8AC3E}">
+        <p14:creationId xmlns:p14="http://schemas.microsoft.com/office/powerpoint/2010/main" val="2871622636"/>
+      </p:ext>
+    </p:extLst>
+  </p:cSld>
+  <p:clrMapOvr>
+    <a:masterClrMapping/>
+  </p:clrMapOvr>
+  <p:timing>
+    <p:tnLst>
+      <p:par>
+        <p:cTn xmlns:p14="http://schemas.microsoft.com/office/powerpoint/2010/main" id="1" dur="indefinite" restart="never" nodeType="tmRoot"/>
+      </p:par>
+    </p:tnLst>
+  </p:timing>
+</p:sld>
+</file>
+
+<file path=ppt/slides/slide5.xml><?xml version="1.0" encoding="utf-8"?>
+<p:sld xmlns:a="http://schemas.openxmlformats.org/drawingml/2006/main" xmlns:r="http://schemas.openxmlformats.org/officeDocument/2006/relationships" xmlns:p="http://schemas.openxmlformats.org/presentationml/2006/main">
+  <p:cSld>
+    <p:spTree>
+      <p:nvGrpSpPr>
+        <p:cNvPr id="1" name=""/>
+        <p:cNvGrpSpPr/>
+        <p:nvPr/>
+      </p:nvGrpSpPr>
+      <p:grpSpPr>
+        <a:xfrm>
+          <a:off x="0" y="0"/>
+          <a:ext cx="0" cy="0"/>
+          <a:chOff x="0" y="0"/>
+          <a:chExt cx="0" cy="0"/>
+        </a:xfrm>
+      </p:grpSpPr>
+      <p:sp>
+        <p:nvSpPr>
+          <p:cNvPr id="2" name="Title 1"/>
+          <p:cNvSpPr>
+            <a:spLocks noGrp="1"/>
+          </p:cNvSpPr>
+          <p:nvPr>
+            <p:ph type="title"/>
+          </p:nvPr>
+        </p:nvSpPr>
+        <p:spPr/>
+        <p:txBody>
+          <a:bodyPr/>
+          <a:lstStyle/>
+          <a:p>
+            <a:r>
+              <a:rPr lang="en-US" dirty="0" smtClean="0"/>
+              <a:t>Implementing Circuit Breakers</a:t>
+            </a:r>
+            <a:endParaRPr lang="en-US" dirty="0">
+              <a:solidFill>
+                <a:srgbClr val="138A7E"/>
+              </a:solidFill>
+            </a:endParaRPr>
+          </a:p>
+        </p:txBody>
+      </p:sp>
+      <p:sp>
+        <p:nvSpPr>
+          <p:cNvPr id="6" name="TextBox 5"/>
+          <p:cNvSpPr txBox="1"/>
+          <p:nvPr/>
+        </p:nvSpPr>
+        <p:spPr>
+          <a:xfrm>
+            <a:off x="1239520" y="1361440"/>
+            <a:ext cx="6563360" cy="1569660"/>
+          </a:xfrm>
+          <a:prstGeom prst="rect">
+            <a:avLst/>
+          </a:prstGeom>
+          <a:solidFill>
+            <a:schemeClr val="bg1"/>
+          </a:solidFill>
+        </p:spPr>
+        <p:txBody>
+          <a:bodyPr wrap="square" rtlCol="0">
+            <a:spAutoFit/>
+          </a:bodyPr>
+          <a:lstStyle/>
+          <a:p>
+            <a:r>
+              <a:rPr lang="en-US" sz="1200" b="1" dirty="0">
+                <a:solidFill>
+                  <a:srgbClr val="008774"/>
+                </a:solidFill>
+                <a:latin typeface="Courier New"/>
+                <a:cs typeface="Courier New"/>
+              </a:rPr>
+              <a:t>@</a:t>
+            </a:r>
+            <a:r>
+              <a:rPr lang="en-US" sz="1200" b="1" dirty="0" smtClean="0">
+                <a:solidFill>
+                  <a:srgbClr val="008774"/>
+                </a:solidFill>
+                <a:latin typeface="Courier New"/>
+                <a:cs typeface="Courier New"/>
+              </a:rPr>
+              <a:t>SpringBootApplication</a:t>
+            </a:r>
+          </a:p>
+          <a:p>
+            <a:r>
+              <a:rPr lang="en-US" sz="1200" b="1" dirty="0" smtClean="0">
+                <a:solidFill>
+                  <a:srgbClr val="008774"/>
+                </a:solidFill>
+                <a:latin typeface="Courier New"/>
+                <a:cs typeface="Courier New"/>
+              </a:rPr>
+              <a:t>@</a:t>
+            </a:r>
+            <a:r>
+              <a:rPr lang="en-US" sz="1200" b="1" dirty="0" smtClean="0">
+                <a:solidFill>
+                  <a:srgbClr val="008774"/>
+                </a:solidFill>
+                <a:latin typeface="Courier New"/>
+                <a:cs typeface="Courier New"/>
+              </a:rPr>
+              <a:t>EnableDiscoveryClient</a:t>
+            </a:r>
+          </a:p>
+          <a:p>
+            <a:r>
+              <a:rPr lang="en-US" sz="1200" b="1" dirty="0" smtClean="0">
+                <a:solidFill>
+                  <a:srgbClr val="008774"/>
+                </a:solidFill>
+                <a:latin typeface="Courier New"/>
+                <a:cs typeface="Courier New"/>
+              </a:rPr>
+              <a:t>@EnableCircuitBreaker</a:t>
+            </a:r>
+            <a:endParaRPr lang="en-US" sz="1200" b="1" dirty="0" smtClean="0">
+              <a:solidFill>
+                <a:srgbClr val="FF0000"/>
+              </a:solidFill>
+              <a:latin typeface="Courier New"/>
+              <a:cs typeface="Courier New"/>
+            </a:endParaRPr>
+          </a:p>
+          <a:p>
+            <a:r>
+              <a:rPr lang="en-US" sz="1200" dirty="0" smtClean="0">
+                <a:solidFill>
+                  <a:srgbClr val="C0504D"/>
+                </a:solidFill>
+                <a:latin typeface="Courier New"/>
+                <a:cs typeface="Courier New"/>
+              </a:rPr>
+              <a:t>public </a:t>
+            </a:r>
+            <a:r>
+              <a:rPr lang="en-US" sz="1200" dirty="0">
+                <a:solidFill>
+                  <a:srgbClr val="C0504D"/>
+                </a:solidFill>
+                <a:latin typeface="Courier New"/>
+                <a:cs typeface="Courier New"/>
+              </a:rPr>
+              <a:t>class </a:t>
+            </a:r>
+            <a:r>
+              <a:rPr lang="en-US" sz="1200" dirty="0" smtClean="0">
+                <a:solidFill>
+                  <a:schemeClr val="accent3"/>
+                </a:solidFill>
+                <a:latin typeface="Courier New"/>
+                <a:cs typeface="Courier New"/>
+              </a:rPr>
+              <a:t>MyClientApp</a:t>
+            </a:r>
+            <a:r>
+              <a:rPr lang="en-US" sz="1200" dirty="0" smtClean="0">
+                <a:latin typeface="Courier New"/>
+                <a:cs typeface="Courier New"/>
+              </a:rPr>
+              <a:t>{</a:t>
+            </a:r>
+          </a:p>
+          <a:p>
+            <a:r>
+              <a:rPr lang="en-US" sz="1200" dirty="0" smtClean="0">
+                <a:latin typeface="Courier New"/>
+                <a:cs typeface="Courier New"/>
+              </a:rPr>
+              <a:t>   </a:t>
+            </a:r>
+            <a:r>
+              <a:rPr lang="en-US" sz="1200" dirty="0">
+                <a:solidFill>
+                  <a:srgbClr val="C0504D"/>
+                </a:solidFill>
+                <a:latin typeface="Courier New"/>
+                <a:cs typeface="Courier New"/>
+              </a:rPr>
+              <a:t>public static </a:t>
+            </a:r>
+            <a:r>
+              <a:rPr lang="en-US" sz="1200" dirty="0">
+                <a:solidFill>
+                  <a:schemeClr val="accent3">
+                    <a:lumMod val="50000"/>
+                  </a:schemeClr>
+                </a:solidFill>
+                <a:latin typeface="Courier New"/>
+                <a:cs typeface="Courier New"/>
+              </a:rPr>
+              <a:t>void</a:t>
+            </a:r>
+            <a:r>
+              <a:rPr lang="en-US" sz="1200" dirty="0">
+                <a:latin typeface="Courier New"/>
+                <a:cs typeface="Courier New"/>
+              </a:rPr>
+              <a:t> </a:t>
+            </a:r>
+            <a:r>
+              <a:rPr lang="en-US" sz="1200" dirty="0">
+                <a:solidFill>
+                  <a:schemeClr val="accent3"/>
+                </a:solidFill>
+                <a:latin typeface="Courier New"/>
+                <a:cs typeface="Courier New"/>
+              </a:rPr>
+              <a:t>main</a:t>
+            </a:r>
+            <a:r>
+              <a:rPr lang="en-US" sz="1200" dirty="0">
+                <a:latin typeface="Courier New"/>
+                <a:cs typeface="Courier New"/>
+              </a:rPr>
+              <a:t>(String[] </a:t>
+            </a:r>
+            <a:r>
+              <a:rPr lang="en-US" sz="1200" dirty="0" smtClean="0">
+                <a:latin typeface="Courier New"/>
+                <a:cs typeface="Courier New"/>
+              </a:rPr>
+              <a:t>args</a:t>
+            </a:r>
+            <a:r>
+              <a:rPr lang="en-US" sz="1200" dirty="0">
+                <a:latin typeface="Courier New"/>
+                <a:cs typeface="Courier New"/>
+              </a:rPr>
+              <a:t>) </a:t>
+            </a:r>
+            <a:r>
+              <a:rPr lang="en-US" sz="1200" dirty="0" smtClean="0">
+                <a:latin typeface="Courier New"/>
+                <a:cs typeface="Courier New"/>
+              </a:rPr>
+              <a:t>{</a:t>
+            </a:r>
+          </a:p>
+          <a:p>
+            <a:r>
+              <a:rPr lang="en-US" sz="1200" dirty="0" smtClean="0">
+                <a:latin typeface="Courier New"/>
+                <a:cs typeface="Courier New"/>
+              </a:rPr>
+              <a:t>     SpringApplication.run(MyClientApp</a:t>
+            </a:r>
+            <a:r>
+              <a:rPr lang="en-US" sz="1200" dirty="0" smtClean="0">
+                <a:solidFill>
+                  <a:srgbClr val="1F6FB8"/>
+                </a:solidFill>
+                <a:latin typeface="Courier New"/>
+                <a:cs typeface="Courier New"/>
+              </a:rPr>
+              <a:t>.class</a:t>
+            </a:r>
+            <a:r>
+              <a:rPr lang="en-US" sz="1200" dirty="0" smtClean="0">
+                <a:latin typeface="Courier New"/>
+                <a:cs typeface="Courier New"/>
+              </a:rPr>
+              <a:t>, </a:t>
+            </a:r>
+            <a:r>
+              <a:rPr lang="en-US" sz="1200" dirty="0">
+                <a:latin typeface="Courier New"/>
+                <a:cs typeface="Courier New"/>
+              </a:rPr>
+              <a:t>args)</a:t>
+            </a:r>
+            <a:r>
+              <a:rPr lang="en-US" sz="1200" dirty="0" smtClean="0">
+                <a:latin typeface="Courier New"/>
+                <a:cs typeface="Courier New"/>
+              </a:rPr>
+              <a:t>;</a:t>
+            </a:r>
+          </a:p>
+          <a:p>
+            <a:r>
+              <a:rPr lang="en-US" sz="1200" dirty="0" smtClean="0">
+                <a:latin typeface="Courier New"/>
+                <a:cs typeface="Courier New"/>
+              </a:rPr>
+              <a:t>   }</a:t>
+            </a:r>
+          </a:p>
+          <a:p>
+            <a:r>
+              <a:rPr lang="en-US" sz="1200" dirty="0" smtClean="0">
+                <a:latin typeface="Courier New"/>
+                <a:cs typeface="Courier New"/>
+              </a:rPr>
+              <a:t>}</a:t>
+            </a:r>
+            <a:endParaRPr lang="en-US" sz="1200" dirty="0">
+              <a:latin typeface="Courier New"/>
+              <a:cs typeface="Courier New"/>
+            </a:endParaRPr>
+          </a:p>
+        </p:txBody>
+      </p:sp>
+      <p:sp>
+        <p:nvSpPr>
+          <p:cNvPr id="11" name="TextBox 10"/>
+          <p:cNvSpPr txBox="1"/>
+          <p:nvPr/>
+        </p:nvSpPr>
+        <p:spPr>
+          <a:xfrm>
+            <a:off x="3566160" y="1727201"/>
+            <a:ext cx="2214880" cy="461665"/>
+          </a:xfrm>
+          <a:prstGeom prst="rect">
+            <a:avLst/>
+          </a:prstGeom>
+          <a:noFill/>
+        </p:spPr>
+        <p:txBody>
+          <a:bodyPr wrap="square" rtlCol="0">
+            <a:spAutoFit/>
+          </a:bodyPr>
+          <a:lstStyle/>
+          <a:p>
+            <a:r>
+              <a:rPr lang="en-US" sz="1200" b="1" dirty="0" smtClean="0">
+                <a:solidFill>
+                  <a:srgbClr val="FF0000"/>
+                </a:solidFill>
+                <a:latin typeface="Courier New"/>
+                <a:cs typeface="Courier New"/>
+                <a:sym typeface="Wingdings"/>
+              </a:rPr>
+              <a:t> </a:t>
+            </a:r>
+            <a:r>
+              <a:rPr lang="en-US" sz="1200" b="1" dirty="0">
+                <a:solidFill>
+                  <a:srgbClr val="FF0000"/>
+                </a:solidFill>
+                <a:latin typeface="Courier New"/>
+                <a:cs typeface="Courier New"/>
+                <a:sym typeface="Wingdings"/>
+              </a:rPr>
+              <a:t>MAGIC!!</a:t>
+            </a:r>
+            <a:endParaRPr lang="en-US" sz="1200" b="1" dirty="0">
+              <a:solidFill>
+                <a:srgbClr val="FF0000"/>
+              </a:solidFill>
+              <a:latin typeface="Courier New"/>
+              <a:cs typeface="Courier New"/>
+            </a:endParaRPr>
+          </a:p>
+          <a:p>
+            <a:endParaRPr lang="en-US" sz="1200" dirty="0">
+              <a:latin typeface="Courier New"/>
+              <a:cs typeface="Courier New"/>
+            </a:endParaRPr>
+          </a:p>
+        </p:txBody>
+      </p:sp>
+      <p:cxnSp>
+        <p:nvCxnSpPr>
+          <p:cNvPr id="12" name="Straight Arrow Connector 11"/>
+          <p:cNvCxnSpPr/>
+          <p:nvPr/>
+        </p:nvCxnSpPr>
+        <p:spPr>
+          <a:xfrm flipH="1">
+            <a:off x="3454400" y="1869440"/>
+            <a:ext cx="223520" cy="0"/>
+          </a:xfrm>
+          <a:prstGeom prst="straightConnector1">
+            <a:avLst/>
+          </a:prstGeom>
+          <a:ln>
+            <a:solidFill>
+              <a:srgbClr val="FF0000"/>
+            </a:solidFill>
+            <a:tailEnd type="arrow"/>
+          </a:ln>
+        </p:spPr>
+        <p:style>
+          <a:lnRef idx="2">
+            <a:schemeClr val="accent1"/>
+          </a:lnRef>
+          <a:fillRef idx="0">
+            <a:schemeClr val="accent1"/>
+          </a:fillRef>
+          <a:effectRef idx="1">
+            <a:schemeClr val="accent1"/>
+          </a:effectRef>
+          <a:fontRef idx="minor">
+            <a:schemeClr val="tx1"/>
+          </a:fontRef>
+        </p:style>
+      </p:cxnSp>
+      <p:sp>
+        <p:nvSpPr>
+          <p:cNvPr id="4" name="TextBox 3"/>
+          <p:cNvSpPr txBox="1"/>
+          <p:nvPr/>
+        </p:nvSpPr>
+        <p:spPr>
+          <a:xfrm>
+            <a:off x="1087120" y="3251200"/>
+            <a:ext cx="7802880" cy="1015663"/>
+          </a:xfrm>
+          <a:prstGeom prst="rect">
+            <a:avLst/>
+          </a:prstGeom>
+          <a:noFill/>
+        </p:spPr>
+        <p:txBody>
+          <a:bodyPr wrap="square" rtlCol="0">
+            <a:spAutoFit/>
+          </a:bodyPr>
+          <a:lstStyle/>
+          <a:p>
+            <a:r>
+              <a:rPr lang="en-US" sz="1200" b="1" dirty="0">
+                <a:solidFill>
+                  <a:srgbClr val="008774"/>
+                </a:solidFill>
+                <a:latin typeface="Courier New"/>
+                <a:cs typeface="Courier New"/>
+              </a:rPr>
+              <a:t>&lt;dependency&gt;</a:t>
+            </a:r>
+          </a:p>
+          <a:p>
+            <a:r>
+              <a:rPr lang="en-US" sz="1200" b="1" dirty="0">
+                <a:solidFill>
+                  <a:srgbClr val="008774"/>
+                </a:solidFill>
+                <a:latin typeface="Courier New"/>
+                <a:cs typeface="Courier New"/>
+              </a:rPr>
+              <a:t>   &lt;groupId&gt;io.pivotal.spring.cloud&lt;/groupId&gt;  </a:t>
+            </a:r>
+          </a:p>
+          <a:p>
+            <a:r>
+              <a:rPr lang="en-US" sz="1200" b="1" dirty="0">
+                <a:solidFill>
+                  <a:srgbClr val="008774"/>
+                </a:solidFill>
+                <a:latin typeface="Courier New"/>
+                <a:cs typeface="Courier New"/>
+              </a:rPr>
+              <a:t>   &lt;artifactId&gt;spring-</a:t>
+            </a:r>
+            <a:r>
+              <a:rPr lang="en-US" sz="1200" b="1" dirty="0" smtClean="0">
+                <a:solidFill>
+                  <a:srgbClr val="008774"/>
+                </a:solidFill>
+                <a:latin typeface="Courier New"/>
+                <a:cs typeface="Courier New"/>
+              </a:rPr>
+              <a:t>cloud-</a:t>
+            </a:r>
+            <a:r>
+              <a:rPr lang="en-US" sz="1200" b="1" dirty="0">
+                <a:solidFill>
+                  <a:srgbClr val="008774"/>
+                </a:solidFill>
+                <a:latin typeface="Courier New"/>
+                <a:cs typeface="Courier New"/>
+              </a:rPr>
+              <a:t>starter</a:t>
+            </a:r>
+            <a:r>
+              <a:rPr lang="en-US" sz="1200" b="1" dirty="0" smtClean="0">
+                <a:solidFill>
+                  <a:srgbClr val="008774"/>
+                </a:solidFill>
+                <a:latin typeface="Courier New"/>
+                <a:cs typeface="Courier New"/>
+              </a:rPr>
+              <a:t>-</a:t>
+            </a:r>
+            <a:r>
+              <a:rPr lang="en-US" sz="1200" b="1" dirty="0" err="1" smtClean="0">
+                <a:solidFill>
+                  <a:srgbClr val="008774"/>
+                </a:solidFill>
+                <a:latin typeface="Courier New"/>
+                <a:cs typeface="Courier New"/>
+              </a:rPr>
+              <a:t>hystrix</a:t>
+            </a:r>
+            <a:r>
+              <a:rPr lang="en-US" sz="1200" b="1" dirty="0" smtClean="0">
+                <a:solidFill>
+                  <a:srgbClr val="008774"/>
+                </a:solidFill>
+                <a:latin typeface="Courier New"/>
+                <a:cs typeface="Courier New"/>
+              </a:rPr>
+              <a:t>&lt;/artifactId</a:t>
+            </a:r>
+            <a:r>
+              <a:rPr lang="en-US" sz="1200" b="1" dirty="0">
+                <a:solidFill>
+                  <a:srgbClr val="008774"/>
+                </a:solidFill>
+                <a:latin typeface="Courier New"/>
+                <a:cs typeface="Courier New"/>
+              </a:rPr>
+              <a:t>&gt;</a:t>
+            </a:r>
+          </a:p>
+          <a:p>
+            <a:r>
+              <a:rPr lang="en-US" sz="1200" b="1" dirty="0">
+                <a:solidFill>
+                  <a:srgbClr val="008774"/>
+                </a:solidFill>
+                <a:latin typeface="Courier New"/>
+                <a:cs typeface="Courier New"/>
+              </a:rPr>
+              <a:t>&lt;/dependency&gt;</a:t>
+            </a:r>
+          </a:p>
+          <a:p>
+            <a:endParaRPr lang="en-US" sz="1200" dirty="0"/>
+          </a:p>
+        </p:txBody>
+      </p:sp>
+    </p:spTree>
+    <p:extLst>
+      <p:ext uri="{BB962C8B-B14F-4D97-AF65-F5344CB8AC3E}">
+        <p14:creationId xmlns:p14="http://schemas.microsoft.com/office/powerpoint/2010/main" val="1520341004"/>
+      </p:ext>
+    </p:extLst>
+  </p:cSld>
+  <p:clrMapOvr>
+    <a:masterClrMapping/>
+  </p:clrMapOvr>
+  <mc:AlternateContent xmlns:mc="http://schemas.openxmlformats.org/markup-compatibility/2006" xmlns:p14="http://schemas.microsoft.com/office/powerpoint/2010/main">
+    <mc:Choice Requires="p14">
+      <p:transition spd="slow" p14:dur="2000"/>
+    </mc:Choice>
+    <mc:Fallback xmlns="">
+      <p:transition xmlns:p14="http://schemas.microsoft.com/office/powerpoint/2010/main" spd="slow"/>
+    </mc:Fallback>
+  </mc:AlternateContent>
+  <p:timing>
+    <p:tnLst>
+      <p:par>
+        <p:cTn xmlns:p14="http://schemas.microsoft.com/office/powerpoint/2010/main" id="1" dur="indefinite" restart="never" nodeType="tmRoot"/>
+      </p:par>
+    </p:tnLst>
+  </p:timing>
+</p:sld>
+</file>
+
+<file path=ppt/slides/slide6.xml><?xml version="1.0" encoding="utf-8"?>
+<p:sld xmlns:a="http://schemas.openxmlformats.org/drawingml/2006/main" xmlns:r="http://schemas.openxmlformats.org/officeDocument/2006/relationships" xmlns:p="http://schemas.openxmlformats.org/presentationml/2006/main">
+  <p:cSld>
+    <p:spTree>
+      <p:nvGrpSpPr>
+        <p:cNvPr id="1" name=""/>
+        <p:cNvGrpSpPr/>
+        <p:nvPr/>
+      </p:nvGrpSpPr>
+      <p:grpSpPr>
+        <a:xfrm>
+          <a:off x="0" y="0"/>
+          <a:ext cx="0" cy="0"/>
+          <a:chOff x="0" y="0"/>
+          <a:chExt cx="0" cy="0"/>
+        </a:xfrm>
+      </p:grpSpPr>
+      <p:sp>
+        <p:nvSpPr>
+          <p:cNvPr id="2" name="Title 1"/>
+          <p:cNvSpPr>
+            <a:spLocks noGrp="1"/>
+          </p:cNvSpPr>
+          <p:nvPr>
+            <p:ph type="title"/>
+          </p:nvPr>
+        </p:nvSpPr>
+        <p:spPr/>
+        <p:txBody>
+          <a:bodyPr/>
+          <a:lstStyle/>
+          <a:p>
+            <a:r>
+              <a:rPr lang="en-US" dirty="0" smtClean="0"/>
+              <a:t>@HystrixCommand</a:t>
+            </a:r>
+            <a:endParaRPr lang="en-US" dirty="0">
+              <a:solidFill>
+                <a:srgbClr val="138A7E"/>
+              </a:solidFill>
+            </a:endParaRPr>
+          </a:p>
+        </p:txBody>
+      </p:sp>
+      <p:sp>
+        <p:nvSpPr>
+          <p:cNvPr id="6" name="TextBox 5"/>
+          <p:cNvSpPr txBox="1"/>
+          <p:nvPr/>
+        </p:nvSpPr>
+        <p:spPr>
+          <a:xfrm>
+            <a:off x="396240" y="1097280"/>
+            <a:ext cx="8412480" cy="3046987"/>
+          </a:xfrm>
+          <a:prstGeom prst="rect">
+            <a:avLst/>
+          </a:prstGeom>
+          <a:solidFill>
+            <a:schemeClr val="bg1"/>
+          </a:solidFill>
+        </p:spPr>
+        <p:txBody>
+          <a:bodyPr wrap="square" rtlCol="0">
+            <a:spAutoFit/>
+          </a:bodyPr>
+          <a:lstStyle/>
+          <a:p>
+            <a:r>
+              <a:rPr lang="en-US" sz="1200" b="1" dirty="0" smtClean="0">
+                <a:solidFill>
+                  <a:schemeClr val="accent1"/>
+                </a:solidFill>
+                <a:latin typeface="Courier New"/>
+                <a:cs typeface="Courier New"/>
+              </a:rPr>
+              <a:t>@Service</a:t>
+            </a:r>
+          </a:p>
+          <a:p>
+            <a:r>
+              <a:rPr lang="en-US" sz="1200" dirty="0" smtClean="0">
+                <a:solidFill>
+                  <a:srgbClr val="C0504D"/>
+                </a:solidFill>
+                <a:latin typeface="Courier New"/>
+                <a:cs typeface="Courier New"/>
+              </a:rPr>
+              <a:t>public </a:t>
+            </a:r>
+            <a:r>
+              <a:rPr lang="en-US" sz="1200" dirty="0">
+                <a:solidFill>
+                  <a:srgbClr val="C0504D"/>
+                </a:solidFill>
+                <a:latin typeface="Courier New"/>
+                <a:cs typeface="Courier New"/>
+              </a:rPr>
+              <a:t>class </a:t>
+            </a:r>
+            <a:r>
+              <a:rPr lang="en-US" sz="1200" dirty="0">
+                <a:solidFill>
+                  <a:schemeClr val="accent5">
+                    <a:lumMod val="75000"/>
+                  </a:schemeClr>
+                </a:solidFill>
+                <a:latin typeface="Courier New"/>
+                <a:cs typeface="Courier New"/>
+              </a:rPr>
+              <a:t>FortuneService</a:t>
+            </a:r>
+            <a:r>
+              <a:rPr lang="en-US" sz="1200" dirty="0">
+                <a:solidFill>
+                  <a:srgbClr val="442565"/>
+                </a:solidFill>
+                <a:latin typeface="Courier New"/>
+                <a:cs typeface="Courier New"/>
+              </a:rPr>
+              <a:t> </a:t>
+            </a:r>
+            <a:r>
+              <a:rPr lang="en-US" sz="1200" dirty="0" smtClean="0">
+                <a:latin typeface="Courier New"/>
+                <a:cs typeface="Courier New"/>
+              </a:rPr>
+              <a:t>{</a:t>
+            </a:r>
+          </a:p>
+          <a:p>
+            <a:endParaRPr lang="en-US" sz="1200" dirty="0">
+              <a:latin typeface="Courier New"/>
+              <a:cs typeface="Courier New"/>
+            </a:endParaRPr>
+          </a:p>
+          <a:p>
+            <a:r>
+              <a:rPr lang="en-US" sz="1200" dirty="0" smtClean="0">
+                <a:solidFill>
+                  <a:srgbClr val="008774"/>
+                </a:solidFill>
+                <a:latin typeface="Courier New"/>
+                <a:cs typeface="Courier New"/>
+              </a:rPr>
+              <a:t>   </a:t>
+            </a:r>
+            <a:r>
+              <a:rPr lang="en-US" sz="1200" b="1" dirty="0" smtClean="0">
+                <a:solidFill>
+                  <a:srgbClr val="008774"/>
+                </a:solidFill>
+                <a:latin typeface="Courier New"/>
+                <a:cs typeface="Courier New"/>
+              </a:rPr>
+              <a:t>@</a:t>
+            </a:r>
+            <a:r>
+              <a:rPr lang="en-US" sz="1200" b="1" dirty="0">
+                <a:solidFill>
+                  <a:srgbClr val="008774"/>
+                </a:solidFill>
+                <a:latin typeface="Courier New"/>
+                <a:cs typeface="Courier New"/>
+              </a:rPr>
+              <a:t>HystrixCommand(fallbackMethod = "defaultFortune</a:t>
+            </a:r>
+            <a:r>
+              <a:rPr lang="en-US" sz="1200" b="1" dirty="0" smtClean="0">
+                <a:solidFill>
+                  <a:srgbClr val="008774"/>
+                </a:solidFill>
+                <a:latin typeface="Courier New"/>
+                <a:cs typeface="Courier New"/>
+              </a:rPr>
+              <a:t>"</a:t>
+            </a:r>
+            <a:r>
+              <a:rPr lang="en-US" sz="1200" b="1" dirty="0" smtClean="0">
+                <a:solidFill>
+                  <a:srgbClr val="016B54"/>
+                </a:solidFill>
+                <a:latin typeface="Courier New"/>
+                <a:cs typeface="Courier New"/>
+              </a:rPr>
+              <a:t>,</a:t>
+            </a:r>
+          </a:p>
+          <a:p>
+            <a:r>
+              <a:rPr lang="en-US" sz="1200" b="1" dirty="0" smtClean="0">
+                <a:solidFill>
+                  <a:srgbClr val="016B54"/>
+                </a:solidFill>
+                <a:latin typeface="Courier New"/>
+                <a:cs typeface="Courier New"/>
+              </a:rPr>
+              <a:t>      </a:t>
+            </a:r>
+            <a:r>
+              <a:rPr lang="en-US" sz="1200" b="1" dirty="0" smtClean="0">
+                <a:solidFill>
+                  <a:srgbClr val="008774"/>
+                </a:solidFill>
+                <a:latin typeface="Courier New"/>
+                <a:cs typeface="Courier New"/>
+              </a:rPr>
+              <a:t>commandProperties = {</a:t>
+            </a:r>
+          </a:p>
+          <a:p>
+            <a:r>
+              <a:rPr lang="en-US" sz="1200" b="1" dirty="0" smtClean="0">
+                <a:solidFill>
+                  <a:srgbClr val="008774"/>
+                </a:solidFill>
+                <a:latin typeface="Courier New"/>
+                <a:cs typeface="Courier New"/>
+              </a:rPr>
+              <a:t>         @HystrixProperty(</a:t>
+            </a:r>
+            <a:r>
+              <a:rPr lang="en-US" sz="1000" b="1" dirty="0">
+                <a:solidFill>
+                  <a:srgbClr val="008774"/>
+                </a:solidFill>
+                <a:latin typeface="Courier New"/>
+                <a:cs typeface="Courier New"/>
+              </a:rPr>
+              <a:t>name="</a:t>
+            </a:r>
+            <a:r>
+              <a:rPr lang="en-US" sz="1000" b="1" dirty="0" smtClean="0">
+                <a:solidFill>
+                  <a:srgbClr val="008774"/>
+                </a:solidFill>
+                <a:latin typeface="Courier New"/>
+                <a:cs typeface="Courier New"/>
+              </a:rPr>
+              <a:t>execution.isolation.thread.timeoutInMilliseconds”, value</a:t>
+            </a:r>
+            <a:r>
+              <a:rPr lang="en-US" sz="1000" b="1" dirty="0">
+                <a:solidFill>
+                  <a:srgbClr val="008774"/>
+                </a:solidFill>
+                <a:latin typeface="Courier New"/>
+                <a:cs typeface="Courier New"/>
+              </a:rPr>
+              <a:t>="500"</a:t>
+            </a:r>
+            <a:r>
+              <a:rPr lang="en-US" sz="1200" b="1" dirty="0" smtClean="0">
+                <a:solidFill>
+                  <a:srgbClr val="008774"/>
+                </a:solidFill>
+                <a:latin typeface="Courier New"/>
+                <a:cs typeface="Courier New"/>
+              </a:rPr>
+              <a:t>)</a:t>
+            </a:r>
+          </a:p>
+          <a:p>
+            <a:r>
+              <a:rPr lang="en-US" sz="1200" b="1" dirty="0">
+                <a:solidFill>
+                  <a:srgbClr val="008774"/>
+                </a:solidFill>
+                <a:latin typeface="Courier New"/>
+                <a:cs typeface="Courier New"/>
+              </a:rPr>
+              <a:t> </a:t>
+            </a:r>
+            <a:r>
+              <a:rPr lang="en-US" sz="1200" b="1" dirty="0" smtClean="0">
+                <a:solidFill>
+                  <a:srgbClr val="008774"/>
+                </a:solidFill>
+                <a:latin typeface="Courier New"/>
+                <a:cs typeface="Courier New"/>
+              </a:rPr>
+              <a:t>     }) </a:t>
+            </a:r>
+            <a:r>
+              <a:rPr lang="en-US" sz="1200" b="1" dirty="0">
+                <a:solidFill>
+                  <a:srgbClr val="016B54"/>
+                </a:solidFill>
+                <a:latin typeface="Courier New"/>
+                <a:cs typeface="Courier New"/>
+              </a:rPr>
+              <a:t> </a:t>
+            </a:r>
+            <a:endParaRPr lang="en-US" sz="1200" b="1" dirty="0" smtClean="0">
+              <a:solidFill>
+                <a:srgbClr val="016B54"/>
+              </a:solidFill>
+              <a:latin typeface="Courier New"/>
+              <a:cs typeface="Courier New"/>
+            </a:endParaRPr>
+          </a:p>
+          <a:p>
+            <a:r>
+              <a:rPr lang="en-US" sz="1200" dirty="0" smtClean="0">
+                <a:latin typeface="Courier New"/>
+                <a:cs typeface="Courier New"/>
+              </a:rPr>
+              <a:t> </a:t>
+            </a:r>
+            <a:r>
+              <a:rPr lang="en-US" sz="1200" dirty="0">
+                <a:latin typeface="Courier New"/>
+                <a:cs typeface="Courier New"/>
+              </a:rPr>
+              <a:t> </a:t>
+            </a:r>
+            <a:r>
+              <a:rPr lang="en-US" sz="1200" dirty="0" smtClean="0">
+                <a:latin typeface="Courier New"/>
+                <a:cs typeface="Courier New"/>
+              </a:rPr>
+              <a:t> </a:t>
+            </a:r>
+            <a:r>
+              <a:rPr lang="en-US" sz="1200" dirty="0" smtClean="0">
+                <a:solidFill>
+                  <a:srgbClr val="C0504D"/>
+                </a:solidFill>
+                <a:latin typeface="Courier New"/>
+                <a:cs typeface="Courier New"/>
+              </a:rPr>
+              <a:t>public</a:t>
+            </a:r>
+            <a:r>
+              <a:rPr lang="en-US" sz="1200" dirty="0" smtClean="0">
+                <a:latin typeface="Courier New"/>
+                <a:cs typeface="Courier New"/>
+              </a:rPr>
+              <a:t> </a:t>
+            </a:r>
+            <a:r>
+              <a:rPr lang="en-US" sz="1200" dirty="0">
+                <a:latin typeface="Courier New"/>
+                <a:cs typeface="Courier New"/>
+              </a:rPr>
+              <a:t>String </a:t>
+            </a:r>
+            <a:r>
+              <a:rPr lang="en-US" sz="1200" dirty="0">
+                <a:solidFill>
+                  <a:srgbClr val="523059"/>
+                </a:solidFill>
+                <a:latin typeface="Courier New"/>
+                <a:cs typeface="Courier New"/>
+              </a:rPr>
+              <a:t>getFortune</a:t>
+            </a:r>
+            <a:r>
+              <a:rPr lang="en-US" sz="1200" dirty="0">
+                <a:latin typeface="Courier New"/>
+                <a:cs typeface="Courier New"/>
+              </a:rPr>
+              <a:t>() </a:t>
+            </a:r>
+            <a:r>
+              <a:rPr lang="en-US" sz="1200" dirty="0" smtClean="0">
+                <a:latin typeface="Courier New"/>
+                <a:cs typeface="Courier New"/>
+              </a:rPr>
+              <a:t>{</a:t>
+            </a:r>
+          </a:p>
+          <a:p>
+            <a:r>
+              <a:rPr lang="en-US" sz="1200" dirty="0" smtClean="0">
+                <a:latin typeface="Courier New"/>
+                <a:cs typeface="Courier New"/>
+              </a:rPr>
+              <a:t>  </a:t>
+            </a:r>
+            <a:r>
+              <a:rPr lang="en-US" sz="1200" dirty="0">
+                <a:latin typeface="Courier New"/>
+                <a:cs typeface="Courier New"/>
+              </a:rPr>
+              <a:t>	</a:t>
+            </a:r>
+            <a:r>
+              <a:rPr lang="en-US" sz="1200" dirty="0" smtClean="0">
+                <a:solidFill>
+                  <a:srgbClr val="C0504D"/>
+                </a:solidFill>
+                <a:latin typeface="Courier New"/>
+                <a:cs typeface="Courier New"/>
+              </a:rPr>
+              <a:t>return</a:t>
+            </a:r>
+            <a:r>
+              <a:rPr lang="en-US" sz="1200" dirty="0" smtClean="0">
+                <a:latin typeface="Courier New"/>
+                <a:cs typeface="Courier New"/>
+              </a:rPr>
+              <a:t> restTemplate.getForObject(</a:t>
+            </a:r>
+            <a:r>
+              <a:rPr lang="en-US" sz="1200" dirty="0">
+                <a:latin typeface="Courier New"/>
+                <a:cs typeface="Courier New"/>
+              </a:rPr>
+              <a:t>"http://fortune-service", String.class)</a:t>
+            </a:r>
+            <a:r>
+              <a:rPr lang="en-US" sz="1200" dirty="0" smtClean="0">
+                <a:latin typeface="Courier New"/>
+                <a:cs typeface="Courier New"/>
+              </a:rPr>
+              <a:t>;</a:t>
+            </a:r>
+          </a:p>
+          <a:p>
+            <a:r>
+              <a:rPr lang="en-US" sz="1200" dirty="0">
+                <a:latin typeface="Courier New"/>
+                <a:cs typeface="Courier New"/>
+              </a:rPr>
+              <a:t> </a:t>
+            </a:r>
+            <a:r>
+              <a:rPr lang="en-US" sz="1200" dirty="0" smtClean="0">
+                <a:latin typeface="Courier New"/>
+                <a:cs typeface="Courier New"/>
+              </a:rPr>
+              <a:t>  }</a:t>
+            </a:r>
+          </a:p>
+          <a:p>
+            <a:endParaRPr lang="en-US" sz="1200" dirty="0">
+              <a:latin typeface="Courier New"/>
+              <a:cs typeface="Courier New"/>
+            </a:endParaRPr>
+          </a:p>
+          <a:p>
+            <a:r>
+              <a:rPr lang="en-US" sz="1200" dirty="0" smtClean="0">
+                <a:latin typeface="Courier New"/>
+                <a:cs typeface="Courier New"/>
+              </a:rPr>
+              <a:t>  </a:t>
+            </a:r>
+            <a:r>
+              <a:rPr lang="en-US" sz="1200" dirty="0">
+                <a:latin typeface="Courier New"/>
+                <a:cs typeface="Courier New"/>
+              </a:rPr>
+              <a:t> </a:t>
+            </a:r>
+            <a:r>
+              <a:rPr lang="en-US" sz="1200" dirty="0" smtClean="0">
+                <a:solidFill>
+                  <a:srgbClr val="C0504D"/>
+                </a:solidFill>
+                <a:latin typeface="Courier New"/>
+                <a:cs typeface="Courier New"/>
+              </a:rPr>
+              <a:t>public</a:t>
+            </a:r>
+            <a:r>
+              <a:rPr lang="en-US" sz="1200" dirty="0" smtClean="0">
+                <a:latin typeface="Courier New"/>
+                <a:cs typeface="Courier New"/>
+              </a:rPr>
+              <a:t> </a:t>
+            </a:r>
+            <a:r>
+              <a:rPr lang="en-US" sz="1200" dirty="0">
+                <a:latin typeface="Courier New"/>
+                <a:cs typeface="Courier New"/>
+              </a:rPr>
+              <a:t>String </a:t>
+            </a:r>
+            <a:r>
+              <a:rPr lang="en-US" sz="1200" dirty="0">
+                <a:solidFill>
+                  <a:srgbClr val="523059"/>
+                </a:solidFill>
+                <a:latin typeface="Courier New"/>
+                <a:cs typeface="Courier New"/>
+              </a:rPr>
+              <a:t>defaultFortune</a:t>
+            </a:r>
+            <a:r>
+              <a:rPr lang="en-US" sz="1200" dirty="0">
+                <a:latin typeface="Courier New"/>
+                <a:cs typeface="Courier New"/>
+              </a:rPr>
+              <a:t>(</a:t>
+            </a:r>
+            <a:r>
+              <a:rPr lang="en-US" sz="1200" dirty="0" smtClean="0">
+                <a:latin typeface="Courier New"/>
+                <a:cs typeface="Courier New"/>
+              </a:rPr>
+              <a:t>) {</a:t>
+            </a:r>
+          </a:p>
+          <a:p>
+            <a:r>
+              <a:rPr lang="en-US" sz="1200" dirty="0" smtClean="0">
+                <a:latin typeface="Courier New"/>
+                <a:cs typeface="Courier New"/>
+              </a:rPr>
+              <a:t> </a:t>
+            </a:r>
+            <a:r>
+              <a:rPr lang="en-US" sz="1200" dirty="0">
+                <a:latin typeface="Courier New"/>
+                <a:cs typeface="Courier New"/>
+              </a:rPr>
+              <a:t> </a:t>
+            </a:r>
+            <a:r>
+              <a:rPr lang="en-US" sz="1200" dirty="0" smtClean="0">
+                <a:latin typeface="Courier New"/>
+                <a:cs typeface="Courier New"/>
+              </a:rPr>
+              <a:t>   logger.debug</a:t>
+            </a:r>
+            <a:r>
+              <a:rPr lang="en-US" sz="1200" dirty="0">
+                <a:latin typeface="Courier New"/>
+                <a:cs typeface="Courier New"/>
+              </a:rPr>
+              <a:t>(</a:t>
+            </a:r>
+            <a:r>
+              <a:rPr lang="en-US" sz="1200" dirty="0">
+                <a:solidFill>
+                  <a:srgbClr val="1F6FB8"/>
+                </a:solidFill>
+                <a:latin typeface="Courier New"/>
+                <a:cs typeface="Courier New"/>
+              </a:rPr>
+              <a:t>"Default fortune used."</a:t>
+            </a:r>
+            <a:r>
+              <a:rPr lang="en-US" sz="1200" dirty="0">
+                <a:latin typeface="Courier New"/>
+                <a:cs typeface="Courier New"/>
+              </a:rPr>
+              <a:t>)</a:t>
+            </a:r>
+            <a:r>
+              <a:rPr lang="en-US" sz="1200" dirty="0" smtClean="0">
+                <a:latin typeface="Courier New"/>
+                <a:cs typeface="Courier New"/>
+              </a:rPr>
+              <a:t>;</a:t>
+            </a:r>
+          </a:p>
+          <a:p>
+            <a:r>
+              <a:rPr lang="en-US" sz="1200" dirty="0" smtClean="0">
+                <a:latin typeface="Courier New"/>
+                <a:cs typeface="Courier New"/>
+              </a:rPr>
+              <a:t> </a:t>
+            </a:r>
+            <a:r>
+              <a:rPr lang="en-US" sz="1200" dirty="0">
+                <a:latin typeface="Courier New"/>
+                <a:cs typeface="Courier New"/>
+              </a:rPr>
+              <a:t>	</a:t>
+            </a:r>
+            <a:r>
+              <a:rPr lang="en-US" sz="1200" dirty="0" smtClean="0">
+                <a:solidFill>
+                  <a:srgbClr val="C0504D"/>
+                </a:solidFill>
+                <a:latin typeface="Courier New"/>
+                <a:cs typeface="Courier New"/>
+              </a:rPr>
+              <a:t>return</a:t>
+            </a:r>
+            <a:r>
+              <a:rPr lang="en-US" sz="1200" dirty="0" smtClean="0">
+                <a:latin typeface="Courier New"/>
+                <a:cs typeface="Courier New"/>
+              </a:rPr>
+              <a:t> </a:t>
+            </a:r>
+            <a:r>
+              <a:rPr lang="en-US" sz="1200" dirty="0">
+                <a:solidFill>
+                  <a:srgbClr val="1F6FB8"/>
+                </a:solidFill>
+                <a:latin typeface="Courier New"/>
+                <a:cs typeface="Courier New"/>
+              </a:rPr>
+              <a:t>"This fortune is no good. Try another."</a:t>
+            </a:r>
+            <a:r>
+              <a:rPr lang="en-US" sz="1200" dirty="0" smtClean="0">
+                <a:latin typeface="Courier New"/>
+                <a:cs typeface="Courier New"/>
+              </a:rPr>
+              <a:t>;</a:t>
+            </a:r>
+          </a:p>
+          <a:p>
+            <a:r>
+              <a:rPr lang="en-US" sz="1200" dirty="0">
+                <a:latin typeface="Courier New"/>
+                <a:cs typeface="Courier New"/>
+              </a:rPr>
+              <a:t> </a:t>
+            </a:r>
+            <a:r>
+              <a:rPr lang="en-US" sz="1200" dirty="0" smtClean="0">
+                <a:latin typeface="Courier New"/>
+                <a:cs typeface="Courier New"/>
+              </a:rPr>
+              <a:t>  }</a:t>
+            </a:r>
+          </a:p>
+          <a:p>
+            <a:r>
+              <a:rPr lang="en-US" sz="1200" dirty="0" smtClean="0">
+                <a:latin typeface="Courier New"/>
+                <a:cs typeface="Courier New"/>
+              </a:rPr>
+              <a:t> </a:t>
+            </a:r>
+            <a:r>
+              <a:rPr lang="en-US" sz="1200" dirty="0">
+                <a:latin typeface="Courier New"/>
+                <a:cs typeface="Courier New"/>
+              </a:rPr>
+              <a:t>}</a:t>
+            </a:r>
+            <a:r>
+              <a:rPr lang="en-US" sz="1200" dirty="0">
+                <a:latin typeface="Courier New"/>
+                <a:cs typeface="Courier New"/>
+              </a:rPr>
+              <a:t> </a:t>
+            </a:r>
+            <a:r>
+              <a:rPr lang="en-US" sz="1200" dirty="0">
+                <a:latin typeface="Courier New"/>
+                <a:cs typeface="Courier New"/>
+              </a:rPr>
+              <a:t> </a:t>
+            </a:r>
+          </a:p>
+        </p:txBody>
+      </p:sp>
+    </p:spTree>
+    <p:extLst>
+      <p:ext uri="{BB962C8B-B14F-4D97-AF65-F5344CB8AC3E}">
+        <p14:creationId xmlns:p14="http://schemas.microsoft.com/office/powerpoint/2010/main" val="3108889409"/>
+      </p:ext>
+    </p:extLst>
+  </p:cSld>
+  <p:clrMapOvr>
+    <a:masterClrMapping/>
+  </p:clrMapOvr>
+  <mc:AlternateContent xmlns:mc="http://schemas.openxmlformats.org/markup-compatibility/2006" xmlns:p14="http://schemas.microsoft.com/office/powerpoint/2010/main">
+    <mc:Choice Requires="p14">
+      <p:transition spd="slow" p14:dur="2000"/>
+    </mc:Choice>
+    <mc:Fallback xmlns="">
+      <p:transition xmlns:p14="http://schemas.microsoft.com/office/powerpoint/2010/main" spd="slow"/>
+    </mc:Fallback>
+  </mc:AlternateContent>
+  <p:timing>
+    <p:tnLst>
+      <p:par>
+        <p:cTn xmlns:p14="http://schemas.microsoft.com/office/powerpoint/2010/main" id="1" dur="indefinite" restart="never" nodeType="tmRoot"/>
+      </p:par>
+    </p:tnLst>
+  </p:timing>
+</p:sld>
+</file>
+
+<file path=ppt/slides/slide7.xml><?xml version="1.0" encoding="utf-8"?>
+<p:sld xmlns:a="http://schemas.openxmlformats.org/drawingml/2006/main" xmlns:r="http://schemas.openxmlformats.org/officeDocument/2006/relationships" xmlns:p="http://schemas.openxmlformats.org/presentationml/2006/main">
+  <p:cSld>
+    <p:spTree>
+      <p:nvGrpSpPr>
+        <p:cNvPr id="1" name=""/>
+        <p:cNvGrpSpPr/>
+        <p:nvPr/>
+      </p:nvGrpSpPr>
+      <p:grpSpPr>
+        <a:xfrm>
+          <a:off x="0" y="0"/>
+          <a:ext cx="0" cy="0"/>
+          <a:chOff x="0" y="0"/>
+          <a:chExt cx="0" cy="0"/>
+        </a:xfrm>
+      </p:grpSpPr>
+      <p:sp>
+        <p:nvSpPr>
+          <p:cNvPr id="2" name="Title 1"/>
+          <p:cNvSpPr>
+            <a:spLocks noGrp="1"/>
+          </p:cNvSpPr>
+          <p:nvPr>
+            <p:ph type="title"/>
+          </p:nvPr>
+        </p:nvSpPr>
+        <p:spPr/>
+        <p:txBody>
+          <a:bodyPr/>
+          <a:lstStyle/>
+          <a:p>
+            <a:r>
+              <a:rPr lang="en-US" dirty="0" smtClean="0"/>
+              <a:t>@Hystrix</a:t>
+            </a:r>
+            <a:r>
+              <a:rPr lang="en-US" dirty="0" smtClean="0"/>
+              <a:t>Command </a:t>
+            </a:r>
+            <a:r>
+              <a:rPr lang="en-US" dirty="0" smtClean="0"/>
+              <a:t>Metrics</a:t>
+            </a:r>
+            <a:endParaRPr lang="en-US" dirty="0"/>
+          </a:p>
+        </p:txBody>
+      </p:sp>
+      <p:sp>
+        <p:nvSpPr>
+          <p:cNvPr id="3" name="Content Placeholder 2"/>
+          <p:cNvSpPr>
+            <a:spLocks noGrp="1"/>
+          </p:cNvSpPr>
+          <p:nvPr>
+            <p:ph sz="quarter" idx="10"/>
+          </p:nvPr>
+        </p:nvSpPr>
+        <p:spPr/>
+        <p:txBody>
+          <a:bodyPr/>
+          <a:lstStyle/>
+          <a:p>
+            <a:r>
+              <a:rPr lang="en-US" sz="1800" b="1" dirty="0" smtClean="0"/>
+              <a:t>Hystrix publishers real-time metrics for each </a:t>
+            </a:r>
+            <a:r>
+              <a:rPr lang="en-US" sz="1800" b="1" dirty="0" smtClean="0">
+                <a:latin typeface="Courier New"/>
+                <a:cs typeface="Courier New"/>
+              </a:rPr>
+              <a:t>@HystrixCommand</a:t>
+            </a:r>
+          </a:p>
+          <a:p>
+            <a:pPr lvl="1"/>
+            <a:r>
+              <a:rPr lang="en-US" sz="1400" dirty="0"/>
+              <a:t>Informational and Status (isCircuitOpen)</a:t>
+            </a:r>
+          </a:p>
+          <a:p>
+            <a:pPr lvl="1"/>
+            <a:r>
+              <a:rPr lang="en-US" sz="1400" dirty="0"/>
+              <a:t>Cumulative and Rolling Event Counts (countExceptionsThrown &amp; </a:t>
+            </a:r>
+            <a:r>
+              <a:rPr lang="en-US" sz="1400" dirty="0" err="1"/>
+              <a:t>rollingCountExceptionsThrown</a:t>
+            </a:r>
+            <a:r>
+              <a:rPr lang="en-US" sz="1400" dirty="0"/>
+              <a:t>)</a:t>
+            </a:r>
+          </a:p>
+          <a:p>
+            <a:pPr lvl="1"/>
+            <a:r>
+              <a:rPr lang="en-US" sz="1400" dirty="0"/>
+              <a:t>Latency Percentiles (latencyExecute_percentile_995)</a:t>
+            </a:r>
+          </a:p>
+          <a:p>
+            <a:pPr lvl="1"/>
+            <a:r>
+              <a:rPr lang="en-US" sz="1400" dirty="0"/>
+              <a:t>Latency Percentiles: End-to-End Execution ( latencyTotal_percentile_5)</a:t>
+            </a:r>
+          </a:p>
+          <a:p>
+            <a:pPr lvl="1"/>
+            <a:r>
+              <a:rPr lang="en-US" sz="1400" dirty="0"/>
+              <a:t>Property Values (</a:t>
+            </a:r>
+            <a:r>
+              <a:rPr lang="en-US" sz="1400" dirty="0" err="1"/>
+              <a:t>propertyValue_circuitBreakerRequestVolumeThreshold</a:t>
+            </a:r>
+            <a:r>
+              <a:rPr lang="en-US" sz="1400" dirty="0" smtClean="0"/>
+              <a:t>)</a:t>
+            </a:r>
+            <a:br>
+              <a:rPr lang="en-US" sz="1400" dirty="0" smtClean="0"/>
+            </a:br>
+            <a:endParaRPr lang="en-US" sz="1400" dirty="0"/>
+          </a:p>
+          <a:p>
+            <a:r>
+              <a:rPr lang="en-US" sz="1800" dirty="0" smtClean="0"/>
+              <a:t>Published to /</a:t>
+            </a:r>
+            <a:r>
+              <a:rPr lang="en-US" sz="1800" dirty="0" err="1" smtClean="0"/>
+              <a:t>hystrix.stream</a:t>
+            </a:r>
+            <a:r>
+              <a:rPr lang="en-US" sz="1800" dirty="0" smtClean="0"/>
+              <a:t> endpoint &amp; boot actuator metrics</a:t>
+            </a:r>
+          </a:p>
+          <a:p>
+            <a:endParaRPr lang="en-US" sz="1800" dirty="0"/>
+          </a:p>
+          <a:p>
+            <a:r>
+              <a:rPr lang="en-US" sz="1800" dirty="0" smtClean="0"/>
+              <a:t>Individual /hystrix.streams aggregated via Turbine and published via /</a:t>
+            </a:r>
+            <a:r>
+              <a:rPr lang="en-US" sz="1800" dirty="0" err="1" smtClean="0"/>
+              <a:t>turbine.stream</a:t>
+            </a:r>
+            <a:r>
+              <a:rPr lang="en-US" sz="1800" dirty="0" smtClean="0"/>
+              <a:t> or AMQP.</a:t>
+            </a:r>
+            <a:endParaRPr lang="en-US" sz="1800" dirty="0"/>
+          </a:p>
+          <a:p>
+            <a:pPr lvl="1"/>
+            <a:endParaRPr lang="en-US" sz="1800" dirty="0" smtClean="0"/>
+          </a:p>
+        </p:txBody>
+      </p:sp>
+    </p:spTree>
+    <p:extLst>
+      <p:ext uri="{BB962C8B-B14F-4D97-AF65-F5344CB8AC3E}">
+        <p14:creationId xmlns:p14="http://schemas.microsoft.com/office/powerpoint/2010/main" val="2871622636"/>
+      </p:ext>
+    </p:extLst>
+  </p:cSld>
+  <p:clrMapOvr>
+    <a:masterClrMapping/>
+  </p:clrMapOvr>
+  <p:timing>
+    <p:tnLst>
+      <p:par>
+        <p:cTn xmlns:p14="http://schemas.microsoft.com/office/powerpoint/2010/main" id="1" dur="indefinite" restart="never" nodeType="tmRoot"/>
+      </p:par>
+    </p:tnLst>
+  </p:timing>
+</p:sld>
+</file>
+
+<file path=ppt/slides/slide8.xml><?xml version="1.0" encoding="utf-8"?>
+<p:sld xmlns:a="http://schemas.openxmlformats.org/drawingml/2006/main" xmlns:r="http://schemas.openxmlformats.org/officeDocument/2006/relationships" xmlns:p="http://schemas.openxmlformats.org/presentationml/2006/main">
+  <p:cSld>
+    <p:spTree>
+      <p:nvGrpSpPr>
+        <p:cNvPr id="1" name=""/>
+        <p:cNvGrpSpPr/>
+        <p:nvPr/>
+      </p:nvGrpSpPr>
+      <p:grpSpPr>
+        <a:xfrm>
+          <a:off x="0" y="0"/>
+          <a:ext cx="0" cy="0"/>
+          <a:chOff x="0" y="0"/>
+          <a:chExt cx="0" cy="0"/>
+        </a:xfrm>
+      </p:grpSpPr>
+      <p:sp>
+        <p:nvSpPr>
+          <p:cNvPr id="2" name="Title 1"/>
+          <p:cNvSpPr>
+            <a:spLocks noGrp="1"/>
+          </p:cNvSpPr>
+          <p:nvPr>
+            <p:ph type="title"/>
+          </p:nvPr>
+        </p:nvSpPr>
+        <p:spPr/>
+        <p:txBody>
+          <a:bodyPr/>
+          <a:lstStyle/>
+          <a:p>
+            <a:r>
+              <a:rPr lang="en-US" dirty="0" smtClean="0"/>
+              <a:t>Hystrix Metrics With Turbine</a:t>
+            </a:r>
+            <a:endParaRPr lang="en-US" dirty="0"/>
+          </a:p>
+        </p:txBody>
+      </p:sp>
+      <p:pic>
+        <p:nvPicPr>
+          <p:cNvPr id="5" name="Picture 4"/>
+          <p:cNvPicPr>
+            <a:picLocks noChangeAspect="1"/>
+          </p:cNvPicPr>
+          <p:nvPr/>
+        </p:nvPicPr>
+        <p:blipFill>
+          <a:blip r:embed="rId3"/>
+          <a:stretch>
+            <a:fillRect/>
+          </a:stretch>
+        </p:blipFill>
+        <p:spPr>
+          <a:xfrm>
+            <a:off x="1661428" y="1026160"/>
+            <a:ext cx="5989052" cy="3556000"/>
+          </a:xfrm>
+          <a:prstGeom prst="rect">
+            <a:avLst/>
+          </a:prstGeom>
+        </p:spPr>
+      </p:pic>
+    </p:spTree>
+    <p:extLst>
+      <p:ext uri="{BB962C8B-B14F-4D97-AF65-F5344CB8AC3E}">
+        <p14:creationId xmlns:p14="http://schemas.microsoft.com/office/powerpoint/2010/main" val="2871622636"/>
+      </p:ext>
+    </p:extLst>
+  </p:cSld>
+  <p:clrMapOvr>
+    <a:masterClrMapping/>
+  </p:clrMapOvr>
+  <p:timing>
+    <p:tnLst>
+      <p:par>
+        <p:cTn xmlns:p14="http://schemas.microsoft.com/office/powerpoint/2010/main" id="1" dur="indefinite" restart="never" nodeType="tmRoot"/>
+      </p:par>
+    </p:tnLst>
+  </p:timing>
+</p:sld>
+</file>
+
+<file path=ppt/slides/slide9.xml><?xml version="1.0" encoding="utf-8"?>
+<p:sld xmlns:a="http://schemas.openxmlformats.org/drawingml/2006/main" xmlns:r="http://schemas.openxmlformats.org/officeDocument/2006/relationships" xmlns:p="http://schemas.openxmlformats.org/presentationml/2006/main">
+  <p:cSld>
+    <p:spTree>
+      <p:nvGrpSpPr>
+        <p:cNvPr id="1" name=""/>
+        <p:cNvGrpSpPr/>
+        <p:nvPr/>
+      </p:nvGrpSpPr>
+      <p:grpSpPr>
+        <a:xfrm>
+          <a:off x="0" y="0"/>
+          <a:ext cx="0" cy="0"/>
+          <a:chOff x="0" y="0"/>
+          <a:chExt cx="0" cy="0"/>
+        </a:xfrm>
+      </p:grpSpPr>
+      <p:sp>
+        <p:nvSpPr>
+          <p:cNvPr id="2" name="Title 1"/>
+          <p:cNvSpPr>
+            <a:spLocks noGrp="1"/>
+          </p:cNvSpPr>
+          <p:nvPr>
+            <p:ph type="title"/>
+          </p:nvPr>
+        </p:nvSpPr>
+        <p:spPr/>
+        <p:txBody>
+          <a:bodyPr/>
+          <a:lstStyle/>
+          <a:p>
+            <a:r>
+              <a:rPr lang="en-US" dirty="0" smtClean="0"/>
+              <a:t>Hystrix Dashboard</a:t>
+            </a:r>
+            <a:endParaRPr lang="en-US" dirty="0"/>
+          </a:p>
+        </p:txBody>
+      </p:sp>
+      <p:pic>
+        <p:nvPicPr>
+          <p:cNvPr id="5" name="Picture 4"/>
+          <p:cNvPicPr>
+            <a:picLocks noChangeAspect="1"/>
+          </p:cNvPicPr>
+          <p:nvPr/>
+        </p:nvPicPr>
+        <p:blipFill>
+          <a:blip r:embed="rId3"/>
+          <a:stretch>
+            <a:fillRect/>
+          </a:stretch>
+        </p:blipFill>
+        <p:spPr>
+          <a:xfrm>
+            <a:off x="3677920" y="1109170"/>
+            <a:ext cx="5174703" cy="3323130"/>
+          </a:xfrm>
+          <a:prstGeom prst="rect">
+            <a:avLst/>
+          </a:prstGeom>
+        </p:spPr>
+      </p:pic>
+      <p:pic>
+        <p:nvPicPr>
+          <p:cNvPr id="10" name="Picture 9"/>
+          <p:cNvPicPr>
+            <a:picLocks noChangeAspect="1"/>
+          </p:cNvPicPr>
+          <p:nvPr/>
+        </p:nvPicPr>
+        <p:blipFill>
+          <a:blip r:embed="rId4"/>
+          <a:stretch>
+            <a:fillRect/>
+          </a:stretch>
+        </p:blipFill>
+        <p:spPr>
+          <a:xfrm>
+            <a:off x="352330" y="1706880"/>
+            <a:ext cx="2878792" cy="2146299"/>
+          </a:xfrm>
+          <a:prstGeom prst="rect">
+            <a:avLst/>
+          </a:prstGeom>
+        </p:spPr>
+      </p:pic>
+    </p:spTree>
+    <p:extLst>
+      <p:ext uri="{BB962C8B-B14F-4D97-AF65-F5344CB8AC3E}">
+        <p14:creationId xmlns:p14="http://schemas.microsoft.com/office/powerpoint/2010/main" val="3789236163"/>
+      </p:ext>
+    </p:extLst>
+  </p:cSld>
+  <p:clrMapOvr>
+    <a:masterClrMapping/>
+  </p:clrMapOvr>
   <p:timing>
     <p:tnLst>
       <p:par>
@@ -7193,326 +10892,6 @@
 </file>
 
 <file path=ppt/theme/theme1.xml><?xml version="1.0" encoding="utf-8"?>
-<a:theme xmlns:a="http://schemas.openxmlformats.org/drawingml/2006/main" name="Office Theme">
-  <a:themeElements>
-    <a:clrScheme name="Office">
-      <a:dk1>
-        <a:sysClr val="windowText" lastClr="000000"/>
-      </a:dk1>
-      <a:lt1>
-        <a:sysClr val="window" lastClr="FFFFFF"/>
-      </a:lt1>
-      <a:dk2>
-        <a:srgbClr val="1F497D"/>
-      </a:dk2>
-      <a:lt2>
-        <a:srgbClr val="EEECE1"/>
-      </a:lt2>
-      <a:accent1>
-        <a:srgbClr val="4F81BD"/>
-      </a:accent1>
-      <a:accent2>
-        <a:srgbClr val="C0504D"/>
-      </a:accent2>
-      <a:accent3>
-        <a:srgbClr val="9BBB59"/>
-      </a:accent3>
-      <a:accent4>
-        <a:srgbClr val="8064A2"/>
-      </a:accent4>
-      <a:accent5>
-        <a:srgbClr val="4BACC6"/>
-      </a:accent5>
-      <a:accent6>
-        <a:srgbClr val="F79646"/>
-      </a:accent6>
-      <a:hlink>
-        <a:srgbClr val="0000FF"/>
-      </a:hlink>
-      <a:folHlink>
-        <a:srgbClr val="800080"/>
-      </a:folHlink>
-    </a:clrScheme>
-    <a:fontScheme name="Office">
-      <a:majorFont>
-        <a:latin typeface="Calibri"/>
-        <a:ea typeface=""/>
-        <a:cs typeface=""/>
-        <a:font script="Jpan" typeface="ＭＳ Ｐゴシック"/>
-        <a:font script="Hang" typeface="맑은 고딕"/>
-        <a:font script="Hans" typeface="宋体"/>
-        <a:font script="Hant" typeface="新細明體"/>
-        <a:font script="Arab" typeface="Times New Roman"/>
-        <a:font script="Hebr" typeface="Times New Roman"/>
-        <a:font script="Thai" typeface="Angsana New"/>
-        <a:font script="Ethi" typeface="Nyala"/>
-        <a:font script="Beng" typeface="Vrinda"/>
-        <a:font script="Gujr" typeface="Shruti"/>
-        <a:font script="Khmr" typeface="MoolBoran"/>
-        <a:font script="Knda" typeface="Tunga"/>
-        <a:font script="Guru" typeface="Raavi"/>
-        <a:font script="Cans" typeface="Euphemia"/>
-        <a:font script="Cher" typeface="Plantagenet Cherokee"/>
-        <a:font script="Yiii" typeface="Microsoft Yi Baiti"/>
-        <a:font script="Tibt" typeface="Microsoft Himalaya"/>
-        <a:font script="Thaa" typeface="MV Boli"/>
-        <a:font script="Deva" typeface="Mangal"/>
-        <a:font script="Telu" typeface="Gautami"/>
-        <a:font script="Taml" typeface="Latha"/>
-        <a:font script="Syrc" typeface="Estrangelo Edessa"/>
-        <a:font script="Orya" typeface="Kalinga"/>
-        <a:font script="Mlym" typeface="Kartika"/>
-        <a:font script="Laoo" typeface="DokChampa"/>
-        <a:font script="Sinh" typeface="Iskoola Pota"/>
-        <a:font script="Mong" typeface="Mongolian Baiti"/>
-        <a:font script="Viet" typeface="Times New Roman"/>
-        <a:font script="Uigh" typeface="Microsoft Uighur"/>
-        <a:font script="Geor" typeface="Sylfaen"/>
-      </a:majorFont>
-      <a:minorFont>
-        <a:latin typeface="Calibri"/>
-        <a:ea typeface=""/>
-        <a:cs typeface=""/>
-        <a:font script="Jpan" typeface="ＭＳ Ｐゴシック"/>
-        <a:font script="Hang" typeface="맑은 고딕"/>
-        <a:font script="Hans" typeface="宋体"/>
-        <a:font script="Hant" typeface="新細明體"/>
-        <a:font script="Arab" typeface="Arial"/>
-        <a:font script="Hebr" typeface="Arial"/>
-        <a:font script="Thai" typeface="Cordia New"/>
-        <a:font script="Ethi" typeface="Nyala"/>
-        <a:font script="Beng" typeface="Vrinda"/>
-        <a:font script="Gujr" typeface="Shruti"/>
-        <a:font script="Khmr" typeface="DaunPenh"/>
-        <a:font script="Knda" typeface="Tunga"/>
-        <a:font script="Guru" typeface="Raavi"/>
-        <a:font script="Cans" typeface="Euphemia"/>
-        <a:font script="Cher" typeface="Plantagenet Cherokee"/>
-        <a:font script="Yiii" typeface="Microsoft Yi Baiti"/>
-        <a:font script="Tibt" typeface="Microsoft Himalaya"/>
-        <a:font script="Thaa" typeface="MV Boli"/>
-        <a:font script="Deva" typeface="Mangal"/>
-        <a:font script="Telu" typeface="Gautami"/>
-        <a:font script="Taml" typeface="Latha"/>
-        <a:font script="Syrc" typeface="Estrangelo Edessa"/>
-        <a:font script="Orya" typeface="Kalinga"/>
-        <a:font script="Mlym" typeface="Kartika"/>
-        <a:font script="Laoo" typeface="DokChampa"/>
-        <a:font script="Sinh" typeface="Iskoola Pota"/>
-        <a:font script="Mong" typeface="Mongolian Baiti"/>
-        <a:font script="Viet" typeface="Arial"/>
-        <a:font script="Uigh" typeface="Microsoft Uighur"/>
-        <a:font script="Geor" typeface="Sylfaen"/>
-      </a:minorFont>
-    </a:fontScheme>
-    <a:fmtScheme name="Office">
-      <a:fillStyleLst>
-        <a:solidFill>
-          <a:schemeClr val="phClr"/>
-        </a:solidFill>
-        <a:gradFill rotWithShape="1">
-          <a:gsLst>
-            <a:gs pos="0">
-              <a:schemeClr val="phClr">
-                <a:tint val="50000"/>
-                <a:satMod val="300000"/>
-              </a:schemeClr>
-            </a:gs>
-            <a:gs pos="35000">
-              <a:schemeClr val="phClr">
-                <a:tint val="37000"/>
-                <a:satMod val="300000"/>
-              </a:schemeClr>
-            </a:gs>
-            <a:gs pos="100000">
-              <a:schemeClr val="phClr">
-                <a:tint val="15000"/>
-                <a:satMod val="350000"/>
-              </a:schemeClr>
-            </a:gs>
-          </a:gsLst>
-          <a:lin ang="16200000" scaled="1"/>
-        </a:gradFill>
-        <a:gradFill rotWithShape="1">
-          <a:gsLst>
-            <a:gs pos="0">
-              <a:schemeClr val="phClr">
-                <a:tint val="100000"/>
-                <a:shade val="100000"/>
-                <a:satMod val="130000"/>
-              </a:schemeClr>
-            </a:gs>
-            <a:gs pos="100000">
-              <a:schemeClr val="phClr">
-                <a:tint val="50000"/>
-                <a:shade val="100000"/>
-                <a:satMod val="350000"/>
-              </a:schemeClr>
-            </a:gs>
-          </a:gsLst>
-          <a:lin ang="16200000" scaled="0"/>
-        </a:gradFill>
-      </a:fillStyleLst>
-      <a:lnStyleLst>
-        <a:ln w="9525" cap="flat" cmpd="sng" algn="ctr">
-          <a:solidFill>
-            <a:schemeClr val="phClr">
-              <a:shade val="95000"/>
-              <a:satMod val="105000"/>
-            </a:schemeClr>
-          </a:solidFill>
-          <a:prstDash val="solid"/>
-        </a:ln>
-        <a:ln w="25400" cap="flat" cmpd="sng" algn="ctr">
-          <a:solidFill>
-            <a:schemeClr val="phClr"/>
-          </a:solidFill>
-          <a:prstDash val="solid"/>
-        </a:ln>
-        <a:ln w="38100" cap="flat" cmpd="sng" algn="ctr">
-          <a:solidFill>
-            <a:schemeClr val="phClr"/>
-          </a:solidFill>
-          <a:prstDash val="solid"/>
-        </a:ln>
-      </a:lnStyleLst>
-      <a:effectStyleLst>
-        <a:effectStyle>
-          <a:effectLst>
-            <a:outerShdw blurRad="40000" dist="20000" dir="5400000" rotWithShape="0">
-              <a:srgbClr val="000000">
-                <a:alpha val="38000"/>
-              </a:srgbClr>
-            </a:outerShdw>
-          </a:effectLst>
-        </a:effectStyle>
-        <a:effectStyle>
-          <a:effectLst>
-            <a:outerShdw blurRad="40000" dist="23000" dir="5400000" rotWithShape="0">
-              <a:srgbClr val="000000">
-                <a:alpha val="35000"/>
-              </a:srgbClr>
-            </a:outerShdw>
-          </a:effectLst>
-        </a:effectStyle>
-        <a:effectStyle>
-          <a:effectLst>
-            <a:outerShdw blurRad="40000" dist="23000" dir="5400000" rotWithShape="0">
-              <a:srgbClr val="000000">
-                <a:alpha val="35000"/>
-              </a:srgbClr>
-            </a:outerShdw>
-          </a:effectLst>
-          <a:scene3d>
-            <a:camera prst="orthographicFront">
-              <a:rot lat="0" lon="0" rev="0"/>
-            </a:camera>
-            <a:lightRig rig="threePt" dir="t">
-              <a:rot lat="0" lon="0" rev="1200000"/>
-            </a:lightRig>
-          </a:scene3d>
-          <a:sp3d>
-            <a:bevelT w="63500" h="25400"/>
-          </a:sp3d>
-        </a:effectStyle>
-      </a:effectStyleLst>
-      <a:bgFillStyleLst>
-        <a:solidFill>
-          <a:schemeClr val="phClr"/>
-        </a:solidFill>
-        <a:gradFill rotWithShape="1">
-          <a:gsLst>
-            <a:gs pos="0">
-              <a:schemeClr val="phClr">
-                <a:tint val="40000"/>
-                <a:satMod val="350000"/>
-              </a:schemeClr>
-            </a:gs>
-            <a:gs pos="40000">
-              <a:schemeClr val="phClr">
-                <a:tint val="45000"/>
-                <a:shade val="99000"/>
-                <a:satMod val="350000"/>
-              </a:schemeClr>
-            </a:gs>
-            <a:gs pos="100000">
-              <a:schemeClr val="phClr">
-                <a:shade val="20000"/>
-                <a:satMod val="255000"/>
-              </a:schemeClr>
-            </a:gs>
-          </a:gsLst>
-          <a:path path="circle">
-            <a:fillToRect l="50000" t="-80000" r="50000" b="180000"/>
-          </a:path>
-        </a:gradFill>
-        <a:gradFill rotWithShape="1">
-          <a:gsLst>
-            <a:gs pos="0">
-              <a:schemeClr val="phClr">
-                <a:tint val="80000"/>
-                <a:satMod val="300000"/>
-              </a:schemeClr>
-            </a:gs>
-            <a:gs pos="100000">
-              <a:schemeClr val="phClr">
-                <a:shade val="30000"/>
-                <a:satMod val="200000"/>
-              </a:schemeClr>
-            </a:gs>
-          </a:gsLst>
-          <a:path path="circle">
-            <a:fillToRect l="50000" t="50000" r="50000" b="50000"/>
-          </a:path>
-        </a:gradFill>
-      </a:bgFillStyleLst>
-    </a:fmtScheme>
-  </a:themeElements>
-  <a:objectDefaults>
-    <a:spDef>
-      <a:spPr/>
-      <a:bodyPr/>
-      <a:lstStyle/>
-      <a:style>
-        <a:lnRef idx="1">
-          <a:schemeClr val="accent1"/>
-        </a:lnRef>
-        <a:fillRef idx="3">
-          <a:schemeClr val="accent1"/>
-        </a:fillRef>
-        <a:effectRef idx="2">
-          <a:schemeClr val="accent1"/>
-        </a:effectRef>
-        <a:fontRef idx="minor">
-          <a:schemeClr val="lt1"/>
-        </a:fontRef>
-      </a:style>
-    </a:spDef>
-    <a:lnDef>
-      <a:spPr/>
-      <a:bodyPr/>
-      <a:lstStyle/>
-      <a:style>
-        <a:lnRef idx="2">
-          <a:schemeClr val="accent1"/>
-        </a:lnRef>
-        <a:fillRef idx="0">
-          <a:schemeClr val="accent1"/>
-        </a:fillRef>
-        <a:effectRef idx="1">
-          <a:schemeClr val="accent1"/>
-        </a:effectRef>
-        <a:fontRef idx="minor">
-          <a:schemeClr val="tx1"/>
-        </a:fontRef>
-      </a:style>
-    </a:lnDef>
-  </a:objectDefaults>
-  <a:extraClrSchemeLst/>
-</a:theme>
-</file>
-
-<file path=ppt/theme/theme2.xml><?xml version="1.0" encoding="utf-8"?>
 <a:theme xmlns:a="http://schemas.openxmlformats.org/drawingml/2006/main" name="3_Office Theme">
   <a:themeElements>
     <a:clrScheme name="Office">
@@ -7793,7 +11172,7 @@
 </a:theme>
 </file>
 
-<file path=ppt/theme/theme3.xml><?xml version="1.0" encoding="utf-8"?>
+<file path=ppt/theme/theme2.xml><?xml version="1.0" encoding="utf-8"?>
 <a:theme xmlns:a="http://schemas.openxmlformats.org/drawingml/2006/main" name="Pivotal Main">
   <a:themeElements>
     <a:clrScheme name="Pivotal R2">
@@ -8111,7 +11490,7 @@
 </a:theme>
 </file>
 
-<file path=ppt/theme/theme4.xml><?xml version="1.0" encoding="utf-8"?>
+<file path=ppt/theme/theme3.xml><?xml version="1.0" encoding="utf-8"?>
 <a:theme xmlns:a="http://schemas.openxmlformats.org/drawingml/2006/main" name="1_Pivotal Main">
   <a:themeElements>
     <a:clrScheme name="Pivotal R2">
@@ -8220,6 +11599,326 @@
         <a:font script="Mong" typeface="Mongolian Baiti"/>
         <a:font script="Viet" typeface="Arial"/>
         <a:font script="Uigh" typeface="Microsoft Uighur"/>
+      </a:minorFont>
+    </a:fontScheme>
+    <a:fmtScheme name="Office">
+      <a:fillStyleLst>
+        <a:solidFill>
+          <a:schemeClr val="phClr"/>
+        </a:solidFill>
+        <a:gradFill rotWithShape="1">
+          <a:gsLst>
+            <a:gs pos="0">
+              <a:schemeClr val="phClr">
+                <a:tint val="50000"/>
+                <a:satMod val="300000"/>
+              </a:schemeClr>
+            </a:gs>
+            <a:gs pos="35000">
+              <a:schemeClr val="phClr">
+                <a:tint val="37000"/>
+                <a:satMod val="300000"/>
+              </a:schemeClr>
+            </a:gs>
+            <a:gs pos="100000">
+              <a:schemeClr val="phClr">
+                <a:tint val="15000"/>
+                <a:satMod val="350000"/>
+              </a:schemeClr>
+            </a:gs>
+          </a:gsLst>
+          <a:lin ang="16200000" scaled="1"/>
+        </a:gradFill>
+        <a:gradFill rotWithShape="1">
+          <a:gsLst>
+            <a:gs pos="0">
+              <a:schemeClr val="phClr">
+                <a:tint val="100000"/>
+                <a:shade val="100000"/>
+                <a:satMod val="130000"/>
+              </a:schemeClr>
+            </a:gs>
+            <a:gs pos="100000">
+              <a:schemeClr val="phClr">
+                <a:tint val="50000"/>
+                <a:shade val="100000"/>
+                <a:satMod val="350000"/>
+              </a:schemeClr>
+            </a:gs>
+          </a:gsLst>
+          <a:lin ang="16200000" scaled="0"/>
+        </a:gradFill>
+      </a:fillStyleLst>
+      <a:lnStyleLst>
+        <a:ln w="9525" cap="flat" cmpd="sng" algn="ctr">
+          <a:solidFill>
+            <a:schemeClr val="phClr">
+              <a:shade val="95000"/>
+              <a:satMod val="105000"/>
+            </a:schemeClr>
+          </a:solidFill>
+          <a:prstDash val="solid"/>
+        </a:ln>
+        <a:ln w="25400" cap="flat" cmpd="sng" algn="ctr">
+          <a:solidFill>
+            <a:schemeClr val="phClr"/>
+          </a:solidFill>
+          <a:prstDash val="solid"/>
+        </a:ln>
+        <a:ln w="38100" cap="flat" cmpd="sng" algn="ctr">
+          <a:solidFill>
+            <a:schemeClr val="phClr"/>
+          </a:solidFill>
+          <a:prstDash val="solid"/>
+        </a:ln>
+      </a:lnStyleLst>
+      <a:effectStyleLst>
+        <a:effectStyle>
+          <a:effectLst>
+            <a:outerShdw blurRad="40000" dist="20000" dir="5400000" rotWithShape="0">
+              <a:srgbClr val="000000">
+                <a:alpha val="38000"/>
+              </a:srgbClr>
+            </a:outerShdw>
+          </a:effectLst>
+        </a:effectStyle>
+        <a:effectStyle>
+          <a:effectLst>
+            <a:outerShdw blurRad="40000" dist="23000" dir="5400000" rotWithShape="0">
+              <a:srgbClr val="000000">
+                <a:alpha val="35000"/>
+              </a:srgbClr>
+            </a:outerShdw>
+          </a:effectLst>
+        </a:effectStyle>
+        <a:effectStyle>
+          <a:effectLst>
+            <a:outerShdw blurRad="40000" dist="23000" dir="5400000" rotWithShape="0">
+              <a:srgbClr val="000000">
+                <a:alpha val="35000"/>
+              </a:srgbClr>
+            </a:outerShdw>
+          </a:effectLst>
+          <a:scene3d>
+            <a:camera prst="orthographicFront">
+              <a:rot lat="0" lon="0" rev="0"/>
+            </a:camera>
+            <a:lightRig rig="threePt" dir="t">
+              <a:rot lat="0" lon="0" rev="1200000"/>
+            </a:lightRig>
+          </a:scene3d>
+          <a:sp3d>
+            <a:bevelT w="63500" h="25400"/>
+          </a:sp3d>
+        </a:effectStyle>
+      </a:effectStyleLst>
+      <a:bgFillStyleLst>
+        <a:solidFill>
+          <a:schemeClr val="phClr"/>
+        </a:solidFill>
+        <a:gradFill rotWithShape="1">
+          <a:gsLst>
+            <a:gs pos="0">
+              <a:schemeClr val="phClr">
+                <a:tint val="40000"/>
+                <a:satMod val="350000"/>
+              </a:schemeClr>
+            </a:gs>
+            <a:gs pos="40000">
+              <a:schemeClr val="phClr">
+                <a:tint val="45000"/>
+                <a:shade val="99000"/>
+                <a:satMod val="350000"/>
+              </a:schemeClr>
+            </a:gs>
+            <a:gs pos="100000">
+              <a:schemeClr val="phClr">
+                <a:shade val="20000"/>
+                <a:satMod val="255000"/>
+              </a:schemeClr>
+            </a:gs>
+          </a:gsLst>
+          <a:path path="circle">
+            <a:fillToRect l="50000" t="-80000" r="50000" b="180000"/>
+          </a:path>
+        </a:gradFill>
+        <a:gradFill rotWithShape="1">
+          <a:gsLst>
+            <a:gs pos="0">
+              <a:schemeClr val="phClr">
+                <a:tint val="80000"/>
+                <a:satMod val="300000"/>
+              </a:schemeClr>
+            </a:gs>
+            <a:gs pos="100000">
+              <a:schemeClr val="phClr">
+                <a:shade val="30000"/>
+                <a:satMod val="200000"/>
+              </a:schemeClr>
+            </a:gs>
+          </a:gsLst>
+          <a:path path="circle">
+            <a:fillToRect l="50000" t="50000" r="50000" b="50000"/>
+          </a:path>
+        </a:gradFill>
+      </a:bgFillStyleLst>
+    </a:fmtScheme>
+  </a:themeElements>
+  <a:objectDefaults>
+    <a:spDef>
+      <a:spPr/>
+      <a:bodyPr/>
+      <a:lstStyle/>
+      <a:style>
+        <a:lnRef idx="1">
+          <a:schemeClr val="accent1"/>
+        </a:lnRef>
+        <a:fillRef idx="3">
+          <a:schemeClr val="accent1"/>
+        </a:fillRef>
+        <a:effectRef idx="2">
+          <a:schemeClr val="accent1"/>
+        </a:effectRef>
+        <a:fontRef idx="minor">
+          <a:schemeClr val="lt1"/>
+        </a:fontRef>
+      </a:style>
+    </a:spDef>
+    <a:lnDef>
+      <a:spPr/>
+      <a:bodyPr/>
+      <a:lstStyle/>
+      <a:style>
+        <a:lnRef idx="2">
+          <a:schemeClr val="accent1"/>
+        </a:lnRef>
+        <a:fillRef idx="0">
+          <a:schemeClr val="accent1"/>
+        </a:fillRef>
+        <a:effectRef idx="1">
+          <a:schemeClr val="accent1"/>
+        </a:effectRef>
+        <a:fontRef idx="minor">
+          <a:schemeClr val="tx1"/>
+        </a:fontRef>
+      </a:style>
+    </a:lnDef>
+  </a:objectDefaults>
+  <a:extraClrSchemeLst/>
+</a:theme>
+</file>
+
+<file path=ppt/theme/theme4.xml><?xml version="1.0" encoding="utf-8"?>
+<a:theme xmlns:a="http://schemas.openxmlformats.org/drawingml/2006/main" name="Office Theme">
+  <a:themeElements>
+    <a:clrScheme name="Office">
+      <a:dk1>
+        <a:sysClr val="windowText" lastClr="000000"/>
+      </a:dk1>
+      <a:lt1>
+        <a:sysClr val="window" lastClr="FFFFFF"/>
+      </a:lt1>
+      <a:dk2>
+        <a:srgbClr val="1F497D"/>
+      </a:dk2>
+      <a:lt2>
+        <a:srgbClr val="EEECE1"/>
+      </a:lt2>
+      <a:accent1>
+        <a:srgbClr val="4F81BD"/>
+      </a:accent1>
+      <a:accent2>
+        <a:srgbClr val="C0504D"/>
+      </a:accent2>
+      <a:accent3>
+        <a:srgbClr val="9BBB59"/>
+      </a:accent3>
+      <a:accent4>
+        <a:srgbClr val="8064A2"/>
+      </a:accent4>
+      <a:accent5>
+        <a:srgbClr val="4BACC6"/>
+      </a:accent5>
+      <a:accent6>
+        <a:srgbClr val="F79646"/>
+      </a:accent6>
+      <a:hlink>
+        <a:srgbClr val="0000FF"/>
+      </a:hlink>
+      <a:folHlink>
+        <a:srgbClr val="800080"/>
+      </a:folHlink>
+    </a:clrScheme>
+    <a:fontScheme name="Office">
+      <a:majorFont>
+        <a:latin typeface="Calibri"/>
+        <a:ea typeface=""/>
+        <a:cs typeface=""/>
+        <a:font script="Jpan" typeface="ＭＳ Ｐゴシック"/>
+        <a:font script="Hang" typeface="맑은 고딕"/>
+        <a:font script="Hans" typeface="宋体"/>
+        <a:font script="Hant" typeface="新細明體"/>
+        <a:font script="Arab" typeface="Times New Roman"/>
+        <a:font script="Hebr" typeface="Times New Roman"/>
+        <a:font script="Thai" typeface="Angsana New"/>
+        <a:font script="Ethi" typeface="Nyala"/>
+        <a:font script="Beng" typeface="Vrinda"/>
+        <a:font script="Gujr" typeface="Shruti"/>
+        <a:font script="Khmr" typeface="MoolBoran"/>
+        <a:font script="Knda" typeface="Tunga"/>
+        <a:font script="Guru" typeface="Raavi"/>
+        <a:font script="Cans" typeface="Euphemia"/>
+        <a:font script="Cher" typeface="Plantagenet Cherokee"/>
+        <a:font script="Yiii" typeface="Microsoft Yi Baiti"/>
+        <a:font script="Tibt" typeface="Microsoft Himalaya"/>
+        <a:font script="Thaa" typeface="MV Boli"/>
+        <a:font script="Deva" typeface="Mangal"/>
+        <a:font script="Telu" typeface="Gautami"/>
+        <a:font script="Taml" typeface="Latha"/>
+        <a:font script="Syrc" typeface="Estrangelo Edessa"/>
+        <a:font script="Orya" typeface="Kalinga"/>
+        <a:font script="Mlym" typeface="Kartika"/>
+        <a:font script="Laoo" typeface="DokChampa"/>
+        <a:font script="Sinh" typeface="Iskoola Pota"/>
+        <a:font script="Mong" typeface="Mongolian Baiti"/>
+        <a:font script="Viet" typeface="Times New Roman"/>
+        <a:font script="Uigh" typeface="Microsoft Uighur"/>
+        <a:font script="Geor" typeface="Sylfaen"/>
+      </a:majorFont>
+      <a:minorFont>
+        <a:latin typeface="Calibri"/>
+        <a:ea typeface=""/>
+        <a:cs typeface=""/>
+        <a:font script="Jpan" typeface="ＭＳ Ｐゴシック"/>
+        <a:font script="Hang" typeface="맑은 고딕"/>
+        <a:font script="Hans" typeface="宋体"/>
+        <a:font script="Hant" typeface="新細明體"/>
+        <a:font script="Arab" typeface="Arial"/>
+        <a:font script="Hebr" typeface="Arial"/>
+        <a:font script="Thai" typeface="Cordia New"/>
+        <a:font script="Ethi" typeface="Nyala"/>
+        <a:font script="Beng" typeface="Vrinda"/>
+        <a:font script="Gujr" typeface="Shruti"/>
+        <a:font script="Khmr" typeface="DaunPenh"/>
+        <a:font script="Knda" typeface="Tunga"/>
+        <a:font script="Guru" typeface="Raavi"/>
+        <a:font script="Cans" typeface="Euphemia"/>
+        <a:font script="Cher" typeface="Plantagenet Cherokee"/>
+        <a:font script="Yiii" typeface="Microsoft Yi Baiti"/>
+        <a:font script="Tibt" typeface="Microsoft Himalaya"/>
+        <a:font script="Thaa" typeface="MV Boli"/>
+        <a:font script="Deva" typeface="Mangal"/>
+        <a:font script="Telu" typeface="Gautami"/>
+        <a:font script="Taml" typeface="Latha"/>
+        <a:font script="Syrc" typeface="Estrangelo Edessa"/>
+        <a:font script="Orya" typeface="Kalinga"/>
+        <a:font script="Mlym" typeface="Kartika"/>
+        <a:font script="Laoo" typeface="DokChampa"/>
+        <a:font script="Sinh" typeface="Iskoola Pota"/>
+        <a:font script="Mong" typeface="Mongolian Baiti"/>
+        <a:font script="Viet" typeface="Arial"/>
+        <a:font script="Uigh" typeface="Microsoft Uighur"/>
+        <a:font script="Geor" typeface="Sylfaen"/>
       </a:minorFont>
     </a:fontScheme>
     <a:fmtScheme name="Office">
@@ -8747,324 +12446,4 @@
   </a:objectDefaults>
   <a:extraClrSchemeLst/>
 </a:theme>
-</file>
-
-<file path=ppt/theme/theme6.xml><?xml version="1.0" encoding="utf-8"?>
-<a:theme xmlns:a="http://schemas.openxmlformats.org/drawingml/2006/main" name="Office Theme">
-  <a:themeElements>
-    <a:clrScheme name="Office">
-      <a:dk1>
-        <a:sysClr val="windowText" lastClr="000000"/>
-      </a:dk1>
-      <a:lt1>
-        <a:sysClr val="window" lastClr="FFFFFF"/>
-      </a:lt1>
-      <a:dk2>
-        <a:srgbClr val="1F497D"/>
-      </a:dk2>
-      <a:lt2>
-        <a:srgbClr val="EEECE1"/>
-      </a:lt2>
-      <a:accent1>
-        <a:srgbClr val="4F81BD"/>
-      </a:accent1>
-      <a:accent2>
-        <a:srgbClr val="C0504D"/>
-      </a:accent2>
-      <a:accent3>
-        <a:srgbClr val="9BBB59"/>
-      </a:accent3>
-      <a:accent4>
-        <a:srgbClr val="8064A2"/>
-      </a:accent4>
-      <a:accent5>
-        <a:srgbClr val="4BACC6"/>
-      </a:accent5>
-      <a:accent6>
-        <a:srgbClr val="F79646"/>
-      </a:accent6>
-      <a:hlink>
-        <a:srgbClr val="0000FF"/>
-      </a:hlink>
-      <a:folHlink>
-        <a:srgbClr val="800080"/>
-      </a:folHlink>
-    </a:clrScheme>
-    <a:fontScheme name="Office">
-      <a:majorFont>
-        <a:latin typeface="Calibri"/>
-        <a:ea typeface=""/>
-        <a:cs typeface=""/>
-        <a:font script="Jpan" typeface="ＭＳ Ｐゴシック"/>
-        <a:font script="Hang" typeface="맑은 고딕"/>
-        <a:font script="Hans" typeface="宋体"/>
-        <a:font script="Hant" typeface="新細明體"/>
-        <a:font script="Arab" typeface="Times New Roman"/>
-        <a:font script="Hebr" typeface="Times New Roman"/>
-        <a:font script="Thai" typeface="Angsana New"/>
-        <a:font script="Ethi" typeface="Nyala"/>
-        <a:font script="Beng" typeface="Vrinda"/>
-        <a:font script="Gujr" typeface="Shruti"/>
-        <a:font script="Khmr" typeface="MoolBoran"/>
-        <a:font script="Knda" typeface="Tunga"/>
-        <a:font script="Guru" typeface="Raavi"/>
-        <a:font script="Cans" typeface="Euphemia"/>
-        <a:font script="Cher" typeface="Plantagenet Cherokee"/>
-        <a:font script="Yiii" typeface="Microsoft Yi Baiti"/>
-        <a:font script="Tibt" typeface="Microsoft Himalaya"/>
-        <a:font script="Thaa" typeface="MV Boli"/>
-        <a:font script="Deva" typeface="Mangal"/>
-        <a:font script="Telu" typeface="Gautami"/>
-        <a:font script="Taml" typeface="Latha"/>
-        <a:font script="Syrc" typeface="Estrangelo Edessa"/>
-        <a:font script="Orya" typeface="Kalinga"/>
-        <a:font script="Mlym" typeface="Kartika"/>
-        <a:font script="Laoo" typeface="DokChampa"/>
-        <a:font script="Sinh" typeface="Iskoola Pota"/>
-        <a:font script="Mong" typeface="Mongolian Baiti"/>
-        <a:font script="Viet" typeface="Times New Roman"/>
-        <a:font script="Uigh" typeface="Microsoft Uighur"/>
-        <a:font script="Geor" typeface="Sylfaen"/>
-      </a:majorFont>
-      <a:minorFont>
-        <a:latin typeface="Calibri"/>
-        <a:ea typeface=""/>
-        <a:cs typeface=""/>
-        <a:font script="Jpan" typeface="ＭＳ Ｐゴシック"/>
-        <a:font script="Hang" typeface="맑은 고딕"/>
-        <a:font script="Hans" typeface="宋体"/>
-        <a:font script="Hant" typeface="新細明體"/>
-        <a:font script="Arab" typeface="Arial"/>
-        <a:font script="Hebr" typeface="Arial"/>
-        <a:font script="Thai" typeface="Cordia New"/>
-        <a:font script="Ethi" typeface="Nyala"/>
-        <a:font script="Beng" typeface="Vrinda"/>
-        <a:font script="Gujr" typeface="Shruti"/>
-        <a:font script="Khmr" typeface="DaunPenh"/>
-        <a:font script="Knda" typeface="Tunga"/>
-        <a:font script="Guru" typeface="Raavi"/>
-        <a:font script="Cans" typeface="Euphemia"/>
-        <a:font script="Cher" typeface="Plantagenet Cherokee"/>
-        <a:font script="Yiii" typeface="Microsoft Yi Baiti"/>
-        <a:font script="Tibt" typeface="Microsoft Himalaya"/>
-        <a:font script="Thaa" typeface="MV Boli"/>
-        <a:font script="Deva" typeface="Mangal"/>
-        <a:font script="Telu" typeface="Gautami"/>
-        <a:font script="Taml" typeface="Latha"/>
-        <a:font script="Syrc" typeface="Estrangelo Edessa"/>
-        <a:font script="Orya" typeface="Kalinga"/>
-        <a:font script="Mlym" typeface="Kartika"/>
-        <a:font script="Laoo" typeface="DokChampa"/>
-        <a:font script="Sinh" typeface="Iskoola Pota"/>
-        <a:font script="Mong" typeface="Mongolian Baiti"/>
-        <a:font script="Viet" typeface="Arial"/>
-        <a:font script="Uigh" typeface="Microsoft Uighur"/>
-        <a:font script="Geor" typeface="Sylfaen"/>
-      </a:minorFont>
-    </a:fontScheme>
-    <a:fmtScheme name="Office">
-      <a:fillStyleLst>
-        <a:solidFill>
-          <a:schemeClr val="phClr"/>
-        </a:solidFill>
-        <a:gradFill rotWithShape="1">
-          <a:gsLst>
-            <a:gs pos="0">
-              <a:schemeClr val="phClr">
-                <a:tint val="50000"/>
-                <a:satMod val="300000"/>
-              </a:schemeClr>
-            </a:gs>
-            <a:gs pos="35000">
-              <a:schemeClr val="phClr">
-                <a:tint val="37000"/>
-                <a:satMod val="300000"/>
-              </a:schemeClr>
-            </a:gs>
-            <a:gs pos="100000">
-              <a:schemeClr val="phClr">
-                <a:tint val="15000"/>
-                <a:satMod val="350000"/>
-              </a:schemeClr>
-            </a:gs>
-          </a:gsLst>
-          <a:lin ang="16200000" scaled="1"/>
-        </a:gradFill>
-        <a:gradFill rotWithShape="1">
-          <a:gsLst>
-            <a:gs pos="0">
-              <a:schemeClr val="phClr">
-                <a:tint val="100000"/>
-                <a:shade val="100000"/>
-                <a:satMod val="130000"/>
-              </a:schemeClr>
-            </a:gs>
-            <a:gs pos="100000">
-              <a:schemeClr val="phClr">
-                <a:tint val="50000"/>
-                <a:shade val="100000"/>
-                <a:satMod val="350000"/>
-              </a:schemeClr>
-            </a:gs>
-          </a:gsLst>
-          <a:lin ang="16200000" scaled="0"/>
-        </a:gradFill>
-      </a:fillStyleLst>
-      <a:lnStyleLst>
-        <a:ln w="9525" cap="flat" cmpd="sng" algn="ctr">
-          <a:solidFill>
-            <a:schemeClr val="phClr">
-              <a:shade val="95000"/>
-              <a:satMod val="105000"/>
-            </a:schemeClr>
-          </a:solidFill>
-          <a:prstDash val="solid"/>
-        </a:ln>
-        <a:ln w="25400" cap="flat" cmpd="sng" algn="ctr">
-          <a:solidFill>
-            <a:schemeClr val="phClr"/>
-          </a:solidFill>
-          <a:prstDash val="solid"/>
-        </a:ln>
-        <a:ln w="38100" cap="flat" cmpd="sng" algn="ctr">
-          <a:solidFill>
-            <a:schemeClr val="phClr"/>
-          </a:solidFill>
-          <a:prstDash val="solid"/>
-        </a:ln>
-      </a:lnStyleLst>
-      <a:effectStyleLst>
-        <a:effectStyle>
-          <a:effectLst>
-            <a:outerShdw blurRad="40000" dist="20000" dir="5400000" rotWithShape="0">
-              <a:srgbClr val="000000">
-                <a:alpha val="38000"/>
-              </a:srgbClr>
-            </a:outerShdw>
-          </a:effectLst>
-        </a:effectStyle>
-        <a:effectStyle>
-          <a:effectLst>
-            <a:outerShdw blurRad="40000" dist="23000" dir="5400000" rotWithShape="0">
-              <a:srgbClr val="000000">
-                <a:alpha val="35000"/>
-              </a:srgbClr>
-            </a:outerShdw>
-          </a:effectLst>
-        </a:effectStyle>
-        <a:effectStyle>
-          <a:effectLst>
-            <a:outerShdw blurRad="40000" dist="23000" dir="5400000" rotWithShape="0">
-              <a:srgbClr val="000000">
-                <a:alpha val="35000"/>
-              </a:srgbClr>
-            </a:outerShdw>
-          </a:effectLst>
-          <a:scene3d>
-            <a:camera prst="orthographicFront">
-              <a:rot lat="0" lon="0" rev="0"/>
-            </a:camera>
-            <a:lightRig rig="threePt" dir="t">
-              <a:rot lat="0" lon="0" rev="1200000"/>
-            </a:lightRig>
-          </a:scene3d>
-          <a:sp3d>
-            <a:bevelT w="63500" h="25400"/>
-          </a:sp3d>
-        </a:effectStyle>
-      </a:effectStyleLst>
-      <a:bgFillStyleLst>
-        <a:solidFill>
-          <a:schemeClr val="phClr"/>
-        </a:solidFill>
-        <a:gradFill rotWithShape="1">
-          <a:gsLst>
-            <a:gs pos="0">
-              <a:schemeClr val="phClr">
-                <a:tint val="40000"/>
-                <a:satMod val="350000"/>
-              </a:schemeClr>
-            </a:gs>
-            <a:gs pos="40000">
-              <a:schemeClr val="phClr">
-                <a:tint val="45000"/>
-                <a:shade val="99000"/>
-                <a:satMod val="350000"/>
-              </a:schemeClr>
-            </a:gs>
-            <a:gs pos="100000">
-              <a:schemeClr val="phClr">
-                <a:shade val="20000"/>
-                <a:satMod val="255000"/>
-              </a:schemeClr>
-            </a:gs>
-          </a:gsLst>
-          <a:path path="circle">
-            <a:fillToRect l="50000" t="-80000" r="50000" b="180000"/>
-          </a:path>
-        </a:gradFill>
-        <a:gradFill rotWithShape="1">
-          <a:gsLst>
-            <a:gs pos="0">
-              <a:schemeClr val="phClr">
-                <a:tint val="80000"/>
-                <a:satMod val="300000"/>
-              </a:schemeClr>
-            </a:gs>
-            <a:gs pos="100000">
-              <a:schemeClr val="phClr">
-                <a:shade val="30000"/>
-                <a:satMod val="200000"/>
-              </a:schemeClr>
-            </a:gs>
-          </a:gsLst>
-          <a:path path="circle">
-            <a:fillToRect l="50000" t="50000" r="50000" b="50000"/>
-          </a:path>
-        </a:gradFill>
-      </a:bgFillStyleLst>
-    </a:fmtScheme>
-  </a:themeElements>
-  <a:objectDefaults>
-    <a:spDef>
-      <a:spPr/>
-      <a:bodyPr/>
-      <a:lstStyle/>
-      <a:style>
-        <a:lnRef idx="1">
-          <a:schemeClr val="accent1"/>
-        </a:lnRef>
-        <a:fillRef idx="3">
-          <a:schemeClr val="accent1"/>
-        </a:fillRef>
-        <a:effectRef idx="2">
-          <a:schemeClr val="accent1"/>
-        </a:effectRef>
-        <a:fontRef idx="minor">
-          <a:schemeClr val="lt1"/>
-        </a:fontRef>
-      </a:style>
-    </a:spDef>
-    <a:lnDef>
-      <a:spPr/>
-      <a:bodyPr/>
-      <a:lstStyle/>
-      <a:style>
-        <a:lnRef idx="2">
-          <a:schemeClr val="accent1"/>
-        </a:lnRef>
-        <a:fillRef idx="0">
-          <a:schemeClr val="accent1"/>
-        </a:fillRef>
-        <a:effectRef idx="1">
-          <a:schemeClr val="accent1"/>
-        </a:effectRef>
-        <a:fontRef idx="minor">
-          <a:schemeClr val="tx1"/>
-        </a:fontRef>
-      </a:style>
-    </a:lnDef>
-  </a:objectDefaults>
-  <a:extraClrSchemeLst/>
-</a:theme>
 </file>